--- a/Documentação/slide-synergy.pptx
+++ b/Documentação/slide-synergy.pptx
@@ -5,7 +5,7 @@
     <p:sldMasterId id="2147483648" r:id="rId1"/>
   </p:sldMasterIdLst>
   <p:notesMasterIdLst>
-    <p:notesMasterId r:id="rId14"/>
+    <p:notesMasterId r:id="rId16"/>
   </p:notesMasterIdLst>
   <p:sldIdLst>
     <p:sldId id="256" r:id="rId2"/>
@@ -14,12 +14,14 @@
     <p:sldId id="258" r:id="rId5"/>
     <p:sldId id="259" r:id="rId6"/>
     <p:sldId id="260" r:id="rId7"/>
-    <p:sldId id="268" r:id="rId8"/>
-    <p:sldId id="261" r:id="rId9"/>
-    <p:sldId id="262" r:id="rId10"/>
-    <p:sldId id="264" r:id="rId11"/>
-    <p:sldId id="265" r:id="rId12"/>
-    <p:sldId id="266" r:id="rId13"/>
+    <p:sldId id="269" r:id="rId8"/>
+    <p:sldId id="270" r:id="rId9"/>
+    <p:sldId id="261" r:id="rId10"/>
+    <p:sldId id="262" r:id="rId11"/>
+    <p:sldId id="271" r:id="rId12"/>
+    <p:sldId id="264" r:id="rId13"/>
+    <p:sldId id="265" r:id="rId14"/>
+    <p:sldId id="266" r:id="rId15"/>
   </p:sldIdLst>
   <p:sldSz cx="12192000" cy="6858000"/>
   <p:notesSz cx="6858000" cy="9144000"/>
@@ -208,7 +210,7 @@
           <a:p>
             <a:fld id="{655F7DB7-5B35-44EF-86DD-30F04B6260EF}" type="datetimeFigureOut">
               <a:rPr lang="pt-BR" smtClean="0"/>
-              <a:t>10/03/2020</a:t>
+              <a:t>21/04/2020</a:t>
             </a:fld>
             <a:endParaRPr lang="pt-BR"/>
           </a:p>
@@ -622,7 +624,7 @@
           <a:p>
             <a:fld id="{15B003F1-72A3-4565-B369-F67C067E940D}" type="datetimeFigureOut">
               <a:rPr lang="pt-BR" smtClean="0"/>
-              <a:t>10/03/2020</a:t>
+              <a:t>21/04/2020</a:t>
             </a:fld>
             <a:endParaRPr lang="pt-BR"/>
           </a:p>
@@ -823,7 +825,7 @@
           <a:p>
             <a:fld id="{15B003F1-72A3-4565-B369-F67C067E940D}" type="datetimeFigureOut">
               <a:rPr lang="pt-BR" smtClean="0"/>
-              <a:t>10/03/2020</a:t>
+              <a:t>21/04/2020</a:t>
             </a:fld>
             <a:endParaRPr lang="pt-BR"/>
           </a:p>
@@ -1034,7 +1036,7 @@
           <a:p>
             <a:fld id="{15B003F1-72A3-4565-B369-F67C067E940D}" type="datetimeFigureOut">
               <a:rPr lang="pt-BR" smtClean="0"/>
-              <a:t>10/03/2020</a:t>
+              <a:t>21/04/2020</a:t>
             </a:fld>
             <a:endParaRPr lang="pt-BR"/>
           </a:p>
@@ -1235,7 +1237,7 @@
           <a:p>
             <a:fld id="{15B003F1-72A3-4565-B369-F67C067E940D}" type="datetimeFigureOut">
               <a:rPr lang="pt-BR" smtClean="0"/>
-              <a:t>10/03/2020</a:t>
+              <a:t>21/04/2020</a:t>
             </a:fld>
             <a:endParaRPr lang="pt-BR"/>
           </a:p>
@@ -1513,7 +1515,7 @@
           <a:p>
             <a:fld id="{15B003F1-72A3-4565-B369-F67C067E940D}" type="datetimeFigureOut">
               <a:rPr lang="pt-BR" smtClean="0"/>
-              <a:t>10/03/2020</a:t>
+              <a:t>21/04/2020</a:t>
             </a:fld>
             <a:endParaRPr lang="pt-BR"/>
           </a:p>
@@ -1781,7 +1783,7 @@
           <a:p>
             <a:fld id="{15B003F1-72A3-4565-B369-F67C067E940D}" type="datetimeFigureOut">
               <a:rPr lang="pt-BR" smtClean="0"/>
-              <a:t>10/03/2020</a:t>
+              <a:t>21/04/2020</a:t>
             </a:fld>
             <a:endParaRPr lang="pt-BR"/>
           </a:p>
@@ -2196,7 +2198,7 @@
           <a:p>
             <a:fld id="{15B003F1-72A3-4565-B369-F67C067E940D}" type="datetimeFigureOut">
               <a:rPr lang="pt-BR" smtClean="0"/>
-              <a:t>10/03/2020</a:t>
+              <a:t>21/04/2020</a:t>
             </a:fld>
             <a:endParaRPr lang="pt-BR"/>
           </a:p>
@@ -2340,7 +2342,7 @@
           <a:p>
             <a:fld id="{15B003F1-72A3-4565-B369-F67C067E940D}" type="datetimeFigureOut">
               <a:rPr lang="pt-BR" smtClean="0"/>
-              <a:t>10/03/2020</a:t>
+              <a:t>21/04/2020</a:t>
             </a:fld>
             <a:endParaRPr lang="pt-BR"/>
           </a:p>
@@ -2456,7 +2458,7 @@
           <a:p>
             <a:fld id="{15B003F1-72A3-4565-B369-F67C067E940D}" type="datetimeFigureOut">
               <a:rPr lang="pt-BR" smtClean="0"/>
-              <a:t>10/03/2020</a:t>
+              <a:t>21/04/2020</a:t>
             </a:fld>
             <a:endParaRPr lang="pt-BR"/>
           </a:p>
@@ -2770,7 +2772,7 @@
           <a:p>
             <a:fld id="{15B003F1-72A3-4565-B369-F67C067E940D}" type="datetimeFigureOut">
               <a:rPr lang="pt-BR" smtClean="0"/>
-              <a:t>10/03/2020</a:t>
+              <a:t>21/04/2020</a:t>
             </a:fld>
             <a:endParaRPr lang="pt-BR"/>
           </a:p>
@@ -3061,7 +3063,7 @@
           <a:p>
             <a:fld id="{15B003F1-72A3-4565-B369-F67C067E940D}" type="datetimeFigureOut">
               <a:rPr lang="pt-BR" smtClean="0"/>
-              <a:t>10/03/2020</a:t>
+              <a:t>21/04/2020</a:t>
             </a:fld>
             <a:endParaRPr lang="pt-BR"/>
           </a:p>
@@ -3305,7 +3307,7 @@
           <a:p>
             <a:fld id="{15B003F1-72A3-4565-B369-F67C067E940D}" type="datetimeFigureOut">
               <a:rPr lang="pt-BR" smtClean="0"/>
-              <a:t>10/03/2020</a:t>
+              <a:t>21/04/2020</a:t>
             </a:fld>
             <a:endParaRPr lang="pt-BR"/>
           </a:p>
@@ -3952,92 +3954,35 @@
           <a:chExt cx="0" cy="0"/>
         </a:xfrm>
       </p:grpSpPr>
-      <p:pic>
-        <p:nvPicPr>
-          <p:cNvPr id="3" name="Imagem 2" descr="Uma imagem contendo texto, desenho&#10;&#10;Descrição gerada automaticamente">
-            <a:extLst>
-              <a:ext uri="{FF2B5EF4-FFF2-40B4-BE49-F238E27FC236}">
-                <a16:creationId xmlns:a16="http://schemas.microsoft.com/office/drawing/2014/main" id="{1BC5E0AB-6EDC-4020-80FC-407DFD0D3C3E}"/>
-              </a:ext>
-            </a:extLst>
-          </p:cNvPr>
-          <p:cNvPicPr>
-            <a:picLocks noChangeAspect="1"/>
-          </p:cNvPicPr>
-          <p:nvPr/>
-        </p:nvPicPr>
-        <p:blipFill>
-          <a:blip r:embed="rId2" cstate="hqprint">
-            <a:extLst>
-              <a:ext uri="{28A0092B-C50C-407E-A947-70E740481C1C}">
-                <a14:useLocalDpi xmlns:a14="http://schemas.microsoft.com/office/drawing/2010/main" val="0"/>
-              </a:ext>
-            </a:extLst>
-          </a:blip>
-          <a:stretch>
-            <a:fillRect/>
-          </a:stretch>
-        </p:blipFill>
-        <p:spPr>
-          <a:xfrm>
-            <a:off x="11371740" y="365125"/>
-            <a:ext cx="599846" cy="535577"/>
-          </a:xfrm>
-          <a:prstGeom prst="rect">
-            <a:avLst/>
-          </a:prstGeom>
-        </p:spPr>
-      </p:pic>
-      <p:sp>
-        <p:nvSpPr>
-          <p:cNvPr id="6" name="Título 1">
+      <p:sp>
+        <p:nvSpPr>
+          <p:cNvPr id="2" name="Título 1">
             <a:extLst>
               <a:ext uri="{FF2B5EF4-FFF2-40B4-BE49-F238E27FC236}">
                 <a16:creationId xmlns:a16="http://schemas.microsoft.com/office/drawing/2014/main" id="{99F76FBE-1BC2-4EE6-B90A-22263BF7BDCD}"/>
               </a:ext>
             </a:extLst>
           </p:cNvPr>
-          <p:cNvSpPr txBox="1">
-            <a:spLocks/>
+          <p:cNvSpPr>
+            <a:spLocks noGrp="1"/>
           </p:cNvSpPr>
-          <p:nvPr/>
-        </p:nvSpPr>
-        <p:spPr>
-          <a:xfrm>
-            <a:off x="838199" y="1433807"/>
-            <a:ext cx="10515600" cy="1325563"/>
-          </a:xfrm>
-          <a:prstGeom prst="rect">
-            <a:avLst/>
-          </a:prstGeom>
-        </p:spPr>
-        <p:txBody>
-          <a:bodyPr vert="horz" lIns="91440" tIns="45720" rIns="91440" bIns="45720" rtlCol="0" anchor="ctr">
-            <a:normAutofit/>
-          </a:bodyPr>
-          <a:lstStyle>
-            <a:lvl1pPr algn="l" defTabSz="914400" rtl="0" eaLnBrk="1" latinLnBrk="0" hangingPunct="1">
-              <a:lnSpc>
-                <a:spcPct val="90000"/>
-              </a:lnSpc>
-              <a:spcBef>
-                <a:spcPct val="0"/>
-              </a:spcBef>
-              <a:buNone/>
-              <a:defRPr sz="4400" kern="1200">
-                <a:solidFill>
-                  <a:schemeClr val="tx1"/>
-                </a:solidFill>
-                <a:latin typeface="+mj-lt"/>
-                <a:ea typeface="+mj-ea"/>
-                <a:cs typeface="+mj-cs"/>
-              </a:defRPr>
-            </a:lvl1pPr>
-          </a:lstStyle>
+          <p:nvPr>
+            <p:ph type="title"/>
+          </p:nvPr>
+        </p:nvSpPr>
+        <p:spPr>
+          <a:xfrm>
+            <a:off x="0" y="1433807"/>
+            <a:ext cx="12192000" cy="1325563"/>
+          </a:xfrm>
+        </p:spPr>
+        <p:txBody>
+          <a:bodyPr/>
+          <a:lstStyle/>
           <a:p>
             <a:pPr algn="ctr"/>
             <a:r>
-              <a:rPr lang="pt-BR" dirty="0" smtClean="0">
+              <a:rPr lang="pt-BR" dirty="0">
                 <a:solidFill>
                   <a:schemeClr val="tx1">
                     <a:lumMod val="75000"/>
@@ -4046,26 +3991,53 @@
                 </a:solidFill>
                 <a:latin typeface="Bariol Bold" panose="02000506040000020003" pitchFamily="2" charset="0"/>
               </a:rPr>
-              <a:t>Banco de Dados (Protótipo)</a:t>
-            </a:r>
-            <a:endParaRPr lang="pt-BR" dirty="0">
-              <a:solidFill>
-                <a:schemeClr val="tx1">
-                  <a:lumMod val="75000"/>
-                  <a:lumOff val="25000"/>
-                </a:schemeClr>
-              </a:solidFill>
-              <a:latin typeface="Bariol Bold" panose="02000506040000020003" pitchFamily="2" charset="0"/>
-            </a:endParaRPr>
+              <a:t>Protótipo do Site / Simulador Financeiro</a:t>
+            </a:r>
           </a:p>
         </p:txBody>
       </p:sp>
       <p:pic>
         <p:nvPicPr>
-          <p:cNvPr id="7" name="Imagem 6" descr="Uma imagem contendo homem, segurando, esqui, neve&#10;&#10;Descrição gerada automaticamente">
-            <a:extLst>
-              <a:ext uri="{FF2B5EF4-FFF2-40B4-BE49-F238E27FC236}">
-                <a16:creationId xmlns:a16="http://schemas.microsoft.com/office/drawing/2014/main" id="{2EB99745-E546-4AF1-BB7A-70FE206BCD05}"/>
+          <p:cNvPr id="3" name="Imagem 2" descr="Uma imagem contendo texto, desenho&#10;&#10;Descrição gerada automaticamente">
+            <a:extLst>
+              <a:ext uri="{FF2B5EF4-FFF2-40B4-BE49-F238E27FC236}">
+                <a16:creationId xmlns:a16="http://schemas.microsoft.com/office/drawing/2014/main" id="{33CEE295-8B68-4E72-8E77-548A33B7E7BB}"/>
+              </a:ext>
+            </a:extLst>
+          </p:cNvPr>
+          <p:cNvPicPr>
+            <a:picLocks noChangeAspect="1"/>
+          </p:cNvPicPr>
+          <p:nvPr/>
+        </p:nvPicPr>
+        <p:blipFill>
+          <a:blip r:embed="rId2" cstate="hqprint">
+            <a:extLst>
+              <a:ext uri="{28A0092B-C50C-407E-A947-70E740481C1C}">
+                <a14:useLocalDpi xmlns:a14="http://schemas.microsoft.com/office/drawing/2010/main" val="0"/>
+              </a:ext>
+            </a:extLst>
+          </a:blip>
+          <a:stretch>
+            <a:fillRect/>
+          </a:stretch>
+        </p:blipFill>
+        <p:spPr>
+          <a:xfrm>
+            <a:off x="11371740" y="365125"/>
+            <a:ext cx="599846" cy="535577"/>
+          </a:xfrm>
+          <a:prstGeom prst="rect">
+            <a:avLst/>
+          </a:prstGeom>
+        </p:spPr>
+      </p:pic>
+      <p:pic>
+        <p:nvPicPr>
+          <p:cNvPr id="5" name="Imagem 4" descr="Uma imagem contendo computador&#10;&#10;Descrição gerada automaticamente">
+            <a:extLst>
+              <a:ext uri="{FF2B5EF4-FFF2-40B4-BE49-F238E27FC236}">
+                <a16:creationId xmlns:a16="http://schemas.microsoft.com/office/drawing/2014/main" id="{83C4BF57-CA9B-4FB0-826A-3CF89B791B0E}"/>
               </a:ext>
             </a:extLst>
           </p:cNvPr>
@@ -4088,8 +4060,8 @@
         </p:blipFill>
         <p:spPr>
           <a:xfrm>
-            <a:off x="2950595" y="2394055"/>
-            <a:ext cx="6468395" cy="4661637"/>
+            <a:off x="2773007" y="2759370"/>
+            <a:ext cx="6645983" cy="3931007"/>
           </a:xfrm>
           <a:prstGeom prst="rect">
             <a:avLst/>
@@ -4099,7 +4071,7 @@
     </p:spTree>
     <p:extLst>
       <p:ext uri="{BB962C8B-B14F-4D97-AF65-F5344CB8AC3E}">
-        <p14:creationId xmlns:p14="http://schemas.microsoft.com/office/powerpoint/2010/main" val="2158821782"/>
+        <p14:creationId xmlns:p14="http://schemas.microsoft.com/office/powerpoint/2010/main" val="2246586275"/>
       </p:ext>
     </p:extLst>
   </p:cSld>
@@ -4109,19 +4081,20 @@
   <p:transition>
     <p:fade/>
   </p:transition>
-  <p:timing>
-    <p:tnLst>
-      <p:par>
-        <p:cTn id="1" dur="indefinite" restart="never" nodeType="tmRoot"/>
-      </p:par>
-    </p:tnLst>
-  </p:timing>
 </p:sld>
 </file>
 
 <file path=ppt/slides/slide11.xml><?xml version="1.0" encoding="utf-8"?>
 <p:sld xmlns:a="http://schemas.openxmlformats.org/drawingml/2006/main" xmlns:r="http://schemas.openxmlformats.org/officeDocument/2006/relationships" xmlns:p="http://schemas.openxmlformats.org/presentationml/2006/main">
   <p:cSld>
+    <p:bg>
+      <p:bgPr>
+        <a:solidFill>
+          <a:schemeClr val="bg1"/>
+        </a:solidFill>
+        <a:effectLst/>
+      </p:bgPr>
+    </p:bg>
     <p:spTree>
       <p:nvGrpSpPr>
         <p:cNvPr id="1" name=""/>
@@ -4136,12 +4109,75 @@
           <a:chExt cx="0" cy="0"/>
         </a:xfrm>
       </p:grpSpPr>
+      <p:sp>
+        <p:nvSpPr>
+          <p:cNvPr id="16" name="Rectangle 15">
+            <a:extLst>
+              <a:ext uri="{FF2B5EF4-FFF2-40B4-BE49-F238E27FC236}">
+                <a16:creationId xmlns:a16="http://schemas.microsoft.com/office/drawing/2014/main" id="{B4D3D850-2041-4B7C-AED9-54DA385B14F7}"/>
+              </a:ext>
+              <a:ext uri="{C183D7F6-B498-43B3-948B-1728B52AA6E4}">
+                <adec:decorative xmlns:adec="http://schemas.microsoft.com/office/drawing/2017/decorative" val="1"/>
+              </a:ext>
+            </a:extLst>
+          </p:cNvPr>
+          <p:cNvSpPr>
+            <a:spLocks noGrp="1" noRot="1" noChangeAspect="1" noMove="1" noResize="1" noEditPoints="1" noAdjustHandles="1" noChangeArrowheads="1" noChangeShapeType="1" noTextEdit="1"/>
+          </p:cNvSpPr>
+          <p:nvPr>
+            <p:extLst>
+              <p:ext uri="{386F3935-93C4-4BCD-93E2-E3B085C9AB24}">
+                <p16:designElem xmlns:p16="http://schemas.microsoft.com/office/powerpoint/2015/main" val="1"/>
+              </p:ext>
+            </p:extLst>
+          </p:nvPr>
+        </p:nvSpPr>
+        <p:spPr>
+          <a:xfrm>
+            <a:off x="0" y="0"/>
+            <a:ext cx="12192000" cy="6858000"/>
+          </a:xfrm>
+          <a:prstGeom prst="rect">
+            <a:avLst/>
+          </a:prstGeom>
+          <a:solidFill>
+            <a:schemeClr val="bg2"/>
+          </a:solidFill>
+          <a:ln>
+            <a:noFill/>
+          </a:ln>
+        </p:spPr>
+        <p:style>
+          <a:lnRef idx="2">
+            <a:schemeClr val="accent1">
+              <a:shade val="50000"/>
+            </a:schemeClr>
+          </a:lnRef>
+          <a:fillRef idx="1">
+            <a:schemeClr val="accent1"/>
+          </a:fillRef>
+          <a:effectRef idx="0">
+            <a:schemeClr val="accent1"/>
+          </a:effectRef>
+          <a:fontRef idx="minor">
+            <a:schemeClr val="lt1"/>
+          </a:fontRef>
+        </p:style>
+        <p:txBody>
+          <a:bodyPr rtlCol="0" anchor="ctr"/>
+          <a:lstStyle/>
+          <a:p>
+            <a:pPr algn="ctr"/>
+            <a:endParaRPr lang="en-US" dirty="0"/>
+          </a:p>
+        </p:txBody>
+      </p:sp>
       <p:pic>
         <p:nvPicPr>
-          <p:cNvPr id="3" name="Imagem 2" descr="Uma imagem contendo texto, desenho&#10;&#10;Descrição gerada automaticamente">
-            <a:extLst>
-              <a:ext uri="{FF2B5EF4-FFF2-40B4-BE49-F238E27FC236}">
-                <a16:creationId xmlns:a16="http://schemas.microsoft.com/office/drawing/2014/main" id="{24410E01-CFD3-472C-9726-E54607DAAD0F}"/>
+          <p:cNvPr id="5" name="Imagem 4" descr="Uma imagem contendo placar, desenho, relógio&#10;&#10;Descrição gerada automaticamente">
+            <a:extLst>
+              <a:ext uri="{FF2B5EF4-FFF2-40B4-BE49-F238E27FC236}">
+                <a16:creationId xmlns:a16="http://schemas.microsoft.com/office/drawing/2014/main" id="{5DF5D51C-359F-4617-A452-01B736753090}"/>
               </a:ext>
             </a:extLst>
           </p:cNvPr>
@@ -4150,118 +4186,33 @@
           </p:cNvPicPr>
           <p:nvPr/>
         </p:nvPicPr>
-        <p:blipFill>
-          <a:blip r:embed="rId2" cstate="hqprint">
+        <p:blipFill rotWithShape="1">
+          <a:blip r:embed="rId2">
             <a:extLst>
               <a:ext uri="{28A0092B-C50C-407E-A947-70E740481C1C}">
                 <a14:useLocalDpi xmlns:a14="http://schemas.microsoft.com/office/drawing/2010/main" val="0"/>
               </a:ext>
             </a:extLst>
           </a:blip>
-          <a:stretch>
-            <a:fillRect/>
-          </a:stretch>
+          <a:srcRect l="9796" r="1319" b="4"/>
+          <a:stretch/>
         </p:blipFill>
         <p:spPr>
           <a:xfrm>
-            <a:off x="11371740" y="365125"/>
-            <a:ext cx="599846" cy="535577"/>
+            <a:off x="20" y="10"/>
+            <a:ext cx="6095980" cy="6857990"/>
           </a:xfrm>
           <a:prstGeom prst="rect">
             <a:avLst/>
           </a:prstGeom>
         </p:spPr>
       </p:pic>
-      <p:sp>
-        <p:nvSpPr>
-          <p:cNvPr id="7" name="Título 1">
-            <a:extLst>
-              <a:ext uri="{FF2B5EF4-FFF2-40B4-BE49-F238E27FC236}">
-                <a16:creationId xmlns:a16="http://schemas.microsoft.com/office/drawing/2014/main" id="{99F76FBE-1BC2-4EE6-B90A-22263BF7BDCD}"/>
-              </a:ext>
-            </a:extLst>
-          </p:cNvPr>
-          <p:cNvSpPr txBox="1">
-            <a:spLocks/>
-          </p:cNvSpPr>
-          <p:nvPr/>
-        </p:nvSpPr>
-        <p:spPr>
-          <a:xfrm>
-            <a:off x="838199" y="1433807"/>
-            <a:ext cx="10515600" cy="1325563"/>
-          </a:xfrm>
-          <a:prstGeom prst="rect">
-            <a:avLst/>
-          </a:prstGeom>
-        </p:spPr>
-        <p:txBody>
-          <a:bodyPr vert="horz" lIns="91440" tIns="45720" rIns="91440" bIns="45720" rtlCol="0" anchor="ctr">
-            <a:normAutofit/>
-          </a:bodyPr>
-          <a:lstStyle>
-            <a:lvl1pPr algn="l" defTabSz="914400" rtl="0" eaLnBrk="1" latinLnBrk="0" hangingPunct="1">
-              <a:lnSpc>
-                <a:spcPct val="90000"/>
-              </a:lnSpc>
-              <a:spcBef>
-                <a:spcPct val="0"/>
-              </a:spcBef>
-              <a:buNone/>
-              <a:defRPr sz="4400" kern="1200">
-                <a:solidFill>
-                  <a:schemeClr val="tx1"/>
-                </a:solidFill>
-                <a:latin typeface="+mj-lt"/>
-                <a:ea typeface="+mj-ea"/>
-                <a:cs typeface="+mj-cs"/>
-              </a:defRPr>
-            </a:lvl1pPr>
-          </a:lstStyle>
-          <a:p>
-            <a:pPr algn="ctr"/>
-            <a:r>
-              <a:rPr lang="pt-BR" dirty="0" err="1" smtClean="0">
-                <a:solidFill>
-                  <a:schemeClr val="tx1">
-                    <a:lumMod val="75000"/>
-                    <a:lumOff val="25000"/>
-                  </a:schemeClr>
-                </a:solidFill>
-                <a:latin typeface="Bariol Bold" panose="02000506040000020003" pitchFamily="2" charset="0"/>
-              </a:rPr>
-              <a:t>Arduino</a:t>
-            </a:r>
-            <a:r>
-              <a:rPr lang="pt-BR" dirty="0" smtClean="0">
-                <a:solidFill>
-                  <a:schemeClr val="tx1">
-                    <a:lumMod val="75000"/>
-                    <a:lumOff val="25000"/>
-                  </a:schemeClr>
-                </a:solidFill>
-                <a:latin typeface="Bariol Bold" panose="02000506040000020003" pitchFamily="2" charset="0"/>
-              </a:rPr>
-              <a:t> e Sensor</a:t>
-            </a:r>
-            <a:endParaRPr lang="pt-BR" dirty="0">
-              <a:solidFill>
-                <a:schemeClr val="tx1">
-                  <a:lumMod val="75000"/>
-                  <a:lumOff val="25000"/>
-                </a:schemeClr>
-              </a:solidFill>
-              <a:latin typeface="Bariol Bold" panose="02000506040000020003" pitchFamily="2" charset="0"/>
-            </a:endParaRPr>
-          </a:p>
-        </p:txBody>
-      </p:sp>
       <p:pic>
         <p:nvPicPr>
-          <p:cNvPr id="8" name="Imagem 7" descr="Uma imagem contendo homem, em pé&#10;&#10;Descrição gerada automaticamente">
-            <a:extLst>
-              <a:ext uri="{FF2B5EF4-FFF2-40B4-BE49-F238E27FC236}">
-                <a16:creationId xmlns:a16="http://schemas.microsoft.com/office/drawing/2014/main" id="{DA7F4A6C-A6AF-458A-BCA8-4F6A41D15F36}"/>
+          <p:cNvPr id="11" name="Imagem 10" descr="Uma imagem contendo texto, placar&#10;&#10;Descrição gerada automaticamente">
+            <a:extLst>
+              <a:ext uri="{FF2B5EF4-FFF2-40B4-BE49-F238E27FC236}">
+                <a16:creationId xmlns:a16="http://schemas.microsoft.com/office/drawing/2014/main" id="{4DC099E3-271D-4053-AB28-D8157177161D}"/>
               </a:ext>
             </a:extLst>
           </p:cNvPr>
@@ -4270,7 +4221,7 @@
           </p:cNvPicPr>
           <p:nvPr/>
         </p:nvPicPr>
-        <p:blipFill>
+        <p:blipFill rotWithShape="1">
           <a:blip r:embed="rId3">
             <a:extLst>
               <a:ext uri="{28A0092B-C50C-407E-A947-70E740481C1C}">
@@ -4278,24 +4229,201 @@
               </a:ext>
             </a:extLst>
           </a:blip>
-          <a:stretch>
-            <a:fillRect/>
-          </a:stretch>
+          <a:srcRect l="3614" r="7500" b="4"/>
+          <a:stretch/>
         </p:blipFill>
         <p:spPr>
           <a:xfrm>
-            <a:off x="2282411" y="2394055"/>
-            <a:ext cx="7627176" cy="4307191"/>
+            <a:off x="6096000" y="10"/>
+            <a:ext cx="6096000" cy="6857990"/>
           </a:xfrm>
           <a:prstGeom prst="rect">
             <a:avLst/>
           </a:prstGeom>
         </p:spPr>
       </p:pic>
+      <p:sp>
+        <p:nvSpPr>
+          <p:cNvPr id="18" name="Rectangle 17">
+            <a:extLst>
+              <a:ext uri="{FF2B5EF4-FFF2-40B4-BE49-F238E27FC236}">
+                <a16:creationId xmlns:a16="http://schemas.microsoft.com/office/drawing/2014/main" id="{B497CCB5-5FC2-473C-AFCC-2430CEF1DF71}"/>
+              </a:ext>
+              <a:ext uri="{C183D7F6-B498-43B3-948B-1728B52AA6E4}">
+                <adec:decorative xmlns:adec="http://schemas.microsoft.com/office/drawing/2017/decorative" val="1"/>
+              </a:ext>
+            </a:extLst>
+          </p:cNvPr>
+          <p:cNvSpPr>
+            <a:spLocks noGrp="1" noRot="1" noChangeAspect="1" noMove="1" noResize="1" noEditPoints="1" noAdjustHandles="1" noChangeArrowheads="1" noChangeShapeType="1" noTextEdit="1"/>
+          </p:cNvSpPr>
+          <p:nvPr>
+            <p:extLst>
+              <p:ext uri="{386F3935-93C4-4BCD-93E2-E3B085C9AB24}">
+                <p16:designElem xmlns:p16="http://schemas.microsoft.com/office/powerpoint/2015/main" val="1"/>
+              </p:ext>
+            </p:extLst>
+          </p:nvPr>
+        </p:nvSpPr>
+        <p:spPr>
+          <a:xfrm rot="2700000">
+            <a:off x="4409915" y="1742916"/>
+            <a:ext cx="3372170" cy="3372168"/>
+          </a:xfrm>
+          <a:prstGeom prst="rect">
+            <a:avLst/>
+          </a:prstGeom>
+          <a:solidFill>
+            <a:srgbClr val="FFFFFF"/>
+          </a:solidFill>
+          <a:ln>
+            <a:noFill/>
+          </a:ln>
+        </p:spPr>
+        <p:style>
+          <a:lnRef idx="2">
+            <a:schemeClr val="accent1">
+              <a:shade val="50000"/>
+            </a:schemeClr>
+          </a:lnRef>
+          <a:fillRef idx="1">
+            <a:schemeClr val="accent1"/>
+          </a:fillRef>
+          <a:effectRef idx="0">
+            <a:schemeClr val="accent1"/>
+          </a:effectRef>
+          <a:fontRef idx="minor">
+            <a:schemeClr val="lt1"/>
+          </a:fontRef>
+        </p:style>
+        <p:txBody>
+          <a:bodyPr rtlCol="0" anchor="ctr"/>
+          <a:lstStyle/>
+          <a:p>
+            <a:pPr algn="ctr"/>
+            <a:endParaRPr lang="en-US"/>
+          </a:p>
+        </p:txBody>
+      </p:sp>
+      <p:sp>
+        <p:nvSpPr>
+          <p:cNvPr id="20" name="Frame 19">
+            <a:extLst>
+              <a:ext uri="{FF2B5EF4-FFF2-40B4-BE49-F238E27FC236}">
+                <a16:creationId xmlns:a16="http://schemas.microsoft.com/office/drawing/2014/main" id="{599C8C75-BFDF-44E7-A028-EEB5EDD58817}"/>
+              </a:ext>
+              <a:ext uri="{C183D7F6-B498-43B3-948B-1728B52AA6E4}">
+                <adec:decorative xmlns:adec="http://schemas.microsoft.com/office/drawing/2017/decorative" val="1"/>
+              </a:ext>
+            </a:extLst>
+          </p:cNvPr>
+          <p:cNvSpPr>
+            <a:spLocks noGrp="1" noRot="1" noChangeAspect="1" noMove="1" noResize="1" noEditPoints="1" noAdjustHandles="1" noChangeArrowheads="1" noChangeShapeType="1" noTextEdit="1"/>
+          </p:cNvSpPr>
+          <p:nvPr>
+            <p:extLst>
+              <p:ext uri="{386F3935-93C4-4BCD-93E2-E3B085C9AB24}">
+                <p16:designElem xmlns:p16="http://schemas.microsoft.com/office/powerpoint/2015/main" val="1"/>
+              </p:ext>
+            </p:extLst>
+          </p:nvPr>
+        </p:nvSpPr>
+        <p:spPr>
+          <a:xfrm rot="2700000">
+            <a:off x="3971277" y="1304278"/>
+            <a:ext cx="4249446" cy="4249444"/>
+          </a:xfrm>
+          <a:prstGeom prst="frame">
+            <a:avLst>
+              <a:gd name="adj1" fmla="val 1195"/>
+            </a:avLst>
+          </a:prstGeom>
+          <a:solidFill>
+            <a:srgbClr val="FFFFFF">
+              <a:alpha val="60000"/>
+            </a:srgbClr>
+          </a:solidFill>
+          <a:ln>
+            <a:noFill/>
+          </a:ln>
+        </p:spPr>
+        <p:style>
+          <a:lnRef idx="2">
+            <a:schemeClr val="accent1">
+              <a:shade val="50000"/>
+            </a:schemeClr>
+          </a:lnRef>
+          <a:fillRef idx="1">
+            <a:schemeClr val="accent1"/>
+          </a:fillRef>
+          <a:effectRef idx="0">
+            <a:schemeClr val="accent1"/>
+          </a:effectRef>
+          <a:fontRef idx="minor">
+            <a:schemeClr val="lt1"/>
+          </a:fontRef>
+        </p:style>
+        <p:txBody>
+          <a:bodyPr rtlCol="0" anchor="ctr"/>
+          <a:lstStyle/>
+          <a:p>
+            <a:pPr algn="ctr"/>
+            <a:endParaRPr lang="en-US">
+              <a:solidFill>
+                <a:schemeClr val="tx1"/>
+              </a:solidFill>
+            </a:endParaRPr>
+          </a:p>
+        </p:txBody>
+      </p:sp>
+      <p:sp>
+        <p:nvSpPr>
+          <p:cNvPr id="2" name="Título 1">
+            <a:extLst>
+              <a:ext uri="{FF2B5EF4-FFF2-40B4-BE49-F238E27FC236}">
+                <a16:creationId xmlns:a16="http://schemas.microsoft.com/office/drawing/2014/main" id="{3D029D57-35BF-42EE-9D31-EAB20BE9EA4E}"/>
+              </a:ext>
+            </a:extLst>
+          </p:cNvPr>
+          <p:cNvSpPr>
+            <a:spLocks noGrp="1"/>
+          </p:cNvSpPr>
+          <p:nvPr>
+            <p:ph type="title"/>
+          </p:nvPr>
+        </p:nvSpPr>
+        <p:spPr>
+          <a:xfrm>
+            <a:off x="4286858" y="2761554"/>
+            <a:ext cx="3618284" cy="1345720"/>
+          </a:xfrm>
+          <a:noFill/>
+        </p:spPr>
+        <p:txBody>
+          <a:bodyPr vert="horz" lIns="91440" tIns="45720" rIns="91440" bIns="45720" rtlCol="0" anchor="ctr">
+            <a:normAutofit/>
+          </a:bodyPr>
+          <a:lstStyle/>
+          <a:p>
+            <a:pPr algn="ctr"/>
+            <a:r>
+              <a:rPr lang="en-US" sz="2800" kern="1200">
+                <a:solidFill>
+                  <a:srgbClr val="080808"/>
+                </a:solidFill>
+                <a:latin typeface="+mj-lt"/>
+                <a:ea typeface="+mj-ea"/>
+                <a:cs typeface="+mj-cs"/>
+              </a:rPr>
+              <a:t>Protótipo da dashboard</a:t>
+            </a:r>
+          </a:p>
+        </p:txBody>
+      </p:sp>
     </p:spTree>
     <p:extLst>
       <p:ext uri="{BB962C8B-B14F-4D97-AF65-F5344CB8AC3E}">
-        <p14:creationId xmlns:p14="http://schemas.microsoft.com/office/powerpoint/2010/main" val="3564643130"/>
+        <p14:creationId xmlns:p14="http://schemas.microsoft.com/office/powerpoint/2010/main" val="2809380215"/>
       </p:ext>
     </p:extLst>
   </p:cSld>
@@ -4305,13 +4433,6 @@
   <p:transition>
     <p:fade/>
   </p:transition>
-  <p:timing>
-    <p:tnLst>
-      <p:par>
-        <p:cTn id="1" dur="indefinite" restart="never" nodeType="tmRoot"/>
-      </p:par>
-    </p:tnLst>
-  </p:timing>
 </p:sld>
 </file>
 
@@ -4337,7 +4458,7 @@
           <p:cNvPr id="3" name="Imagem 2" descr="Uma imagem contendo texto, desenho&#10;&#10;Descrição gerada automaticamente">
             <a:extLst>
               <a:ext uri="{FF2B5EF4-FFF2-40B4-BE49-F238E27FC236}">
-                <a16:creationId xmlns:a16="http://schemas.microsoft.com/office/drawing/2014/main" id="{6AECC232-D7AB-402E-90C7-3E1285C8879A}"/>
+                <a16:creationId xmlns:a16="http://schemas.microsoft.com/office/drawing/2014/main" id="{1BC5E0AB-6EDC-4020-80FC-407DFD0D3C3E}"/>
               </a:ext>
             </a:extLst>
           </p:cNvPr>
@@ -4368,45 +4489,9 @@
           </a:prstGeom>
         </p:spPr>
       </p:pic>
-      <p:pic>
-        <p:nvPicPr>
-          <p:cNvPr id="6" name="Imagem 5" descr="Uma imagem contendo computador&#10;&#10;Descrição gerada automaticamente">
-            <a:extLst>
-              <a:ext uri="{FF2B5EF4-FFF2-40B4-BE49-F238E27FC236}">
-                <a16:creationId xmlns:a16="http://schemas.microsoft.com/office/drawing/2014/main" id="{710AF17B-CB29-49D9-A312-DC9EB90E7151}"/>
-              </a:ext>
-            </a:extLst>
-          </p:cNvPr>
-          <p:cNvPicPr>
-            <a:picLocks noChangeAspect="1"/>
-          </p:cNvPicPr>
-          <p:nvPr/>
-        </p:nvPicPr>
-        <p:blipFill>
-          <a:blip r:embed="rId3">
-            <a:extLst>
-              <a:ext uri="{28A0092B-C50C-407E-A947-70E740481C1C}">
-                <a14:useLocalDpi xmlns:a14="http://schemas.microsoft.com/office/drawing/2010/main" val="0"/>
-              </a:ext>
-            </a:extLst>
-          </a:blip>
-          <a:stretch>
-            <a:fillRect/>
-          </a:stretch>
-        </p:blipFill>
-        <p:spPr>
-          <a:xfrm>
-            <a:off x="2663047" y="2537301"/>
-            <a:ext cx="6865904" cy="3854629"/>
-          </a:xfrm>
-          <a:prstGeom prst="rect">
-            <a:avLst/>
-          </a:prstGeom>
-        </p:spPr>
-      </p:pic>
-      <p:sp>
-        <p:nvSpPr>
-          <p:cNvPr id="7" name="Título 1">
+      <p:sp>
+        <p:nvSpPr>
+          <p:cNvPr id="6" name="Título 1">
             <a:extLst>
               <a:ext uri="{FF2B5EF4-FFF2-40B4-BE49-F238E27FC236}">
                 <a16:creationId xmlns:a16="http://schemas.microsoft.com/office/drawing/2014/main" id="{99F76FBE-1BC2-4EE6-B90A-22263BF7BDCD}"/>
@@ -4453,7 +4538,403 @@
           <a:p>
             <a:pPr algn="ctr"/>
             <a:r>
-              <a:rPr lang="pt-BR" dirty="0" smtClean="0">
+              <a:rPr lang="pt-BR">
+                <a:solidFill>
+                  <a:schemeClr val="tx1">
+                    <a:lumMod val="75000"/>
+                    <a:lumOff val="25000"/>
+                  </a:schemeClr>
+                </a:solidFill>
+                <a:latin typeface="Bariol Bold" panose="02000506040000020003" pitchFamily="2" charset="0"/>
+              </a:rPr>
+              <a:t>Banco de Dados (Protótipo)</a:t>
+            </a:r>
+            <a:endParaRPr lang="pt-BR" dirty="0">
+              <a:solidFill>
+                <a:schemeClr val="tx1">
+                  <a:lumMod val="75000"/>
+                  <a:lumOff val="25000"/>
+                </a:schemeClr>
+              </a:solidFill>
+              <a:latin typeface="Bariol Bold" panose="02000506040000020003" pitchFamily="2" charset="0"/>
+            </a:endParaRPr>
+          </a:p>
+        </p:txBody>
+      </p:sp>
+      <p:pic>
+        <p:nvPicPr>
+          <p:cNvPr id="7" name="Imagem 6" descr="Uma imagem contendo homem, segurando, esqui, neve&#10;&#10;Descrição gerada automaticamente">
+            <a:extLst>
+              <a:ext uri="{FF2B5EF4-FFF2-40B4-BE49-F238E27FC236}">
+                <a16:creationId xmlns:a16="http://schemas.microsoft.com/office/drawing/2014/main" id="{2EB99745-E546-4AF1-BB7A-70FE206BCD05}"/>
+              </a:ext>
+            </a:extLst>
+          </p:cNvPr>
+          <p:cNvPicPr>
+            <a:picLocks noChangeAspect="1"/>
+          </p:cNvPicPr>
+          <p:nvPr/>
+        </p:nvPicPr>
+        <p:blipFill>
+          <a:blip r:embed="rId3">
+            <a:extLst>
+              <a:ext uri="{28A0092B-C50C-407E-A947-70E740481C1C}">
+                <a14:useLocalDpi xmlns:a14="http://schemas.microsoft.com/office/drawing/2010/main" val="0"/>
+              </a:ext>
+            </a:extLst>
+          </a:blip>
+          <a:stretch>
+            <a:fillRect/>
+          </a:stretch>
+        </p:blipFill>
+        <p:spPr>
+          <a:xfrm>
+            <a:off x="2950595" y="2394055"/>
+            <a:ext cx="6468395" cy="4661637"/>
+          </a:xfrm>
+          <a:prstGeom prst="rect">
+            <a:avLst/>
+          </a:prstGeom>
+        </p:spPr>
+      </p:pic>
+    </p:spTree>
+    <p:extLst>
+      <p:ext uri="{BB962C8B-B14F-4D97-AF65-F5344CB8AC3E}">
+        <p14:creationId xmlns:p14="http://schemas.microsoft.com/office/powerpoint/2010/main" val="2158821782"/>
+      </p:ext>
+    </p:extLst>
+  </p:cSld>
+  <p:clrMapOvr>
+    <a:masterClrMapping/>
+  </p:clrMapOvr>
+  <p:transition>
+    <p:fade/>
+  </p:transition>
+</p:sld>
+</file>
+
+<file path=ppt/slides/slide13.xml><?xml version="1.0" encoding="utf-8"?>
+<p:sld xmlns:a="http://schemas.openxmlformats.org/drawingml/2006/main" xmlns:r="http://schemas.openxmlformats.org/officeDocument/2006/relationships" xmlns:p="http://schemas.openxmlformats.org/presentationml/2006/main">
+  <p:cSld>
+    <p:bg>
+      <p:bgPr>
+        <a:solidFill>
+          <a:schemeClr val="bg1"/>
+        </a:solidFill>
+        <a:effectLst/>
+      </p:bgPr>
+    </p:bg>
+    <p:spTree>
+      <p:nvGrpSpPr>
+        <p:cNvPr id="1" name=""/>
+        <p:cNvGrpSpPr/>
+        <p:nvPr/>
+      </p:nvGrpSpPr>
+      <p:grpSpPr>
+        <a:xfrm>
+          <a:off x="0" y="0"/>
+          <a:ext cx="0" cy="0"/>
+          <a:chOff x="0" y="0"/>
+          <a:chExt cx="0" cy="0"/>
+        </a:xfrm>
+      </p:grpSpPr>
+      <p:pic>
+        <p:nvPicPr>
+          <p:cNvPr id="8" name="Imagem 7" descr="Uma imagem contendo homem, em pé&#10;&#10;Descrição gerada automaticamente">
+            <a:extLst>
+              <a:ext uri="{FF2B5EF4-FFF2-40B4-BE49-F238E27FC236}">
+                <a16:creationId xmlns:a16="http://schemas.microsoft.com/office/drawing/2014/main" id="{DA7F4A6C-A6AF-458A-BCA8-4F6A41D15F36}"/>
+              </a:ext>
+            </a:extLst>
+          </p:cNvPr>
+          <p:cNvPicPr>
+            <a:picLocks noChangeAspect="1"/>
+          </p:cNvPicPr>
+          <p:nvPr/>
+        </p:nvPicPr>
+        <p:blipFill rotWithShape="1">
+          <a:blip r:embed="rId2">
+            <a:extLst>
+              <a:ext uri="{28A0092B-C50C-407E-A947-70E740481C1C}">
+                <a14:useLocalDpi xmlns:a14="http://schemas.microsoft.com/office/drawing/2010/main" val="0"/>
+              </a:ext>
+            </a:extLst>
+          </a:blip>
+          <a:srcRect t="442"/>
+          <a:stretch/>
+        </p:blipFill>
+        <p:spPr>
+          <a:xfrm>
+            <a:off x="20" y="10"/>
+            <a:ext cx="12191980" cy="6857990"/>
+          </a:xfrm>
+          <a:prstGeom prst="rect">
+            <a:avLst/>
+          </a:prstGeom>
+        </p:spPr>
+      </p:pic>
+      <p:sp>
+        <p:nvSpPr>
+          <p:cNvPr id="7" name="Título 1">
+            <a:extLst>
+              <a:ext uri="{FF2B5EF4-FFF2-40B4-BE49-F238E27FC236}">
+                <a16:creationId xmlns:a16="http://schemas.microsoft.com/office/drawing/2014/main" id="{99F76FBE-1BC2-4EE6-B90A-22263BF7BDCD}"/>
+              </a:ext>
+            </a:extLst>
+          </p:cNvPr>
+          <p:cNvSpPr txBox="1">
+            <a:spLocks/>
+          </p:cNvSpPr>
+          <p:nvPr/>
+        </p:nvSpPr>
+        <p:spPr>
+          <a:xfrm>
+            <a:off x="640080" y="640080"/>
+            <a:ext cx="2752354" cy="2709275"/>
+          </a:xfrm>
+          <a:prstGeom prst="ellipse">
+            <a:avLst/>
+          </a:prstGeom>
+          <a:solidFill>
+            <a:srgbClr val="FFFFFF"/>
+          </a:solidFill>
+          <a:ln w="174625" cmpd="thinThick">
+            <a:solidFill>
+              <a:srgbClr val="FFFFFF"/>
+            </a:solidFill>
+          </a:ln>
+        </p:spPr>
+        <p:txBody>
+          <a:bodyPr vert="horz" lIns="91440" tIns="45720" rIns="91440" bIns="45720" rtlCol="0" anchor="ctr">
+            <a:normAutofit/>
+          </a:bodyPr>
+          <a:lstStyle>
+            <a:lvl1pPr algn="l" defTabSz="914400" rtl="0" eaLnBrk="1" latinLnBrk="0" hangingPunct="1">
+              <a:lnSpc>
+                <a:spcPct val="90000"/>
+              </a:lnSpc>
+              <a:spcBef>
+                <a:spcPct val="0"/>
+              </a:spcBef>
+              <a:buNone/>
+              <a:defRPr sz="4400" kern="1200">
+                <a:solidFill>
+                  <a:schemeClr val="tx1"/>
+                </a:solidFill>
+                <a:latin typeface="+mj-lt"/>
+                <a:ea typeface="+mj-ea"/>
+                <a:cs typeface="+mj-cs"/>
+              </a:defRPr>
+            </a:lvl1pPr>
+          </a:lstStyle>
+          <a:p>
+            <a:pPr algn="ctr">
+              <a:spcAft>
+                <a:spcPts val="600"/>
+              </a:spcAft>
+            </a:pPr>
+            <a:r>
+              <a:rPr lang="en-US" sz="2800">
+                <a:solidFill>
+                  <a:srgbClr val="262626"/>
+                </a:solidFill>
+              </a:rPr>
+              <a:t>Arduino e Sensor</a:t>
+            </a:r>
+          </a:p>
+        </p:txBody>
+      </p:sp>
+      <p:pic>
+        <p:nvPicPr>
+          <p:cNvPr id="3" name="Imagem 2" descr="Uma imagem contendo texto, desenho&#10;&#10;Descrição gerada automaticamente">
+            <a:extLst>
+              <a:ext uri="{FF2B5EF4-FFF2-40B4-BE49-F238E27FC236}">
+                <a16:creationId xmlns:a16="http://schemas.microsoft.com/office/drawing/2014/main" id="{24410E01-CFD3-472C-9726-E54607DAAD0F}"/>
+              </a:ext>
+            </a:extLst>
+          </p:cNvPr>
+          <p:cNvPicPr>
+            <a:picLocks noChangeAspect="1"/>
+          </p:cNvPicPr>
+          <p:nvPr/>
+        </p:nvPicPr>
+        <p:blipFill>
+          <a:blip r:embed="rId3" cstate="hqprint">
+            <a:extLst>
+              <a:ext uri="{28A0092B-C50C-407E-A947-70E740481C1C}">
+                <a14:useLocalDpi xmlns:a14="http://schemas.microsoft.com/office/drawing/2010/main" val="0"/>
+              </a:ext>
+            </a:extLst>
+          </a:blip>
+          <a:stretch>
+            <a:fillRect/>
+          </a:stretch>
+        </p:blipFill>
+        <p:spPr>
+          <a:xfrm>
+            <a:off x="11371740" y="365125"/>
+            <a:ext cx="599846" cy="535577"/>
+          </a:xfrm>
+          <a:prstGeom prst="rect">
+            <a:avLst/>
+          </a:prstGeom>
+        </p:spPr>
+      </p:pic>
+    </p:spTree>
+    <p:extLst>
+      <p:ext uri="{BB962C8B-B14F-4D97-AF65-F5344CB8AC3E}">
+        <p14:creationId xmlns:p14="http://schemas.microsoft.com/office/powerpoint/2010/main" val="3564643130"/>
+      </p:ext>
+    </p:extLst>
+  </p:cSld>
+  <p:clrMapOvr>
+    <a:masterClrMapping/>
+  </p:clrMapOvr>
+  <p:transition>
+    <p:fade/>
+  </p:transition>
+</p:sld>
+</file>
+
+<file path=ppt/slides/slide14.xml><?xml version="1.0" encoding="utf-8"?>
+<p:sld xmlns:a="http://schemas.openxmlformats.org/drawingml/2006/main" xmlns:r="http://schemas.openxmlformats.org/officeDocument/2006/relationships" xmlns:p="http://schemas.openxmlformats.org/presentationml/2006/main">
+  <p:cSld>
+    <p:spTree>
+      <p:nvGrpSpPr>
+        <p:cNvPr id="1" name=""/>
+        <p:cNvGrpSpPr/>
+        <p:nvPr/>
+      </p:nvGrpSpPr>
+      <p:grpSpPr>
+        <a:xfrm>
+          <a:off x="0" y="0"/>
+          <a:ext cx="0" cy="0"/>
+          <a:chOff x="0" y="0"/>
+          <a:chExt cx="0" cy="0"/>
+        </a:xfrm>
+      </p:grpSpPr>
+      <p:pic>
+        <p:nvPicPr>
+          <p:cNvPr id="3" name="Imagem 2" descr="Uma imagem contendo texto, desenho&#10;&#10;Descrição gerada automaticamente">
+            <a:extLst>
+              <a:ext uri="{FF2B5EF4-FFF2-40B4-BE49-F238E27FC236}">
+                <a16:creationId xmlns:a16="http://schemas.microsoft.com/office/drawing/2014/main" id="{6AECC232-D7AB-402E-90C7-3E1285C8879A}"/>
+              </a:ext>
+            </a:extLst>
+          </p:cNvPr>
+          <p:cNvPicPr>
+            <a:picLocks noChangeAspect="1"/>
+          </p:cNvPicPr>
+          <p:nvPr/>
+        </p:nvPicPr>
+        <p:blipFill>
+          <a:blip r:embed="rId2" cstate="hqprint">
+            <a:extLst>
+              <a:ext uri="{28A0092B-C50C-407E-A947-70E740481C1C}">
+                <a14:useLocalDpi xmlns:a14="http://schemas.microsoft.com/office/drawing/2010/main" val="0"/>
+              </a:ext>
+            </a:extLst>
+          </a:blip>
+          <a:stretch>
+            <a:fillRect/>
+          </a:stretch>
+        </p:blipFill>
+        <p:spPr>
+          <a:xfrm>
+            <a:off x="11371740" y="365125"/>
+            <a:ext cx="599846" cy="535577"/>
+          </a:xfrm>
+          <a:prstGeom prst="rect">
+            <a:avLst/>
+          </a:prstGeom>
+        </p:spPr>
+      </p:pic>
+      <p:pic>
+        <p:nvPicPr>
+          <p:cNvPr id="6" name="Imagem 5" descr="Uma imagem contendo computador&#10;&#10;Descrição gerada automaticamente">
+            <a:extLst>
+              <a:ext uri="{FF2B5EF4-FFF2-40B4-BE49-F238E27FC236}">
+                <a16:creationId xmlns:a16="http://schemas.microsoft.com/office/drawing/2014/main" id="{710AF17B-CB29-49D9-A312-DC9EB90E7151}"/>
+              </a:ext>
+            </a:extLst>
+          </p:cNvPr>
+          <p:cNvPicPr>
+            <a:picLocks noChangeAspect="1"/>
+          </p:cNvPicPr>
+          <p:nvPr/>
+        </p:nvPicPr>
+        <p:blipFill>
+          <a:blip r:embed="rId3">
+            <a:extLst>
+              <a:ext uri="{28A0092B-C50C-407E-A947-70E740481C1C}">
+                <a14:useLocalDpi xmlns:a14="http://schemas.microsoft.com/office/drawing/2010/main" val="0"/>
+              </a:ext>
+            </a:extLst>
+          </a:blip>
+          <a:stretch>
+            <a:fillRect/>
+          </a:stretch>
+        </p:blipFill>
+        <p:spPr>
+          <a:xfrm>
+            <a:off x="2663047" y="2537301"/>
+            <a:ext cx="6865904" cy="3854629"/>
+          </a:xfrm>
+          <a:prstGeom prst="rect">
+            <a:avLst/>
+          </a:prstGeom>
+        </p:spPr>
+      </p:pic>
+      <p:sp>
+        <p:nvSpPr>
+          <p:cNvPr id="7" name="Título 1">
+            <a:extLst>
+              <a:ext uri="{FF2B5EF4-FFF2-40B4-BE49-F238E27FC236}">
+                <a16:creationId xmlns:a16="http://schemas.microsoft.com/office/drawing/2014/main" id="{99F76FBE-1BC2-4EE6-B90A-22263BF7BDCD}"/>
+              </a:ext>
+            </a:extLst>
+          </p:cNvPr>
+          <p:cNvSpPr txBox="1">
+            <a:spLocks/>
+          </p:cNvSpPr>
+          <p:nvPr/>
+        </p:nvSpPr>
+        <p:spPr>
+          <a:xfrm>
+            <a:off x="838199" y="1433807"/>
+            <a:ext cx="10515600" cy="1325563"/>
+          </a:xfrm>
+          <a:prstGeom prst="rect">
+            <a:avLst/>
+          </a:prstGeom>
+        </p:spPr>
+        <p:txBody>
+          <a:bodyPr vert="horz" lIns="91440" tIns="45720" rIns="91440" bIns="45720" rtlCol="0" anchor="ctr">
+            <a:normAutofit/>
+          </a:bodyPr>
+          <a:lstStyle>
+            <a:lvl1pPr algn="l" defTabSz="914400" rtl="0" eaLnBrk="1" latinLnBrk="0" hangingPunct="1">
+              <a:lnSpc>
+                <a:spcPct val="90000"/>
+              </a:lnSpc>
+              <a:spcBef>
+                <a:spcPct val="0"/>
+              </a:spcBef>
+              <a:buNone/>
+              <a:defRPr sz="4400" kern="1200">
+                <a:solidFill>
+                  <a:schemeClr val="tx1"/>
+                </a:solidFill>
+                <a:latin typeface="+mj-lt"/>
+                <a:ea typeface="+mj-ea"/>
+                <a:cs typeface="+mj-cs"/>
+              </a:defRPr>
+            </a:lvl1pPr>
+          </a:lstStyle>
+          <a:p>
+            <a:pPr algn="ctr"/>
+            <a:r>
+              <a:rPr lang="pt-BR" dirty="0">
                 <a:solidFill>
                   <a:schemeClr val="tx1">
                     <a:lumMod val="75000"/>
@@ -4464,15 +4945,6 @@
               </a:rPr>
               <a:t>Repositório no GitHub</a:t>
             </a:r>
-            <a:endParaRPr lang="pt-BR" dirty="0">
-              <a:solidFill>
-                <a:schemeClr val="tx1">
-                  <a:lumMod val="75000"/>
-                  <a:lumOff val="25000"/>
-                </a:schemeClr>
-              </a:solidFill>
-              <a:latin typeface="Bariol Bold" panose="02000506040000020003" pitchFamily="2" charset="0"/>
-            </a:endParaRPr>
           </a:p>
         </p:txBody>
       </p:sp>
@@ -4489,13 +4961,6 @@
   <p:transition>
     <p:fade/>
   </p:transition>
-  <p:timing>
-    <p:tnLst>
-      <p:par>
-        <p:cTn id="1" dur="indefinite" restart="never" nodeType="tmRoot"/>
-      </p:par>
-    </p:tnLst>
-  </p:timing>
 </p:sld>
 </file>
 
@@ -4566,8 +5031,8 @@
         </p:nvSpPr>
         <p:spPr>
           <a:xfrm>
-            <a:off x="509451" y="2481943"/>
-            <a:ext cx="1894115" cy="1894115"/>
+            <a:off x="509451" y="2915295"/>
+            <a:ext cx="1460763" cy="1460763"/>
           </a:xfrm>
           <a:prstGeom prst="ellipse">
             <a:avLst/>
@@ -4612,8 +5077,8 @@
         </p:nvSpPr>
         <p:spPr>
           <a:xfrm>
-            <a:off x="2784564" y="2481942"/>
-            <a:ext cx="1894115" cy="1894115"/>
+            <a:off x="4294942" y="2915291"/>
+            <a:ext cx="1460763" cy="1460763"/>
           </a:xfrm>
           <a:prstGeom prst="ellipse">
             <a:avLst/>
@@ -4658,8 +5123,8 @@
         </p:nvSpPr>
         <p:spPr>
           <a:xfrm>
-            <a:off x="7334790" y="2481941"/>
-            <a:ext cx="1894115" cy="1894115"/>
+            <a:off x="8434720" y="2915292"/>
+            <a:ext cx="1460763" cy="1460763"/>
           </a:xfrm>
           <a:prstGeom prst="ellipse">
             <a:avLst/>
@@ -4704,8 +5169,8 @@
         </p:nvSpPr>
         <p:spPr>
           <a:xfrm>
-            <a:off x="5059677" y="2481942"/>
-            <a:ext cx="1894115" cy="1894115"/>
+            <a:off x="6364831" y="2915290"/>
+            <a:ext cx="1460763" cy="1460763"/>
           </a:xfrm>
           <a:prstGeom prst="ellipse">
             <a:avLst/>
@@ -4750,8 +5215,8 @@
         </p:nvSpPr>
         <p:spPr>
           <a:xfrm>
-            <a:off x="9609903" y="2402613"/>
-            <a:ext cx="1894115" cy="1894115"/>
+            <a:off x="10327465" y="2915290"/>
+            <a:ext cx="1460763" cy="1460763"/>
           </a:xfrm>
           <a:prstGeom prst="ellipse">
             <a:avLst/>
@@ -4796,7 +5261,7 @@
         </p:nvSpPr>
         <p:spPr>
           <a:xfrm>
-            <a:off x="463730" y="4690259"/>
+            <a:off x="247054" y="4690253"/>
             <a:ext cx="1985555" cy="954107"/>
           </a:xfrm>
           <a:prstGeom prst="rect">
@@ -4815,16 +5280,7 @@
               <a:rPr lang="pt-BR" sz="2800" dirty="0">
                 <a:latin typeface="Bariol Bold" panose="02000506040000020003" pitchFamily="2" charset="0"/>
               </a:rPr>
-              <a:t>Christian </a:t>
-            </a:r>
-          </a:p>
-          <a:p>
-            <a:pPr algn="ctr"/>
-            <a:r>
-              <a:rPr lang="pt-BR" sz="2800" dirty="0">
-                <a:latin typeface="Bariol Bold" panose="02000506040000020003" pitchFamily="2" charset="0"/>
-              </a:rPr>
-              <a:t>Raphael</a:t>
+              <a:t>Gabriel Lázaro</a:t>
             </a:r>
           </a:p>
         </p:txBody>
@@ -4843,7 +5299,7 @@
         </p:nvSpPr>
         <p:spPr>
           <a:xfrm>
-            <a:off x="2784564" y="4690257"/>
+            <a:off x="4032545" y="4668399"/>
             <a:ext cx="1985555" cy="954107"/>
           </a:xfrm>
           <a:prstGeom prst="rect">
@@ -4862,16 +5318,7 @@
               <a:rPr lang="pt-BR" sz="2800" dirty="0">
                 <a:latin typeface="Bariol Bold" panose="02000506040000020003" pitchFamily="2" charset="0"/>
               </a:rPr>
-              <a:t>Gustavo</a:t>
-            </a:r>
-          </a:p>
-          <a:p>
-            <a:pPr algn="ctr"/>
-            <a:r>
-              <a:rPr lang="pt-BR" sz="2800" dirty="0">
-                <a:latin typeface="Bariol Bold" panose="02000506040000020003" pitchFamily="2" charset="0"/>
-              </a:rPr>
-              <a:t>Henrique</a:t>
+              <a:t>João Baptista</a:t>
             </a:r>
           </a:p>
         </p:txBody>
@@ -4890,7 +5337,7 @@
         </p:nvSpPr>
         <p:spPr>
           <a:xfrm>
-            <a:off x="4968237" y="4690256"/>
+            <a:off x="8172322" y="4690252"/>
             <a:ext cx="1985555" cy="954107"/>
           </a:xfrm>
           <a:prstGeom prst="rect">
@@ -4937,7 +5384,7 @@
         </p:nvSpPr>
         <p:spPr>
           <a:xfrm>
-            <a:off x="7289071" y="4690255"/>
+            <a:off x="10065068" y="4685234"/>
             <a:ext cx="1985555" cy="954107"/>
           </a:xfrm>
           <a:prstGeom prst="rect">
@@ -4984,7 +5431,7 @@
         </p:nvSpPr>
         <p:spPr>
           <a:xfrm>
-            <a:off x="9609903" y="4690254"/>
+            <a:off x="2139799" y="4646545"/>
             <a:ext cx="1985555" cy="954107"/>
           </a:xfrm>
           <a:prstGeom prst="rect">
@@ -5003,16 +5450,7 @@
               <a:rPr lang="pt-BR" sz="2800" dirty="0">
                 <a:latin typeface="Bariol Bold" panose="02000506040000020003" pitchFamily="2" charset="0"/>
               </a:rPr>
-              <a:t>Wellington</a:t>
-            </a:r>
-          </a:p>
-          <a:p>
-            <a:pPr algn="ctr"/>
-            <a:r>
-              <a:rPr lang="pt-BR" sz="2800" dirty="0">
-                <a:latin typeface="Bariol Bold" panose="02000506040000020003" pitchFamily="2" charset="0"/>
-              </a:rPr>
-              <a:t>Pereira</a:t>
+              <a:t>Isabela Oliveira</a:t>
             </a:r>
           </a:p>
         </p:txBody>
@@ -5053,6 +5491,99 @@
           </a:prstGeom>
         </p:spPr>
       </p:pic>
+      <p:sp>
+        <p:nvSpPr>
+          <p:cNvPr id="14" name="Elipse 13">
+            <a:extLst>
+              <a:ext uri="{FF2B5EF4-FFF2-40B4-BE49-F238E27FC236}">
+                <a16:creationId xmlns:a16="http://schemas.microsoft.com/office/drawing/2014/main" id="{7D9F8C05-4696-45C8-A76A-B27C44BC7A12}"/>
+              </a:ext>
+            </a:extLst>
+          </p:cNvPr>
+          <p:cNvSpPr/>
+          <p:nvPr/>
+        </p:nvSpPr>
+        <p:spPr>
+          <a:xfrm>
+            <a:off x="2402196" y="2915290"/>
+            <a:ext cx="1460763" cy="1460763"/>
+          </a:xfrm>
+          <a:prstGeom prst="ellipse">
+            <a:avLst/>
+          </a:prstGeom>
+        </p:spPr>
+        <p:style>
+          <a:lnRef idx="2">
+            <a:schemeClr val="accent1">
+              <a:shade val="50000"/>
+            </a:schemeClr>
+          </a:lnRef>
+          <a:fillRef idx="1">
+            <a:schemeClr val="accent1"/>
+          </a:fillRef>
+          <a:effectRef idx="0">
+            <a:schemeClr val="accent1"/>
+          </a:effectRef>
+          <a:fontRef idx="minor">
+            <a:schemeClr val="lt1"/>
+          </a:fontRef>
+        </p:style>
+        <p:txBody>
+          <a:bodyPr rtlCol="0" anchor="ctr"/>
+          <a:lstStyle/>
+          <a:p>
+            <a:pPr algn="ctr"/>
+            <a:endParaRPr lang="pt-BR"/>
+          </a:p>
+        </p:txBody>
+      </p:sp>
+      <p:sp>
+        <p:nvSpPr>
+          <p:cNvPr id="15" name="CaixaDeTexto 14">
+            <a:extLst>
+              <a:ext uri="{FF2B5EF4-FFF2-40B4-BE49-F238E27FC236}">
+                <a16:creationId xmlns:a16="http://schemas.microsoft.com/office/drawing/2014/main" id="{E521C1D0-0445-4E7C-A6FE-73D8B2BC5B37}"/>
+              </a:ext>
+            </a:extLst>
+          </p:cNvPr>
+          <p:cNvSpPr txBox="1"/>
+          <p:nvPr/>
+        </p:nvSpPr>
+        <p:spPr>
+          <a:xfrm>
+            <a:off x="6102434" y="4685234"/>
+            <a:ext cx="1985555" cy="954107"/>
+          </a:xfrm>
+          <a:prstGeom prst="rect">
+            <a:avLst/>
+          </a:prstGeom>
+          <a:noFill/>
+        </p:spPr>
+        <p:txBody>
+          <a:bodyPr wrap="square" rtlCol="0">
+            <a:spAutoFit/>
+          </a:bodyPr>
+          <a:lstStyle/>
+          <a:p>
+            <a:pPr algn="ctr"/>
+            <a:r>
+              <a:rPr lang="pt-BR" sz="2800" dirty="0">
+                <a:latin typeface="Bariol Bold" panose="02000506040000020003" pitchFamily="2" charset="0"/>
+              </a:rPr>
+              <a:t>Julia </a:t>
+            </a:r>
+          </a:p>
+          <a:p>
+            <a:pPr algn="ctr"/>
+            <a:r>
+              <a:rPr lang="pt-BR" sz="2800" dirty="0">
+                <a:latin typeface="Bariol Bold" panose="02000506040000020003" pitchFamily="2" charset="0"/>
+              </a:rPr>
+              <a:t>Lima</a:t>
+            </a:r>
+          </a:p>
+        </p:txBody>
+      </p:sp>
     </p:spTree>
     <p:extLst>
       <p:ext uri="{BB962C8B-B14F-4D97-AF65-F5344CB8AC3E}">
@@ -5066,13 +5597,6 @@
   <p:transition advClick="0">
     <p:fade/>
   </p:transition>
-  <p:timing>
-    <p:tnLst>
-      <p:par>
-        <p:cTn id="1" dur="indefinite" restart="never" nodeType="tmRoot"/>
-      </p:par>
-    </p:tnLst>
-  </p:timing>
 </p:sld>
 </file>
 
@@ -5115,7 +5639,7 @@
           <a:lstStyle/>
           <a:p>
             <a:r>
-              <a:rPr lang="pt-BR" dirty="0" smtClean="0">
+              <a:rPr lang="pt-BR" dirty="0">
                 <a:solidFill>
                   <a:schemeClr val="tx1">
                     <a:lumMod val="75000"/>
@@ -5126,15 +5650,6 @@
               </a:rPr>
               <a:t>Segmento/Mercado</a:t>
             </a:r>
-            <a:endParaRPr lang="pt-BR" dirty="0">
-              <a:solidFill>
-                <a:schemeClr val="tx1">
-                  <a:lumMod val="75000"/>
-                  <a:lumOff val="25000"/>
-                </a:schemeClr>
-              </a:solidFill>
-              <a:latin typeface="Bariol Bold" panose="02000506040000020003" pitchFamily="2" charset="0"/>
-            </a:endParaRPr>
           </a:p>
         </p:txBody>
       </p:sp>
@@ -5211,14 +5726,11 @@
               <a:buChar char="Ø"/>
             </a:pPr>
             <a:r>
-              <a:rPr lang="pt-BR" sz="2400" dirty="0" smtClean="0">
+              <a:rPr lang="pt-BR" sz="2400" dirty="0">
                 <a:latin typeface="Bariol Bold" panose="02000506040000020003" pitchFamily="2" charset="0"/>
               </a:rPr>
               <a:t>Transporte publico metroviário</a:t>
             </a:r>
-            <a:endParaRPr lang="pt-BR" sz="2400" dirty="0">
-              <a:latin typeface="Bariol Bold" panose="02000506040000020003" pitchFamily="2" charset="0"/>
-            </a:endParaRPr>
           </a:p>
           <a:p>
             <a:pPr>
@@ -5241,14 +5753,11 @@
               <a:buChar char="Ø"/>
             </a:pPr>
             <a:r>
-              <a:rPr lang="pt-BR" sz="2400" dirty="0" smtClean="0">
+              <a:rPr lang="pt-BR" sz="2400" dirty="0">
                 <a:latin typeface="Bariol Bold" panose="02000506040000020003" pitchFamily="2" charset="0"/>
               </a:rPr>
               <a:t>Uso de informações para fins comerciais</a:t>
             </a:r>
-            <a:endParaRPr lang="pt-BR" sz="2400" dirty="0">
-              <a:latin typeface="Bariol Bold" panose="02000506040000020003" pitchFamily="2" charset="0"/>
-            </a:endParaRPr>
           </a:p>
         </p:txBody>
       </p:sp>
@@ -5656,22 +6165,10 @@
               <a:rPr lang="pt-BR" sz="2400" dirty="0">
                 <a:latin typeface="Bariol Bold" panose="02000506040000020003" pitchFamily="2" charset="0"/>
               </a:rPr>
-              <a:t>Superlotação </a:t>
-            </a:r>
-            <a:r>
-              <a:rPr lang="pt-BR" sz="2400" dirty="0">
-                <a:latin typeface="Bariol Bold" panose="02000506040000020003" pitchFamily="2" charset="0"/>
-              </a:rPr>
-              <a:t>é a maior reclamação dos usuários do Metrô e da </a:t>
-            </a:r>
-            <a:r>
-              <a:rPr lang="pt-BR" sz="2400" dirty="0" smtClean="0">
-                <a:latin typeface="Bariol Bold" panose="02000506040000020003" pitchFamily="2" charset="0"/>
-              </a:rPr>
-              <a:t>CPTM.			    </a:t>
-            </a:r>
-            <a:r>
-              <a:rPr lang="pt-BR" sz="2000" dirty="0" smtClean="0">
+              <a:t>Superlotação é a maior reclamação dos usuários do Metrô e da CPTM.			    </a:t>
+            </a:r>
+            <a:r>
+              <a:rPr lang="pt-BR" sz="2000" dirty="0">
                 <a:solidFill>
                   <a:schemeClr val="tx1">
                     <a:lumMod val="85000"/>
@@ -5682,15 +6179,6 @@
               </a:rPr>
               <a:t>- Procon</a:t>
             </a:r>
-            <a:endParaRPr lang="pt-BR" sz="2000" dirty="0" smtClean="0">
-              <a:solidFill>
-                <a:schemeClr val="tx1">
-                  <a:lumMod val="85000"/>
-                  <a:lumOff val="15000"/>
-                </a:schemeClr>
-              </a:solidFill>
-              <a:latin typeface="Bariol Bold" panose="02000506040000020003" pitchFamily="2" charset="0"/>
-            </a:endParaRPr>
           </a:p>
           <a:p>
             <a:pPr>
@@ -5713,37 +6201,13 @@
               <a:buChar char="Ø"/>
             </a:pPr>
             <a:r>
-              <a:rPr lang="pt-BR" sz="2400" dirty="0" smtClean="0">
-                <a:latin typeface="Bariol Bold" panose="02000506040000020003" pitchFamily="2" charset="0"/>
-              </a:rPr>
-              <a:t>Número </a:t>
-            </a:r>
-            <a:r>
               <a:rPr lang="pt-BR" sz="2400" dirty="0">
                 <a:latin typeface="Bariol Bold" panose="02000506040000020003" pitchFamily="2" charset="0"/>
               </a:rPr>
-              <a:t>de passageiros transportados pelo </a:t>
-            </a:r>
-            <a:r>
-              <a:rPr lang="pt-BR" sz="2400" dirty="0" smtClean="0">
-                <a:latin typeface="Bariol Bold" panose="02000506040000020003" pitchFamily="2" charset="0"/>
-              </a:rPr>
-              <a:t>Metrô </a:t>
-            </a:r>
-            <a:r>
-              <a:rPr lang="pt-BR" sz="2400" dirty="0">
-                <a:latin typeface="Bariol Bold" panose="02000506040000020003" pitchFamily="2" charset="0"/>
-              </a:rPr>
-              <a:t>cai 12 milhões em </a:t>
-            </a:r>
-            <a:r>
-              <a:rPr lang="pt-BR" sz="2400" dirty="0" smtClean="0">
-                <a:latin typeface="Bariol Bold" panose="02000506040000020003" pitchFamily="2" charset="0"/>
-              </a:rPr>
-              <a:t>2017.</a:t>
-            </a:r>
-            <a:r>
-              <a:rPr lang="pt-BR" sz="2000" dirty="0" smtClean="0">
+              <a:t>Número de passageiros transportados pelo Metrô cai 12 milhões em 2017.</a:t>
+            </a:r>
+            <a:r>
+              <a:rPr lang="pt-BR" sz="2000" dirty="0">
                 <a:solidFill>
                   <a:schemeClr val="tx1">
                     <a:lumMod val="85000"/>
@@ -5754,15 +6218,6 @@
               </a:rPr>
               <a:t>     	- G1 Globo</a:t>
             </a:r>
-            <a:endParaRPr lang="pt-BR" sz="2000" dirty="0">
-              <a:solidFill>
-                <a:schemeClr val="tx1">
-                  <a:lumMod val="85000"/>
-                  <a:lumOff val="15000"/>
-                </a:schemeClr>
-              </a:solidFill>
-              <a:latin typeface="Bariol Bold" panose="02000506040000020003" pitchFamily="2" charset="0"/>
-            </a:endParaRPr>
           </a:p>
         </p:txBody>
       </p:sp>
@@ -6869,7 +7324,13 @@
       </p:grpSpPr>
       <p:pic>
         <p:nvPicPr>
-          <p:cNvPr id="13" name="Imagem 12"/>
+          <p:cNvPr id="3" name="Imagem 14">
+            <a:extLst>
+              <a:ext uri="{FF2B5EF4-FFF2-40B4-BE49-F238E27FC236}">
+                <a16:creationId xmlns:a16="http://schemas.microsoft.com/office/drawing/2014/main" id="{0102D479-09C2-49DB-A04B-2D35F705A0C8}"/>
+              </a:ext>
+            </a:extLst>
+          </p:cNvPr>
           <p:cNvPicPr>
             <a:picLocks noChangeAspect="1"/>
           </p:cNvPicPr>
@@ -6889,17 +7350,427 @@
         </p:blipFill>
         <p:spPr>
           <a:xfrm>
-            <a:off x="224121" y="428431"/>
-            <a:ext cx="3028173" cy="2111223"/>
+            <a:off x="3548139" y="2053750"/>
+            <a:ext cx="2332204" cy="1636263"/>
           </a:xfrm>
           <a:prstGeom prst="rect">
             <a:avLst/>
           </a:prstGeom>
         </p:spPr>
       </p:pic>
+      <p:sp>
+        <p:nvSpPr>
+          <p:cNvPr id="4" name="CaixaDeTexto 17">
+            <a:extLst>
+              <a:ext uri="{FF2B5EF4-FFF2-40B4-BE49-F238E27FC236}">
+                <a16:creationId xmlns:a16="http://schemas.microsoft.com/office/drawing/2014/main" id="{8654993B-C2B9-4E5E-BA14-277418993EF0}"/>
+              </a:ext>
+            </a:extLst>
+          </p:cNvPr>
+          <p:cNvSpPr txBox="1"/>
+          <p:nvPr/>
+        </p:nvSpPr>
+        <p:spPr>
+          <a:xfrm>
+            <a:off x="3337897" y="3487126"/>
+            <a:ext cx="2592881" cy="1323439"/>
+          </a:xfrm>
+          <a:prstGeom prst="rect">
+            <a:avLst/>
+          </a:prstGeom>
+          <a:noFill/>
+        </p:spPr>
+        <p:txBody>
+          <a:bodyPr wrap="square" rtlCol="0" anchor="t">
+            <a:spAutoFit/>
+          </a:bodyPr>
+          <a:lstStyle>
+            <a:defPPr>
+              <a:defRPr lang="pt-BR"/>
+            </a:defPPr>
+            <a:lvl1pPr marL="0" algn="l" defTabSz="914400" rtl="0" eaLnBrk="1" latinLnBrk="0" hangingPunct="1">
+              <a:defRPr sz="1800" kern="1200">
+                <a:solidFill>
+                  <a:schemeClr val="tx1"/>
+                </a:solidFill>
+                <a:latin typeface="+mn-lt"/>
+                <a:ea typeface="+mn-ea"/>
+                <a:cs typeface="+mn-cs"/>
+              </a:defRPr>
+            </a:lvl1pPr>
+            <a:lvl2pPr marL="457200" algn="l" defTabSz="914400" rtl="0" eaLnBrk="1" latinLnBrk="0" hangingPunct="1">
+              <a:defRPr sz="1800" kern="1200">
+                <a:solidFill>
+                  <a:schemeClr val="tx1"/>
+                </a:solidFill>
+                <a:latin typeface="+mn-lt"/>
+                <a:ea typeface="+mn-ea"/>
+                <a:cs typeface="+mn-cs"/>
+              </a:defRPr>
+            </a:lvl2pPr>
+            <a:lvl3pPr marL="914400" algn="l" defTabSz="914400" rtl="0" eaLnBrk="1" latinLnBrk="0" hangingPunct="1">
+              <a:defRPr sz="1800" kern="1200">
+                <a:solidFill>
+                  <a:schemeClr val="tx1"/>
+                </a:solidFill>
+                <a:latin typeface="+mn-lt"/>
+                <a:ea typeface="+mn-ea"/>
+                <a:cs typeface="+mn-cs"/>
+              </a:defRPr>
+            </a:lvl3pPr>
+            <a:lvl4pPr marL="1371600" algn="l" defTabSz="914400" rtl="0" eaLnBrk="1" latinLnBrk="0" hangingPunct="1">
+              <a:defRPr sz="1800" kern="1200">
+                <a:solidFill>
+                  <a:schemeClr val="tx1"/>
+                </a:solidFill>
+                <a:latin typeface="+mn-lt"/>
+                <a:ea typeface="+mn-ea"/>
+                <a:cs typeface="+mn-cs"/>
+              </a:defRPr>
+            </a:lvl4pPr>
+            <a:lvl5pPr marL="1828800" algn="l" defTabSz="914400" rtl="0" eaLnBrk="1" latinLnBrk="0" hangingPunct="1">
+              <a:defRPr sz="1800" kern="1200">
+                <a:solidFill>
+                  <a:schemeClr val="tx1"/>
+                </a:solidFill>
+                <a:latin typeface="+mn-lt"/>
+                <a:ea typeface="+mn-ea"/>
+                <a:cs typeface="+mn-cs"/>
+              </a:defRPr>
+            </a:lvl5pPr>
+            <a:lvl6pPr marL="2286000" algn="l" defTabSz="914400" rtl="0" eaLnBrk="1" latinLnBrk="0" hangingPunct="1">
+              <a:defRPr sz="1800" kern="1200">
+                <a:solidFill>
+                  <a:schemeClr val="tx1"/>
+                </a:solidFill>
+                <a:latin typeface="+mn-lt"/>
+                <a:ea typeface="+mn-ea"/>
+                <a:cs typeface="+mn-cs"/>
+              </a:defRPr>
+            </a:lvl6pPr>
+            <a:lvl7pPr marL="2743200" algn="l" defTabSz="914400" rtl="0" eaLnBrk="1" latinLnBrk="0" hangingPunct="1">
+              <a:defRPr sz="1800" kern="1200">
+                <a:solidFill>
+                  <a:schemeClr val="tx1"/>
+                </a:solidFill>
+                <a:latin typeface="+mn-lt"/>
+                <a:ea typeface="+mn-ea"/>
+                <a:cs typeface="+mn-cs"/>
+              </a:defRPr>
+            </a:lvl7pPr>
+            <a:lvl8pPr marL="3200400" algn="l" defTabSz="914400" rtl="0" eaLnBrk="1" latinLnBrk="0" hangingPunct="1">
+              <a:defRPr sz="1800" kern="1200">
+                <a:solidFill>
+                  <a:schemeClr val="tx1"/>
+                </a:solidFill>
+                <a:latin typeface="+mn-lt"/>
+                <a:ea typeface="+mn-ea"/>
+                <a:cs typeface="+mn-cs"/>
+              </a:defRPr>
+            </a:lvl8pPr>
+            <a:lvl9pPr marL="3657600" algn="l" defTabSz="914400" rtl="0" eaLnBrk="1" latinLnBrk="0" hangingPunct="1">
+              <a:defRPr sz="1800" kern="1200">
+                <a:solidFill>
+                  <a:schemeClr val="tx1"/>
+                </a:solidFill>
+                <a:latin typeface="+mn-lt"/>
+                <a:ea typeface="+mn-ea"/>
+                <a:cs typeface="+mn-cs"/>
+              </a:defRPr>
+            </a:lvl9pPr>
+          </a:lstStyle>
+          <a:p>
+            <a:pPr algn="ctr"/>
+            <a:r>
+              <a:rPr lang="pt-BR" sz="1600" dirty="0">
+                <a:latin typeface="Bariol Bold" panose="02000506040000020003"/>
+                <a:cs typeface="Arial"/>
+              </a:rPr>
+              <a:t>O  sistema web determina com esses dados o nível de circulação de pessoas em um determinado local da estação.</a:t>
+            </a:r>
+          </a:p>
+        </p:txBody>
+      </p:sp>
+      <p:sp>
+        <p:nvSpPr>
+          <p:cNvPr id="5" name="CaixaDeTexto 18">
+            <a:extLst>
+              <a:ext uri="{FF2B5EF4-FFF2-40B4-BE49-F238E27FC236}">
+                <a16:creationId xmlns:a16="http://schemas.microsoft.com/office/drawing/2014/main" id="{1B2E5927-A1FF-4781-8F5A-3031D47EFCC5}"/>
+              </a:ext>
+            </a:extLst>
+          </p:cNvPr>
+          <p:cNvSpPr txBox="1"/>
+          <p:nvPr/>
+        </p:nvSpPr>
+        <p:spPr>
+          <a:xfrm>
+            <a:off x="338421" y="3582067"/>
+            <a:ext cx="2434584" cy="1077218"/>
+          </a:xfrm>
+          <a:prstGeom prst="rect">
+            <a:avLst/>
+          </a:prstGeom>
+          <a:noFill/>
+        </p:spPr>
+        <p:txBody>
+          <a:bodyPr wrap="square" rtlCol="0" anchor="t">
+            <a:spAutoFit/>
+          </a:bodyPr>
+          <a:lstStyle>
+            <a:defPPr>
+              <a:defRPr lang="pt-BR"/>
+            </a:defPPr>
+            <a:lvl1pPr marL="0" algn="l" defTabSz="914400" rtl="0" eaLnBrk="1" latinLnBrk="0" hangingPunct="1">
+              <a:defRPr sz="1800" kern="1200">
+                <a:solidFill>
+                  <a:schemeClr val="tx1"/>
+                </a:solidFill>
+                <a:latin typeface="+mn-lt"/>
+                <a:ea typeface="+mn-ea"/>
+                <a:cs typeface="+mn-cs"/>
+              </a:defRPr>
+            </a:lvl1pPr>
+            <a:lvl2pPr marL="457200" algn="l" defTabSz="914400" rtl="0" eaLnBrk="1" latinLnBrk="0" hangingPunct="1">
+              <a:defRPr sz="1800" kern="1200">
+                <a:solidFill>
+                  <a:schemeClr val="tx1"/>
+                </a:solidFill>
+                <a:latin typeface="+mn-lt"/>
+                <a:ea typeface="+mn-ea"/>
+                <a:cs typeface="+mn-cs"/>
+              </a:defRPr>
+            </a:lvl2pPr>
+            <a:lvl3pPr marL="914400" algn="l" defTabSz="914400" rtl="0" eaLnBrk="1" latinLnBrk="0" hangingPunct="1">
+              <a:defRPr sz="1800" kern="1200">
+                <a:solidFill>
+                  <a:schemeClr val="tx1"/>
+                </a:solidFill>
+                <a:latin typeface="+mn-lt"/>
+                <a:ea typeface="+mn-ea"/>
+                <a:cs typeface="+mn-cs"/>
+              </a:defRPr>
+            </a:lvl3pPr>
+            <a:lvl4pPr marL="1371600" algn="l" defTabSz="914400" rtl="0" eaLnBrk="1" latinLnBrk="0" hangingPunct="1">
+              <a:defRPr sz="1800" kern="1200">
+                <a:solidFill>
+                  <a:schemeClr val="tx1"/>
+                </a:solidFill>
+                <a:latin typeface="+mn-lt"/>
+                <a:ea typeface="+mn-ea"/>
+                <a:cs typeface="+mn-cs"/>
+              </a:defRPr>
+            </a:lvl4pPr>
+            <a:lvl5pPr marL="1828800" algn="l" defTabSz="914400" rtl="0" eaLnBrk="1" latinLnBrk="0" hangingPunct="1">
+              <a:defRPr sz="1800" kern="1200">
+                <a:solidFill>
+                  <a:schemeClr val="tx1"/>
+                </a:solidFill>
+                <a:latin typeface="+mn-lt"/>
+                <a:ea typeface="+mn-ea"/>
+                <a:cs typeface="+mn-cs"/>
+              </a:defRPr>
+            </a:lvl5pPr>
+            <a:lvl6pPr marL="2286000" algn="l" defTabSz="914400" rtl="0" eaLnBrk="1" latinLnBrk="0" hangingPunct="1">
+              <a:defRPr sz="1800" kern="1200">
+                <a:solidFill>
+                  <a:schemeClr val="tx1"/>
+                </a:solidFill>
+                <a:latin typeface="+mn-lt"/>
+                <a:ea typeface="+mn-ea"/>
+                <a:cs typeface="+mn-cs"/>
+              </a:defRPr>
+            </a:lvl6pPr>
+            <a:lvl7pPr marL="2743200" algn="l" defTabSz="914400" rtl="0" eaLnBrk="1" latinLnBrk="0" hangingPunct="1">
+              <a:defRPr sz="1800" kern="1200">
+                <a:solidFill>
+                  <a:schemeClr val="tx1"/>
+                </a:solidFill>
+                <a:latin typeface="+mn-lt"/>
+                <a:ea typeface="+mn-ea"/>
+                <a:cs typeface="+mn-cs"/>
+              </a:defRPr>
+            </a:lvl7pPr>
+            <a:lvl8pPr marL="3200400" algn="l" defTabSz="914400" rtl="0" eaLnBrk="1" latinLnBrk="0" hangingPunct="1">
+              <a:defRPr sz="1800" kern="1200">
+                <a:solidFill>
+                  <a:schemeClr val="tx1"/>
+                </a:solidFill>
+                <a:latin typeface="+mn-lt"/>
+                <a:ea typeface="+mn-ea"/>
+                <a:cs typeface="+mn-cs"/>
+              </a:defRPr>
+            </a:lvl8pPr>
+            <a:lvl9pPr marL="3657600" algn="l" defTabSz="914400" rtl="0" eaLnBrk="1" latinLnBrk="0" hangingPunct="1">
+              <a:defRPr sz="1800" kern="1200">
+                <a:solidFill>
+                  <a:schemeClr val="tx1"/>
+                </a:solidFill>
+                <a:latin typeface="+mn-lt"/>
+                <a:ea typeface="+mn-ea"/>
+                <a:cs typeface="+mn-cs"/>
+              </a:defRPr>
+            </a:lvl9pPr>
+          </a:lstStyle>
+          <a:p>
+            <a:pPr algn="ctr"/>
+            <a:r>
+              <a:rPr lang="pt-BR" sz="1600" dirty="0">
+                <a:latin typeface="Bariol Bold" panose="02000506040000020003"/>
+                <a:cs typeface="Arial"/>
+              </a:rPr>
+              <a:t>Coleta de dados através de sensor óptico reflexivo em estações do metrô.</a:t>
+            </a:r>
+          </a:p>
+          <a:p>
+            <a:endParaRPr lang="pt-BR" sz="1600" dirty="0">
+              <a:latin typeface="Bariol Bold" panose="02000506040000020003"/>
+            </a:endParaRPr>
+          </a:p>
+        </p:txBody>
+      </p:sp>
+      <p:sp>
+        <p:nvSpPr>
+          <p:cNvPr id="6" name="CaixaDeTexto 19">
+            <a:extLst>
+              <a:ext uri="{FF2B5EF4-FFF2-40B4-BE49-F238E27FC236}">
+                <a16:creationId xmlns:a16="http://schemas.microsoft.com/office/drawing/2014/main" id="{D90E817B-B8F8-478D-882E-57FF9F8629F6}"/>
+              </a:ext>
+            </a:extLst>
+          </p:cNvPr>
+          <p:cNvSpPr txBox="1"/>
+          <p:nvPr/>
+        </p:nvSpPr>
+        <p:spPr>
+          <a:xfrm>
+            <a:off x="6313814" y="3581069"/>
+            <a:ext cx="2600438" cy="1077218"/>
+          </a:xfrm>
+          <a:prstGeom prst="rect">
+            <a:avLst/>
+          </a:prstGeom>
+          <a:noFill/>
+        </p:spPr>
+        <p:txBody>
+          <a:bodyPr wrap="square" rtlCol="0" anchor="t">
+            <a:spAutoFit/>
+          </a:bodyPr>
+          <a:lstStyle>
+            <a:defPPr>
+              <a:defRPr lang="pt-BR"/>
+            </a:defPPr>
+            <a:lvl1pPr marL="0" algn="l" defTabSz="914400" rtl="0" eaLnBrk="1" latinLnBrk="0" hangingPunct="1">
+              <a:defRPr sz="1800" kern="1200">
+                <a:solidFill>
+                  <a:schemeClr val="tx1"/>
+                </a:solidFill>
+                <a:latin typeface="+mn-lt"/>
+                <a:ea typeface="+mn-ea"/>
+                <a:cs typeface="+mn-cs"/>
+              </a:defRPr>
+            </a:lvl1pPr>
+            <a:lvl2pPr marL="457200" algn="l" defTabSz="914400" rtl="0" eaLnBrk="1" latinLnBrk="0" hangingPunct="1">
+              <a:defRPr sz="1800" kern="1200">
+                <a:solidFill>
+                  <a:schemeClr val="tx1"/>
+                </a:solidFill>
+                <a:latin typeface="+mn-lt"/>
+                <a:ea typeface="+mn-ea"/>
+                <a:cs typeface="+mn-cs"/>
+              </a:defRPr>
+            </a:lvl2pPr>
+            <a:lvl3pPr marL="914400" algn="l" defTabSz="914400" rtl="0" eaLnBrk="1" latinLnBrk="0" hangingPunct="1">
+              <a:defRPr sz="1800" kern="1200">
+                <a:solidFill>
+                  <a:schemeClr val="tx1"/>
+                </a:solidFill>
+                <a:latin typeface="+mn-lt"/>
+                <a:ea typeface="+mn-ea"/>
+                <a:cs typeface="+mn-cs"/>
+              </a:defRPr>
+            </a:lvl3pPr>
+            <a:lvl4pPr marL="1371600" algn="l" defTabSz="914400" rtl="0" eaLnBrk="1" latinLnBrk="0" hangingPunct="1">
+              <a:defRPr sz="1800" kern="1200">
+                <a:solidFill>
+                  <a:schemeClr val="tx1"/>
+                </a:solidFill>
+                <a:latin typeface="+mn-lt"/>
+                <a:ea typeface="+mn-ea"/>
+                <a:cs typeface="+mn-cs"/>
+              </a:defRPr>
+            </a:lvl4pPr>
+            <a:lvl5pPr marL="1828800" algn="l" defTabSz="914400" rtl="0" eaLnBrk="1" latinLnBrk="0" hangingPunct="1">
+              <a:defRPr sz="1800" kern="1200">
+                <a:solidFill>
+                  <a:schemeClr val="tx1"/>
+                </a:solidFill>
+                <a:latin typeface="+mn-lt"/>
+                <a:ea typeface="+mn-ea"/>
+                <a:cs typeface="+mn-cs"/>
+              </a:defRPr>
+            </a:lvl5pPr>
+            <a:lvl6pPr marL="2286000" algn="l" defTabSz="914400" rtl="0" eaLnBrk="1" latinLnBrk="0" hangingPunct="1">
+              <a:defRPr sz="1800" kern="1200">
+                <a:solidFill>
+                  <a:schemeClr val="tx1"/>
+                </a:solidFill>
+                <a:latin typeface="+mn-lt"/>
+                <a:ea typeface="+mn-ea"/>
+                <a:cs typeface="+mn-cs"/>
+              </a:defRPr>
+            </a:lvl6pPr>
+            <a:lvl7pPr marL="2743200" algn="l" defTabSz="914400" rtl="0" eaLnBrk="1" latinLnBrk="0" hangingPunct="1">
+              <a:defRPr sz="1800" kern="1200">
+                <a:solidFill>
+                  <a:schemeClr val="tx1"/>
+                </a:solidFill>
+                <a:latin typeface="+mn-lt"/>
+                <a:ea typeface="+mn-ea"/>
+                <a:cs typeface="+mn-cs"/>
+              </a:defRPr>
+            </a:lvl7pPr>
+            <a:lvl8pPr marL="3200400" algn="l" defTabSz="914400" rtl="0" eaLnBrk="1" latinLnBrk="0" hangingPunct="1">
+              <a:defRPr sz="1800" kern="1200">
+                <a:solidFill>
+                  <a:schemeClr val="tx1"/>
+                </a:solidFill>
+                <a:latin typeface="+mn-lt"/>
+                <a:ea typeface="+mn-ea"/>
+                <a:cs typeface="+mn-cs"/>
+              </a:defRPr>
+            </a:lvl8pPr>
+            <a:lvl9pPr marL="3657600" algn="l" defTabSz="914400" rtl="0" eaLnBrk="1" latinLnBrk="0" hangingPunct="1">
+              <a:defRPr sz="1800" kern="1200">
+                <a:solidFill>
+                  <a:schemeClr val="tx1"/>
+                </a:solidFill>
+                <a:latin typeface="+mn-lt"/>
+                <a:ea typeface="+mn-ea"/>
+                <a:cs typeface="+mn-cs"/>
+              </a:defRPr>
+            </a:lvl9pPr>
+          </a:lstStyle>
+          <a:p>
+            <a:pPr algn="ctr"/>
+            <a:r>
+              <a:rPr lang="pt-BR" sz="1600" dirty="0">
+                <a:latin typeface="Bariol Bold" panose="02000506040000020003"/>
+                <a:cs typeface="Arial"/>
+              </a:rPr>
+              <a:t>Assim o metrô utiliza esses dados para tomada de decisões operacionais em suas dependências.</a:t>
+            </a:r>
+          </a:p>
+        </p:txBody>
+      </p:sp>
       <p:pic>
         <p:nvPicPr>
-          <p:cNvPr id="15" name="Imagem 14"/>
+          <p:cNvPr id="9" name="Imagem 22">
+            <a:extLst>
+              <a:ext uri="{FF2B5EF4-FFF2-40B4-BE49-F238E27FC236}">
+                <a16:creationId xmlns:a16="http://schemas.microsoft.com/office/drawing/2014/main" id="{CC39A08E-FA5A-4E74-8D88-F67EB8568251}"/>
+              </a:ext>
+            </a:extLst>
+          </p:cNvPr>
           <p:cNvPicPr>
             <a:picLocks noChangeAspect="1"/>
           </p:cNvPicPr>
@@ -6919,8 +7790,8 @@
         </p:blipFill>
         <p:spPr>
           <a:xfrm>
-            <a:off x="4376814" y="434500"/>
-            <a:ext cx="3122779" cy="2188713"/>
+            <a:off x="9825538" y="3408574"/>
+            <a:ext cx="1953314" cy="1473180"/>
           </a:xfrm>
           <a:prstGeom prst="rect">
             <a:avLst/>
@@ -6929,14 +7800,20 @@
       </p:pic>
       <p:sp>
         <p:nvSpPr>
-          <p:cNvPr id="18" name="CaixaDeTexto 17"/>
+          <p:cNvPr id="10" name="CaixaDeTexto 23">
+            <a:extLst>
+              <a:ext uri="{FF2B5EF4-FFF2-40B4-BE49-F238E27FC236}">
+                <a16:creationId xmlns:a16="http://schemas.microsoft.com/office/drawing/2014/main" id="{5727A1E5-3410-4EFE-A1BA-EFFC3D7A5FF0}"/>
+              </a:ext>
+            </a:extLst>
+          </p:cNvPr>
           <p:cNvSpPr txBox="1"/>
           <p:nvPr/>
         </p:nvSpPr>
         <p:spPr>
           <a:xfrm>
-            <a:off x="4109422" y="2429851"/>
-            <a:ext cx="3516806" cy="584775"/>
+            <a:off x="9489592" y="4962700"/>
+            <a:ext cx="2700565" cy="1569660"/>
           </a:xfrm>
           <a:prstGeom prst="rect">
             <a:avLst/>
@@ -6944,32 +7821,132 @@
           <a:noFill/>
         </p:spPr>
         <p:txBody>
-          <a:bodyPr wrap="square" rtlCol="0">
+          <a:bodyPr wrap="square" rtlCol="0" anchor="t">
             <a:spAutoFit/>
           </a:bodyPr>
-          <a:lstStyle/>
+          <a:lstStyle>
+            <a:defPPr>
+              <a:defRPr lang="pt-BR"/>
+            </a:defPPr>
+            <a:lvl1pPr marL="0" algn="l" defTabSz="914400" rtl="0" eaLnBrk="1" latinLnBrk="0" hangingPunct="1">
+              <a:defRPr sz="1800" kern="1200">
+                <a:solidFill>
+                  <a:schemeClr val="tx1"/>
+                </a:solidFill>
+                <a:latin typeface="+mn-lt"/>
+                <a:ea typeface="+mn-ea"/>
+                <a:cs typeface="+mn-cs"/>
+              </a:defRPr>
+            </a:lvl1pPr>
+            <a:lvl2pPr marL="457200" algn="l" defTabSz="914400" rtl="0" eaLnBrk="1" latinLnBrk="0" hangingPunct="1">
+              <a:defRPr sz="1800" kern="1200">
+                <a:solidFill>
+                  <a:schemeClr val="tx1"/>
+                </a:solidFill>
+                <a:latin typeface="+mn-lt"/>
+                <a:ea typeface="+mn-ea"/>
+                <a:cs typeface="+mn-cs"/>
+              </a:defRPr>
+            </a:lvl2pPr>
+            <a:lvl3pPr marL="914400" algn="l" defTabSz="914400" rtl="0" eaLnBrk="1" latinLnBrk="0" hangingPunct="1">
+              <a:defRPr sz="1800" kern="1200">
+                <a:solidFill>
+                  <a:schemeClr val="tx1"/>
+                </a:solidFill>
+                <a:latin typeface="+mn-lt"/>
+                <a:ea typeface="+mn-ea"/>
+                <a:cs typeface="+mn-cs"/>
+              </a:defRPr>
+            </a:lvl3pPr>
+            <a:lvl4pPr marL="1371600" algn="l" defTabSz="914400" rtl="0" eaLnBrk="1" latinLnBrk="0" hangingPunct="1">
+              <a:defRPr sz="1800" kern="1200">
+                <a:solidFill>
+                  <a:schemeClr val="tx1"/>
+                </a:solidFill>
+                <a:latin typeface="+mn-lt"/>
+                <a:ea typeface="+mn-ea"/>
+                <a:cs typeface="+mn-cs"/>
+              </a:defRPr>
+            </a:lvl4pPr>
+            <a:lvl5pPr marL="1828800" algn="l" defTabSz="914400" rtl="0" eaLnBrk="1" latinLnBrk="0" hangingPunct="1">
+              <a:defRPr sz="1800" kern="1200">
+                <a:solidFill>
+                  <a:schemeClr val="tx1"/>
+                </a:solidFill>
+                <a:latin typeface="+mn-lt"/>
+                <a:ea typeface="+mn-ea"/>
+                <a:cs typeface="+mn-cs"/>
+              </a:defRPr>
+            </a:lvl5pPr>
+            <a:lvl6pPr marL="2286000" algn="l" defTabSz="914400" rtl="0" eaLnBrk="1" latinLnBrk="0" hangingPunct="1">
+              <a:defRPr sz="1800" kern="1200">
+                <a:solidFill>
+                  <a:schemeClr val="tx1"/>
+                </a:solidFill>
+                <a:latin typeface="+mn-lt"/>
+                <a:ea typeface="+mn-ea"/>
+                <a:cs typeface="+mn-cs"/>
+              </a:defRPr>
+            </a:lvl6pPr>
+            <a:lvl7pPr marL="2743200" algn="l" defTabSz="914400" rtl="0" eaLnBrk="1" latinLnBrk="0" hangingPunct="1">
+              <a:defRPr sz="1800" kern="1200">
+                <a:solidFill>
+                  <a:schemeClr val="tx1"/>
+                </a:solidFill>
+                <a:latin typeface="+mn-lt"/>
+                <a:ea typeface="+mn-ea"/>
+                <a:cs typeface="+mn-cs"/>
+              </a:defRPr>
+            </a:lvl7pPr>
+            <a:lvl8pPr marL="3200400" algn="l" defTabSz="914400" rtl="0" eaLnBrk="1" latinLnBrk="0" hangingPunct="1">
+              <a:defRPr sz="1800" kern="1200">
+                <a:solidFill>
+                  <a:schemeClr val="tx1"/>
+                </a:solidFill>
+                <a:latin typeface="+mn-lt"/>
+                <a:ea typeface="+mn-ea"/>
+                <a:cs typeface="+mn-cs"/>
+              </a:defRPr>
+            </a:lvl8pPr>
+            <a:lvl9pPr marL="3657600" algn="l" defTabSz="914400" rtl="0" eaLnBrk="1" latinLnBrk="0" hangingPunct="1">
+              <a:defRPr sz="1800" kern="1200">
+                <a:solidFill>
+                  <a:schemeClr val="tx1"/>
+                </a:solidFill>
+                <a:latin typeface="+mn-lt"/>
+                <a:ea typeface="+mn-ea"/>
+                <a:cs typeface="+mn-cs"/>
+              </a:defRPr>
+            </a:lvl9pPr>
+          </a:lstStyle>
           <a:p>
             <a:pPr algn="ctr"/>
             <a:r>
-              <a:rPr lang="pt-BR" sz="1600" dirty="0" smtClean="0">
+              <a:rPr lang="pt-BR" sz="1600" dirty="0">
                 <a:latin typeface="Bariol Bold" panose="02000506040000020003"/>
-                <a:cs typeface="Arial" panose="020B0604020202020204" pitchFamily="34" charset="0"/>
+                <a:cs typeface="Arial"/>
               </a:rPr>
-              <a:t>O sistema determina com esses dados o nível de circulação de pessoas no local.</a:t>
-            </a:r>
-          </a:p>
-        </p:txBody>
-      </p:sp>
-      <p:sp>
-        <p:nvSpPr>
-          <p:cNvPr id="19" name="CaixaDeTexto 18"/>
+              <a:t> Pode disponibilizar informações para usuários do metrô. Dessa forma, eles podem optar por outras rotas alternativas evitando a lotação desse local.</a:t>
+            </a:r>
+          </a:p>
+        </p:txBody>
+      </p:sp>
+      <p:sp>
+        <p:nvSpPr>
+          <p:cNvPr id="11" name="CaixaDeTexto 25">
+            <a:extLst>
+              <a:ext uri="{FF2B5EF4-FFF2-40B4-BE49-F238E27FC236}">
+                <a16:creationId xmlns:a16="http://schemas.microsoft.com/office/drawing/2014/main" id="{A479C050-67C5-4ECD-8E6A-7D6E5F9C68DE}"/>
+              </a:ext>
+            </a:extLst>
+          </p:cNvPr>
           <p:cNvSpPr txBox="1"/>
           <p:nvPr/>
         </p:nvSpPr>
         <p:spPr>
           <a:xfrm>
-            <a:off x="224121" y="2420017"/>
-            <a:ext cx="3139434" cy="830997"/>
+            <a:off x="9528661" y="1578047"/>
+            <a:ext cx="2537460" cy="1323439"/>
           </a:xfrm>
           <a:prstGeom prst="rect">
             <a:avLst/>
@@ -6977,67 +7954,125 @@
           <a:noFill/>
         </p:spPr>
         <p:txBody>
-          <a:bodyPr wrap="square" rtlCol="0">
+          <a:bodyPr wrap="square" rtlCol="0" anchor="t">
             <a:spAutoFit/>
           </a:bodyPr>
-          <a:lstStyle/>
+          <a:lstStyle>
+            <a:defPPr>
+              <a:defRPr lang="pt-BR"/>
+            </a:defPPr>
+            <a:lvl1pPr marL="0" algn="l" defTabSz="914400" rtl="0" eaLnBrk="1" latinLnBrk="0" hangingPunct="1">
+              <a:defRPr sz="1800" kern="1200">
+                <a:solidFill>
+                  <a:schemeClr val="tx1"/>
+                </a:solidFill>
+                <a:latin typeface="+mn-lt"/>
+                <a:ea typeface="+mn-ea"/>
+                <a:cs typeface="+mn-cs"/>
+              </a:defRPr>
+            </a:lvl1pPr>
+            <a:lvl2pPr marL="457200" algn="l" defTabSz="914400" rtl="0" eaLnBrk="1" latinLnBrk="0" hangingPunct="1">
+              <a:defRPr sz="1800" kern="1200">
+                <a:solidFill>
+                  <a:schemeClr val="tx1"/>
+                </a:solidFill>
+                <a:latin typeface="+mn-lt"/>
+                <a:ea typeface="+mn-ea"/>
+                <a:cs typeface="+mn-cs"/>
+              </a:defRPr>
+            </a:lvl2pPr>
+            <a:lvl3pPr marL="914400" algn="l" defTabSz="914400" rtl="0" eaLnBrk="1" latinLnBrk="0" hangingPunct="1">
+              <a:defRPr sz="1800" kern="1200">
+                <a:solidFill>
+                  <a:schemeClr val="tx1"/>
+                </a:solidFill>
+                <a:latin typeface="+mn-lt"/>
+                <a:ea typeface="+mn-ea"/>
+                <a:cs typeface="+mn-cs"/>
+              </a:defRPr>
+            </a:lvl3pPr>
+            <a:lvl4pPr marL="1371600" algn="l" defTabSz="914400" rtl="0" eaLnBrk="1" latinLnBrk="0" hangingPunct="1">
+              <a:defRPr sz="1800" kern="1200">
+                <a:solidFill>
+                  <a:schemeClr val="tx1"/>
+                </a:solidFill>
+                <a:latin typeface="+mn-lt"/>
+                <a:ea typeface="+mn-ea"/>
+                <a:cs typeface="+mn-cs"/>
+              </a:defRPr>
+            </a:lvl4pPr>
+            <a:lvl5pPr marL="1828800" algn="l" defTabSz="914400" rtl="0" eaLnBrk="1" latinLnBrk="0" hangingPunct="1">
+              <a:defRPr sz="1800" kern="1200">
+                <a:solidFill>
+                  <a:schemeClr val="tx1"/>
+                </a:solidFill>
+                <a:latin typeface="+mn-lt"/>
+                <a:ea typeface="+mn-ea"/>
+                <a:cs typeface="+mn-cs"/>
+              </a:defRPr>
+            </a:lvl5pPr>
+            <a:lvl6pPr marL="2286000" algn="l" defTabSz="914400" rtl="0" eaLnBrk="1" latinLnBrk="0" hangingPunct="1">
+              <a:defRPr sz="1800" kern="1200">
+                <a:solidFill>
+                  <a:schemeClr val="tx1"/>
+                </a:solidFill>
+                <a:latin typeface="+mn-lt"/>
+                <a:ea typeface="+mn-ea"/>
+                <a:cs typeface="+mn-cs"/>
+              </a:defRPr>
+            </a:lvl6pPr>
+            <a:lvl7pPr marL="2743200" algn="l" defTabSz="914400" rtl="0" eaLnBrk="1" latinLnBrk="0" hangingPunct="1">
+              <a:defRPr sz="1800" kern="1200">
+                <a:solidFill>
+                  <a:schemeClr val="tx1"/>
+                </a:solidFill>
+                <a:latin typeface="+mn-lt"/>
+                <a:ea typeface="+mn-ea"/>
+                <a:cs typeface="+mn-cs"/>
+              </a:defRPr>
+            </a:lvl7pPr>
+            <a:lvl8pPr marL="3200400" algn="l" defTabSz="914400" rtl="0" eaLnBrk="1" latinLnBrk="0" hangingPunct="1">
+              <a:defRPr sz="1800" kern="1200">
+                <a:solidFill>
+                  <a:schemeClr val="tx1"/>
+                </a:solidFill>
+                <a:latin typeface="+mn-lt"/>
+                <a:ea typeface="+mn-ea"/>
+                <a:cs typeface="+mn-cs"/>
+              </a:defRPr>
+            </a:lvl8pPr>
+            <a:lvl9pPr marL="3657600" algn="l" defTabSz="914400" rtl="0" eaLnBrk="1" latinLnBrk="0" hangingPunct="1">
+              <a:defRPr sz="1800" kern="1200">
+                <a:solidFill>
+                  <a:schemeClr val="tx1"/>
+                </a:solidFill>
+                <a:latin typeface="+mn-lt"/>
+                <a:ea typeface="+mn-ea"/>
+                <a:cs typeface="+mn-cs"/>
+              </a:defRPr>
+            </a:lvl9pPr>
+          </a:lstStyle>
           <a:p>
             <a:pPr algn="ctr"/>
             <a:r>
-              <a:rPr lang="pt-BR" sz="1600" dirty="0" smtClean="0">
+              <a:rPr lang="pt-BR" sz="1600" dirty="0">
                 <a:latin typeface="Bariol Bold" panose="02000506040000020003"/>
-                <a:cs typeface="Arial" panose="020B0604020202020204" pitchFamily="34" charset="0"/>
+                <a:cs typeface="Arial"/>
               </a:rPr>
-              <a:t>Coleta de dados através de sensor de calor.</a:t>
-            </a:r>
-          </a:p>
-          <a:p>
-            <a:endParaRPr lang="pt-BR" sz="1600" dirty="0">
-              <a:latin typeface="Bariol Bold" panose="02000506040000020003"/>
-            </a:endParaRPr>
-          </a:p>
-        </p:txBody>
-      </p:sp>
-      <p:sp>
-        <p:nvSpPr>
-          <p:cNvPr id="20" name="CaixaDeTexto 19"/>
-          <p:cNvSpPr txBox="1"/>
-          <p:nvPr/>
-        </p:nvSpPr>
-        <p:spPr>
-          <a:xfrm>
-            <a:off x="8056889" y="2457119"/>
-            <a:ext cx="3743438" cy="830997"/>
-          </a:xfrm>
-          <a:prstGeom prst="rect">
-            <a:avLst/>
-          </a:prstGeom>
-          <a:noFill/>
-        </p:spPr>
-        <p:txBody>
-          <a:bodyPr wrap="square" rtlCol="0">
-            <a:spAutoFit/>
-          </a:bodyPr>
-          <a:lstStyle/>
-          <a:p>
-            <a:pPr algn="ctr"/>
-            <a:r>
-              <a:rPr lang="pt-BR" sz="1600" dirty="0" smtClean="0">
-                <a:latin typeface="Bariol Bold" panose="02000506040000020003"/>
-                <a:cs typeface="Arial" panose="020B0604020202020204" pitchFamily="34" charset="0"/>
-              </a:rPr>
-              <a:t>Um órgão responsável pelo transporte coletivo  pode usa-las para tomadas de decisão operacionais  nesses lugares</a:t>
-            </a:r>
-            <a:endParaRPr lang="pt-BR" sz="1600" dirty="0">
-              <a:latin typeface="Bariol Bold" panose="02000506040000020003"/>
-              <a:cs typeface="Arial" panose="020B0604020202020204" pitchFamily="34" charset="0"/>
-            </a:endParaRPr>
+              <a:t>Pode comercializar informações para empresas obterem posicionamento estratégico de franquias e marketing em tais locais.</a:t>
+            </a:r>
           </a:p>
         </p:txBody>
       </p:sp>
       <p:pic>
         <p:nvPicPr>
-          <p:cNvPr id="21" name="Imagem 20"/>
+          <p:cNvPr id="12" name="Imagem 26">
+            <a:extLst>
+              <a:ext uri="{FF2B5EF4-FFF2-40B4-BE49-F238E27FC236}">
+                <a16:creationId xmlns:a16="http://schemas.microsoft.com/office/drawing/2014/main" id="{647E4D12-9DDE-4349-B506-7A31C7D50299}"/>
+              </a:ext>
+            </a:extLst>
+          </p:cNvPr>
           <p:cNvPicPr>
             <a:picLocks noChangeAspect="1"/>
           </p:cNvPicPr>
@@ -7057,195 +8092,30 @@
         </p:blipFill>
         <p:spPr>
           <a:xfrm>
-            <a:off x="8419675" y="523905"/>
-            <a:ext cx="3105170" cy="1918620"/>
+            <a:off x="9984213" y="136798"/>
+            <a:ext cx="1633444" cy="1432287"/>
           </a:xfrm>
           <a:prstGeom prst="rect">
             <a:avLst/>
           </a:prstGeom>
         </p:spPr>
       </p:pic>
-      <p:sp>
-        <p:nvSpPr>
-          <p:cNvPr id="22" name="CaixaDeTexto 21"/>
-          <p:cNvSpPr txBox="1"/>
-          <p:nvPr/>
-        </p:nvSpPr>
-        <p:spPr>
-          <a:xfrm>
-            <a:off x="-10585" y="6021233"/>
-            <a:ext cx="3566160" cy="584775"/>
-          </a:xfrm>
-          <a:prstGeom prst="rect">
-            <a:avLst/>
-          </a:prstGeom>
-          <a:noFill/>
-        </p:spPr>
-        <p:txBody>
-          <a:bodyPr wrap="square" rtlCol="0">
-            <a:spAutoFit/>
-          </a:bodyPr>
-          <a:lstStyle/>
-          <a:p>
-            <a:pPr algn="ctr"/>
-            <a:r>
-              <a:rPr lang="pt-BR" sz="1600" dirty="0" smtClean="0">
-                <a:latin typeface="Bariol Bold" panose="02000506040000020003"/>
-                <a:cs typeface="Arial" panose="020B0604020202020204" pitchFamily="34" charset="0"/>
-              </a:rPr>
-              <a:t>E assim eles podem optar por outras rotas se quiserem evitar a lotação desse local.</a:t>
-            </a:r>
-            <a:endParaRPr lang="pt-BR" sz="1600" dirty="0">
-              <a:latin typeface="Bariol Bold" panose="02000506040000020003"/>
-              <a:cs typeface="Arial" panose="020B0604020202020204" pitchFamily="34" charset="0"/>
-            </a:endParaRPr>
-          </a:p>
-        </p:txBody>
-      </p:sp>
-      <p:pic>
-        <p:nvPicPr>
-          <p:cNvPr id="23" name="Imagem 22"/>
-          <p:cNvPicPr>
-            <a:picLocks noChangeAspect="1"/>
-          </p:cNvPicPr>
-          <p:nvPr/>
-        </p:nvPicPr>
-        <p:blipFill>
-          <a:blip r:embed="rId5" cstate="print">
-            <a:extLst>
-              <a:ext uri="{28A0092B-C50C-407E-A947-70E740481C1C}">
-                <a14:useLocalDpi xmlns:a14="http://schemas.microsoft.com/office/drawing/2010/main" val="0"/>
-              </a:ext>
-            </a:extLst>
-          </a:blip>
-          <a:stretch>
-            <a:fillRect/>
-          </a:stretch>
-        </p:blipFill>
-        <p:spPr>
-          <a:xfrm>
-            <a:off x="538663" y="4113424"/>
-            <a:ext cx="2467664" cy="1882755"/>
-          </a:xfrm>
-          <a:prstGeom prst="rect">
-            <a:avLst/>
-          </a:prstGeom>
-        </p:spPr>
-      </p:pic>
-      <p:sp>
-        <p:nvSpPr>
-          <p:cNvPr id="24" name="CaixaDeTexto 23"/>
-          <p:cNvSpPr txBox="1"/>
-          <p:nvPr/>
-        </p:nvSpPr>
-        <p:spPr>
-          <a:xfrm>
-            <a:off x="3803167" y="6039025"/>
-            <a:ext cx="4129315" cy="584775"/>
-          </a:xfrm>
-          <a:prstGeom prst="rect">
-            <a:avLst/>
-          </a:prstGeom>
-          <a:noFill/>
-        </p:spPr>
-        <p:txBody>
-          <a:bodyPr wrap="square" rtlCol="0">
-            <a:spAutoFit/>
-          </a:bodyPr>
-          <a:lstStyle/>
-          <a:p>
-            <a:pPr algn="ctr"/>
-            <a:r>
-              <a:rPr lang="pt-BR" sz="1600" dirty="0" smtClean="0">
-                <a:latin typeface="Bariol Bold" panose="02000506040000020003"/>
-                <a:cs typeface="Arial" panose="020B0604020202020204" pitchFamily="34" charset="0"/>
-              </a:rPr>
-              <a:t> A informação será disponibilizada através de um website para usuários do trem/ metrô.</a:t>
-            </a:r>
-            <a:endParaRPr lang="pt-BR" sz="1600" dirty="0">
-              <a:latin typeface="Bariol Bold" panose="02000506040000020003"/>
-              <a:cs typeface="Arial" panose="020B0604020202020204" pitchFamily="34" charset="0"/>
-            </a:endParaRPr>
-          </a:p>
-        </p:txBody>
-      </p:sp>
-      <p:sp>
-        <p:nvSpPr>
-          <p:cNvPr id="26" name="CaixaDeTexto 25"/>
-          <p:cNvSpPr txBox="1"/>
-          <p:nvPr/>
-        </p:nvSpPr>
-        <p:spPr>
-          <a:xfrm>
-            <a:off x="8176111" y="6035747"/>
-            <a:ext cx="3566160" cy="584775"/>
-          </a:xfrm>
-          <a:prstGeom prst="rect">
-            <a:avLst/>
-          </a:prstGeom>
-          <a:noFill/>
-        </p:spPr>
-        <p:txBody>
-          <a:bodyPr wrap="square" rtlCol="0">
-            <a:spAutoFit/>
-          </a:bodyPr>
-          <a:lstStyle/>
-          <a:p>
-            <a:pPr algn="ctr"/>
-            <a:r>
-              <a:rPr lang="pt-BR" sz="1600" dirty="0" smtClean="0">
-                <a:latin typeface="Bariol Bold" panose="02000506040000020003"/>
-                <a:cs typeface="Arial" panose="020B0604020202020204" pitchFamily="34" charset="0"/>
-              </a:rPr>
-              <a:t>E empresas para posicionamento estratégico de franquias e marketing em tais locais.</a:t>
-            </a:r>
-            <a:endParaRPr lang="pt-BR" sz="1600" dirty="0">
-              <a:latin typeface="Bariol Bold" panose="02000506040000020003"/>
-              <a:cs typeface="Arial" panose="020B0604020202020204" pitchFamily="34" charset="0"/>
-            </a:endParaRPr>
-          </a:p>
-        </p:txBody>
-      </p:sp>
-      <p:pic>
-        <p:nvPicPr>
-          <p:cNvPr id="27" name="Imagem 26"/>
-          <p:cNvPicPr>
-            <a:picLocks noChangeAspect="1"/>
-          </p:cNvPicPr>
-          <p:nvPr/>
-        </p:nvPicPr>
-        <p:blipFill>
-          <a:blip r:embed="rId6" cstate="print">
-            <a:extLst>
-              <a:ext uri="{28A0092B-C50C-407E-A947-70E740481C1C}">
-                <a14:useLocalDpi xmlns:a14="http://schemas.microsoft.com/office/drawing/2010/main" val="0"/>
-              </a:ext>
-            </a:extLst>
-          </a:blip>
-          <a:stretch>
-            <a:fillRect/>
-          </a:stretch>
-        </p:blipFill>
-        <p:spPr>
-          <a:xfrm>
-            <a:off x="8917413" y="4146823"/>
-            <a:ext cx="2109694" cy="1841862"/>
-          </a:xfrm>
-          <a:prstGeom prst="rect">
-            <a:avLst/>
-          </a:prstGeom>
-        </p:spPr>
-      </p:pic>
       <p:cxnSp>
         <p:nvCxnSpPr>
-          <p:cNvPr id="30" name="Conector de Seta Reta 29"/>
+          <p:cNvPr id="13" name="Conector de Seta Reta 29">
+            <a:extLst>
+              <a:ext uri="{FF2B5EF4-FFF2-40B4-BE49-F238E27FC236}">
+                <a16:creationId xmlns:a16="http://schemas.microsoft.com/office/drawing/2014/main" id="{FBACC7EF-E345-46C0-B2CA-72CAA9BF616D}"/>
+              </a:ext>
+            </a:extLst>
+          </p:cNvPr>
           <p:cNvCxnSpPr/>
           <p:nvPr/>
         </p:nvCxnSpPr>
         <p:spPr>
-          <a:xfrm>
-            <a:off x="3375512" y="1611721"/>
-            <a:ext cx="801702" cy="3725"/>
+          <a:xfrm flipV="1">
+            <a:off x="2670662" y="2844171"/>
+            <a:ext cx="649302" cy="5800"/>
           </a:xfrm>
           <a:prstGeom prst="straightConnector1">
             <a:avLst/>
@@ -7274,14 +8144,182 @@
       </p:cxnSp>
       <p:cxnSp>
         <p:nvCxnSpPr>
-          <p:cNvPr id="32" name="Conector de Seta Reta 31"/>
+          <p:cNvPr id="14" name="Conector de Seta Reta 31">
+            <a:extLst>
+              <a:ext uri="{FF2B5EF4-FFF2-40B4-BE49-F238E27FC236}">
+                <a16:creationId xmlns:a16="http://schemas.microsoft.com/office/drawing/2014/main" id="{B99DA12C-D861-481E-9560-876B08420FA1}"/>
+              </a:ext>
+            </a:extLst>
+          </p:cNvPr>
           <p:cNvCxnSpPr/>
           <p:nvPr/>
         </p:nvCxnSpPr>
         <p:spPr>
           <a:xfrm>
-            <a:off x="7533852" y="1618981"/>
-            <a:ext cx="801702" cy="3725"/>
+            <a:off x="5752677" y="2866756"/>
+            <a:ext cx="696927" cy="3725"/>
+          </a:xfrm>
+          <a:prstGeom prst="straightConnector1">
+            <a:avLst/>
+          </a:prstGeom>
+          <a:ln w="38100">
+            <a:solidFill>
+              <a:srgbClr val="6159E6"/>
+            </a:solidFill>
+            <a:tailEnd type="triangle"/>
+          </a:ln>
+        </p:spPr>
+        <p:style>
+          <a:lnRef idx="1">
+            <a:schemeClr val="accent1"/>
+          </a:lnRef>
+          <a:fillRef idx="0">
+            <a:schemeClr val="accent1"/>
+          </a:fillRef>
+          <a:effectRef idx="0">
+            <a:schemeClr val="accent1"/>
+          </a:effectRef>
+          <a:fontRef idx="minor">
+            <a:schemeClr val="tx1"/>
+          </a:fontRef>
+        </p:style>
+      </p:cxnSp>
+      <p:pic>
+        <p:nvPicPr>
+          <p:cNvPr id="18" name="Imagem 27">
+            <a:extLst>
+              <a:ext uri="{FF2B5EF4-FFF2-40B4-BE49-F238E27FC236}">
+                <a16:creationId xmlns:a16="http://schemas.microsoft.com/office/drawing/2014/main" id="{0210B87B-0C39-4E12-8DB3-C3541A192EE1}"/>
+              </a:ext>
+            </a:extLst>
+          </p:cNvPr>
+          <p:cNvPicPr>
+            <a:picLocks noChangeAspect="1"/>
+          </p:cNvPicPr>
+          <p:nvPr/>
+        </p:nvPicPr>
+        <p:blipFill>
+          <a:blip r:embed="rId5" cstate="hqprint">
+            <a:extLst>
+              <a:ext uri="{28A0092B-C50C-407E-A947-70E740481C1C}">
+                <a14:useLocalDpi xmlns:a14="http://schemas.microsoft.com/office/drawing/2010/main" val="0"/>
+              </a:ext>
+            </a:extLst>
+          </a:blip>
+          <a:stretch>
+            <a:fillRect/>
+          </a:stretch>
+        </p:blipFill>
+        <p:spPr>
+          <a:xfrm>
+            <a:off x="6514614" y="2101699"/>
+            <a:ext cx="2078269" cy="1475130"/>
+          </a:xfrm>
+          <a:prstGeom prst="rect">
+            <a:avLst/>
+          </a:prstGeom>
+        </p:spPr>
+      </p:pic>
+      <p:sp>
+        <p:nvSpPr>
+          <p:cNvPr id="20" name="TextBox 19">
+            <a:extLst>
+              <a:ext uri="{FF2B5EF4-FFF2-40B4-BE49-F238E27FC236}">
+                <a16:creationId xmlns:a16="http://schemas.microsoft.com/office/drawing/2014/main" id="{1DCF106F-3221-4973-889E-01689AEE6145}"/>
+              </a:ext>
+            </a:extLst>
+          </p:cNvPr>
+          <p:cNvSpPr txBox="1"/>
+          <p:nvPr/>
+        </p:nvSpPr>
+        <p:spPr>
+          <a:xfrm>
+            <a:off x="219075" y="230916"/>
+            <a:ext cx="4514849" cy="461665"/>
+          </a:xfrm>
+          <a:prstGeom prst="rect">
+            <a:avLst/>
+          </a:prstGeom>
+          <a:noFill/>
+        </p:spPr>
+        <p:txBody>
+          <a:bodyPr rot="0" spcFirstLastPara="0" vertOverflow="overflow" horzOverflow="overflow" vert="horz" wrap="square" lIns="91440" tIns="45720" rIns="91440" bIns="45720" numCol="1" spcCol="0" rtlCol="0" fromWordArt="0" anchor="t" anchorCtr="0" forceAA="0" compatLnSpc="1">
+            <a:prstTxWarp prst="textNoShape">
+              <a:avLst/>
+            </a:prstTxWarp>
+            <a:spAutoFit/>
+          </a:bodyPr>
+          <a:lstStyle/>
+          <a:p>
+            <a:r>
+              <a:rPr lang="en-US" sz="2400" b="1" dirty="0" err="1">
+                <a:solidFill>
+                  <a:schemeClr val="tx2">
+                    <a:lumMod val="75000"/>
+                  </a:schemeClr>
+                </a:solidFill>
+              </a:rPr>
+              <a:t>Desenho</a:t>
+            </a:r>
+            <a:r>
+              <a:rPr lang="en-US" sz="2400" b="1" dirty="0">
+                <a:solidFill>
+                  <a:schemeClr val="tx2">
+                    <a:lumMod val="75000"/>
+                  </a:schemeClr>
+                </a:solidFill>
+              </a:rPr>
+              <a:t> de </a:t>
+            </a:r>
+            <a:r>
+              <a:rPr lang="en-US" sz="2400" b="1" dirty="0" err="1">
+                <a:solidFill>
+                  <a:schemeClr val="tx2">
+                    <a:lumMod val="75000"/>
+                  </a:schemeClr>
+                </a:solidFill>
+              </a:rPr>
+              <a:t>solução</a:t>
+            </a:r>
+            <a:r>
+              <a:rPr lang="en-US" sz="2400" b="1" dirty="0">
+                <a:solidFill>
+                  <a:schemeClr val="tx2">
+                    <a:lumMod val="75000"/>
+                  </a:schemeClr>
+                </a:solidFill>
+              </a:rPr>
+              <a:t> HLD</a:t>
+            </a:r>
+            <a:endParaRPr lang="en-US" sz="2400" b="1" dirty="0">
+              <a:solidFill>
+                <a:schemeClr val="tx2">
+                  <a:lumMod val="75000"/>
+                </a:schemeClr>
+              </a:solidFill>
+              <a:cs typeface="Calibri"/>
+            </a:endParaRPr>
+          </a:p>
+        </p:txBody>
+      </p:sp>
+      <p:cxnSp>
+        <p:nvCxnSpPr>
+          <p:cNvPr id="21" name="Conector de Seta Reta 31">
+            <a:extLst>
+              <a:ext uri="{FF2B5EF4-FFF2-40B4-BE49-F238E27FC236}">
+                <a16:creationId xmlns:a16="http://schemas.microsoft.com/office/drawing/2014/main" id="{51107802-5A8F-47FF-8AC7-D70854D9846D}"/>
+              </a:ext>
+            </a:extLst>
+          </p:cNvPr>
+          <p:cNvCxnSpPr>
+            <a:cxnSpLocks/>
+          </p:cNvCxnSpPr>
+          <p:nvPr/>
+        </p:nvCxnSpPr>
+        <p:spPr>
+          <a:xfrm flipV="1">
+            <a:off x="8943551" y="2060856"/>
+            <a:ext cx="563577" cy="348700"/>
           </a:xfrm>
           <a:prstGeom prst="straightConnector1">
             <a:avLst/>
@@ -7310,86 +8348,22 @@
       </p:cxnSp>
       <p:cxnSp>
         <p:nvCxnSpPr>
-          <p:cNvPr id="33" name="Conector de Seta Reta 32"/>
-          <p:cNvCxnSpPr/>
+          <p:cNvPr id="22" name="Conector de Seta Reta 31">
+            <a:extLst>
+              <a:ext uri="{FF2B5EF4-FFF2-40B4-BE49-F238E27FC236}">
+                <a16:creationId xmlns:a16="http://schemas.microsoft.com/office/drawing/2014/main" id="{A8295EC0-BBD2-4210-8CA5-472B12AD2021}"/>
+              </a:ext>
+            </a:extLst>
+          </p:cNvPr>
+          <p:cNvCxnSpPr>
+            <a:cxnSpLocks/>
+          </p:cNvCxnSpPr>
           <p:nvPr/>
         </p:nvCxnSpPr>
         <p:spPr>
-          <a:xfrm flipH="1">
-            <a:off x="7526594" y="4935498"/>
-            <a:ext cx="801702" cy="3725"/>
-          </a:xfrm>
-          <a:prstGeom prst="straightConnector1">
-            <a:avLst/>
-          </a:prstGeom>
-          <a:ln w="38100">
-            <a:solidFill>
-              <a:srgbClr val="6159E6"/>
-            </a:solidFill>
-            <a:tailEnd type="triangle"/>
-          </a:ln>
-        </p:spPr>
-        <p:style>
-          <a:lnRef idx="1">
-            <a:schemeClr val="accent1"/>
-          </a:lnRef>
-          <a:fillRef idx="0">
-            <a:schemeClr val="accent1"/>
-          </a:fillRef>
-          <a:effectRef idx="0">
-            <a:schemeClr val="accent1"/>
-          </a:effectRef>
-          <a:fontRef idx="minor">
-            <a:schemeClr val="tx1"/>
-          </a:fontRef>
-        </p:style>
-      </p:cxnSp>
-      <p:cxnSp>
-        <p:nvCxnSpPr>
-          <p:cNvPr id="34" name="Conector de Seta Reta 33"/>
-          <p:cNvCxnSpPr/>
-          <p:nvPr/>
-        </p:nvCxnSpPr>
-        <p:spPr>
-          <a:xfrm flipH="1">
-            <a:off x="3194078" y="4942758"/>
-            <a:ext cx="801702" cy="3725"/>
-          </a:xfrm>
-          <a:prstGeom prst="straightConnector1">
-            <a:avLst/>
-          </a:prstGeom>
-          <a:ln w="38100">
-            <a:solidFill>
-              <a:srgbClr val="6159E6"/>
-            </a:solidFill>
-            <a:tailEnd type="triangle"/>
-          </a:ln>
-        </p:spPr>
-        <p:style>
-          <a:lnRef idx="1">
-            <a:schemeClr val="accent1"/>
-          </a:lnRef>
-          <a:fillRef idx="0">
-            <a:schemeClr val="accent1"/>
-          </a:fillRef>
-          <a:effectRef idx="0">
-            <a:schemeClr val="accent1"/>
-          </a:effectRef>
-          <a:fontRef idx="minor">
-            <a:schemeClr val="tx1"/>
-          </a:fontRef>
-        </p:style>
-      </p:cxnSp>
-      <p:cxnSp>
-        <p:nvCxnSpPr>
-          <p:cNvPr id="35" name="Conector de Seta Reta 34"/>
-          <p:cNvCxnSpPr/>
-          <p:nvPr/>
-        </p:nvCxnSpPr>
-        <p:spPr>
-          <a:xfrm>
-            <a:off x="10109984" y="3345646"/>
-            <a:ext cx="3573" cy="635627"/>
+          <a:xfrm>
+            <a:off x="9019752" y="4047856"/>
+            <a:ext cx="630252" cy="299000"/>
           </a:xfrm>
           <a:prstGeom prst="straightConnector1">
             <a:avLst/>
@@ -7418,64 +8392,28 @@
       </p:cxnSp>
       <p:pic>
         <p:nvPicPr>
-          <p:cNvPr id="28" name="Imagem 27"/>
+          <p:cNvPr id="7" name="Picture 7" descr="A picture containing table, rack&#10;&#10;Description generated with very high confidence">
+            <a:extLst>
+              <a:ext uri="{FF2B5EF4-FFF2-40B4-BE49-F238E27FC236}">
+                <a16:creationId xmlns:a16="http://schemas.microsoft.com/office/drawing/2014/main" id="{BB088FC8-76AB-4356-AAC5-4A0F18D85FAD}"/>
+              </a:ext>
+            </a:extLst>
+          </p:cNvPr>
           <p:cNvPicPr>
             <a:picLocks noChangeAspect="1"/>
           </p:cNvPicPr>
           <p:nvPr/>
         </p:nvPicPr>
         <p:blipFill>
-          <a:blip r:embed="rId7" cstate="hqprint">
-            <a:extLst>
-              <a:ext uri="{28A0092B-C50C-407E-A947-70E740481C1C}">
-                <a14:useLocalDpi xmlns:a14="http://schemas.microsoft.com/office/drawing/2010/main" val="0"/>
-              </a:ext>
-            </a:extLst>
-          </a:blip>
+          <a:blip r:embed="rId6"/>
           <a:stretch>
             <a:fillRect/>
           </a:stretch>
         </p:blipFill>
         <p:spPr>
           <a:xfrm>
-            <a:off x="4428639" y="3968599"/>
-            <a:ext cx="2878369" cy="2027580"/>
-          </a:xfrm>
-          <a:prstGeom prst="rect">
-            <a:avLst/>
-          </a:prstGeom>
-        </p:spPr>
-      </p:pic>
-      <p:pic>
-        <p:nvPicPr>
-          <p:cNvPr id="25" name="Imagem 24" descr="Uma imagem contendo texto, desenho&#10;&#10;Descrição gerada automaticamente">
-            <a:extLst>
-              <a:ext uri="{FF2B5EF4-FFF2-40B4-BE49-F238E27FC236}">
-                <a16:creationId xmlns:a16="http://schemas.microsoft.com/office/drawing/2014/main" id="{CB80E98D-A3E9-4C8F-95A5-D3B437CD7F15}"/>
-              </a:ext>
-            </a:extLst>
-          </p:cNvPr>
-          <p:cNvPicPr>
-            <a:picLocks noChangeAspect="1"/>
-          </p:cNvPicPr>
-          <p:nvPr/>
-        </p:nvPicPr>
-        <p:blipFill>
-          <a:blip r:embed="rId8" cstate="hqprint">
-            <a:extLst>
-              <a:ext uri="{28A0092B-C50C-407E-A947-70E740481C1C}">
-                <a14:useLocalDpi xmlns:a14="http://schemas.microsoft.com/office/drawing/2010/main" val="0"/>
-              </a:ext>
-            </a:extLst>
-          </a:blip>
-          <a:stretch>
-            <a:fillRect/>
-          </a:stretch>
-        </p:blipFill>
-        <p:spPr>
-          <a:xfrm>
-            <a:off x="11371740" y="365125"/>
-            <a:ext cx="599846" cy="535577"/>
+            <a:off x="647700" y="1943100"/>
+            <a:ext cx="1743075" cy="1638300"/>
           </a:xfrm>
           <a:prstGeom prst="rect">
             <a:avLst/>
@@ -7485,7 +8423,7 @@
     </p:spTree>
     <p:extLst>
       <p:ext uri="{BB962C8B-B14F-4D97-AF65-F5344CB8AC3E}">
-        <p14:creationId xmlns:p14="http://schemas.microsoft.com/office/powerpoint/2010/main" val="3961020289"/>
+        <p14:creationId xmlns:p14="http://schemas.microsoft.com/office/powerpoint/2010/main" val="1161749423"/>
       </p:ext>
     </p:extLst>
   </p:cSld>
@@ -7495,232 +8433,6 @@
   <p:transition>
     <p:fade/>
   </p:transition>
-  <p:timing>
-    <p:tnLst>
-      <p:par>
-        <p:cTn id="1" dur="indefinite" restart="never" nodeType="tmRoot">
-          <p:childTnLst>
-            <p:seq concurrent="1" nextAc="seek">
-              <p:cTn id="2" dur="indefinite" nodeType="mainSeq">
-                <p:childTnLst>
-                  <p:par>
-                    <p:cTn id="3" fill="hold">
-                      <p:stCondLst>
-                        <p:cond delay="indefinite"/>
-                        <p:cond evt="onBegin" delay="0">
-                          <p:tn val="2"/>
-                        </p:cond>
-                      </p:stCondLst>
-                      <p:childTnLst>
-                        <p:par>
-                          <p:cTn id="4" fill="hold">
-                            <p:stCondLst>
-                              <p:cond delay="0"/>
-                            </p:stCondLst>
-                            <p:childTnLst>
-                              <p:par>
-                                <p:cTn id="5" presetID="16" presetClass="entr" presetSubtype="21" fill="hold" nodeType="afterEffect">
-                                  <p:stCondLst>
-                                    <p:cond delay="0"/>
-                                  </p:stCondLst>
-                                  <p:childTnLst>
-                                    <p:set>
-                                      <p:cBhvr>
-                                        <p:cTn id="6" dur="1" fill="hold">
-                                          <p:stCondLst>
-                                            <p:cond delay="0"/>
-                                          </p:stCondLst>
-                                        </p:cTn>
-                                        <p:tgtEl>
-                                          <p:spTgt spid="30"/>
-                                        </p:tgtEl>
-                                        <p:attrNameLst>
-                                          <p:attrName>style.visibility</p:attrName>
-                                        </p:attrNameLst>
-                                      </p:cBhvr>
-                                      <p:to>
-                                        <p:strVal val="visible"/>
-                                      </p:to>
-                                    </p:set>
-                                    <p:animEffect transition="in" filter="barn(inVertical)">
-                                      <p:cBhvr>
-                                        <p:cTn id="7" dur="500"/>
-                                        <p:tgtEl>
-                                          <p:spTgt spid="30"/>
-                                        </p:tgtEl>
-                                      </p:cBhvr>
-                                    </p:animEffect>
-                                  </p:childTnLst>
-                                </p:cTn>
-                              </p:par>
-                              <p:par>
-                                <p:cTn id="8" presetID="16" presetClass="entr" presetSubtype="21" fill="hold" nodeType="withEffect">
-                                  <p:stCondLst>
-                                    <p:cond delay="0"/>
-                                  </p:stCondLst>
-                                  <p:childTnLst>
-                                    <p:set>
-                                      <p:cBhvr>
-                                        <p:cTn id="9" dur="1" fill="hold">
-                                          <p:stCondLst>
-                                            <p:cond delay="0"/>
-                                          </p:stCondLst>
-                                        </p:cTn>
-                                        <p:tgtEl>
-                                          <p:spTgt spid="32"/>
-                                        </p:tgtEl>
-                                        <p:attrNameLst>
-                                          <p:attrName>style.visibility</p:attrName>
-                                        </p:attrNameLst>
-                                      </p:cBhvr>
-                                      <p:to>
-                                        <p:strVal val="visible"/>
-                                      </p:to>
-                                    </p:set>
-                                    <p:animEffect transition="in" filter="barn(inVertical)">
-                                      <p:cBhvr>
-                                        <p:cTn id="10" dur="500"/>
-                                        <p:tgtEl>
-                                          <p:spTgt spid="32"/>
-                                        </p:tgtEl>
-                                      </p:cBhvr>
-                                    </p:animEffect>
-                                  </p:childTnLst>
-                                </p:cTn>
-                              </p:par>
-                              <p:par>
-                                <p:cTn id="11" presetID="16" presetClass="entr" presetSubtype="21" fill="hold" nodeType="withEffect">
-                                  <p:stCondLst>
-                                    <p:cond delay="0"/>
-                                  </p:stCondLst>
-                                  <p:childTnLst>
-                                    <p:set>
-                                      <p:cBhvr>
-                                        <p:cTn id="12" dur="1" fill="hold">
-                                          <p:stCondLst>
-                                            <p:cond delay="0"/>
-                                          </p:stCondLst>
-                                        </p:cTn>
-                                        <p:tgtEl>
-                                          <p:spTgt spid="35"/>
-                                        </p:tgtEl>
-                                        <p:attrNameLst>
-                                          <p:attrName>style.visibility</p:attrName>
-                                        </p:attrNameLst>
-                                      </p:cBhvr>
-                                      <p:to>
-                                        <p:strVal val="visible"/>
-                                      </p:to>
-                                    </p:set>
-                                    <p:animEffect transition="in" filter="barn(inVertical)">
-                                      <p:cBhvr>
-                                        <p:cTn id="13" dur="500"/>
-                                        <p:tgtEl>
-                                          <p:spTgt spid="35"/>
-                                        </p:tgtEl>
-                                      </p:cBhvr>
-                                    </p:animEffect>
-                                  </p:childTnLst>
-                                </p:cTn>
-                              </p:par>
-                              <p:par>
-                                <p:cTn id="14" presetID="16" presetClass="entr" presetSubtype="21" fill="hold" nodeType="withEffect">
-                                  <p:stCondLst>
-                                    <p:cond delay="0"/>
-                                  </p:stCondLst>
-                                  <p:childTnLst>
-                                    <p:set>
-                                      <p:cBhvr>
-                                        <p:cTn id="15" dur="1" fill="hold">
-                                          <p:stCondLst>
-                                            <p:cond delay="0"/>
-                                          </p:stCondLst>
-                                        </p:cTn>
-                                        <p:tgtEl>
-                                          <p:spTgt spid="33"/>
-                                        </p:tgtEl>
-                                        <p:attrNameLst>
-                                          <p:attrName>style.visibility</p:attrName>
-                                        </p:attrNameLst>
-                                      </p:cBhvr>
-                                      <p:to>
-                                        <p:strVal val="visible"/>
-                                      </p:to>
-                                    </p:set>
-                                    <p:animEffect transition="in" filter="barn(inVertical)">
-                                      <p:cBhvr>
-                                        <p:cTn id="16" dur="500"/>
-                                        <p:tgtEl>
-                                          <p:spTgt spid="33"/>
-                                        </p:tgtEl>
-                                      </p:cBhvr>
-                                    </p:animEffect>
-                                  </p:childTnLst>
-                                </p:cTn>
-                              </p:par>
-                              <p:par>
-                                <p:cTn id="17" presetID="16" presetClass="entr" presetSubtype="21" fill="hold" nodeType="withEffect">
-                                  <p:stCondLst>
-                                    <p:cond delay="0"/>
-                                  </p:stCondLst>
-                                  <p:childTnLst>
-                                    <p:set>
-                                      <p:cBhvr>
-                                        <p:cTn id="18" dur="1" fill="hold">
-                                          <p:stCondLst>
-                                            <p:cond delay="0"/>
-                                          </p:stCondLst>
-                                        </p:cTn>
-                                        <p:tgtEl>
-                                          <p:spTgt spid="34"/>
-                                        </p:tgtEl>
-                                        <p:attrNameLst>
-                                          <p:attrName>style.visibility</p:attrName>
-                                        </p:attrNameLst>
-                                      </p:cBhvr>
-                                      <p:to>
-                                        <p:strVal val="visible"/>
-                                      </p:to>
-                                    </p:set>
-                                    <p:animEffect transition="in" filter="barn(inVertical)">
-                                      <p:cBhvr>
-                                        <p:cTn id="19" dur="500"/>
-                                        <p:tgtEl>
-                                          <p:spTgt spid="34"/>
-                                        </p:tgtEl>
-                                      </p:cBhvr>
-                                    </p:animEffect>
-                                  </p:childTnLst>
-                                </p:cTn>
-                              </p:par>
-                            </p:childTnLst>
-                          </p:cTn>
-                        </p:par>
-                      </p:childTnLst>
-                    </p:cTn>
-                  </p:par>
-                </p:childTnLst>
-              </p:cTn>
-              <p:prevCondLst>
-                <p:cond evt="onPrev" delay="0">
-                  <p:tgtEl>
-                    <p:sldTgt/>
-                  </p:tgtEl>
-                </p:cond>
-              </p:prevCondLst>
-              <p:nextCondLst>
-                <p:cond evt="onNext" delay="0">
-                  <p:tgtEl>
-                    <p:sldTgt/>
-                  </p:tgtEl>
-                </p:cond>
-              </p:nextCondLst>
-            </p:seq>
-          </p:childTnLst>
-        </p:cTn>
-      </p:par>
-    </p:tnLst>
-  </p:timing>
 </p:sld>
 </file>
 
@@ -7741,6 +8453,1907 @@
           <a:chExt cx="0" cy="0"/>
         </a:xfrm>
       </p:grpSpPr>
+      <p:pic>
+        <p:nvPicPr>
+          <p:cNvPr id="2" name="Picture 2" descr="A picture containing clock&#10;&#10;Description generated with very high confidence">
+            <a:extLst>
+              <a:ext uri="{FF2B5EF4-FFF2-40B4-BE49-F238E27FC236}">
+                <a16:creationId xmlns:a16="http://schemas.microsoft.com/office/drawing/2014/main" id="{C9C4005E-2F81-4A96-8637-9041F2C793B9}"/>
+              </a:ext>
+            </a:extLst>
+          </p:cNvPr>
+          <p:cNvPicPr>
+            <a:picLocks noChangeAspect="1"/>
+          </p:cNvPicPr>
+          <p:nvPr/>
+        </p:nvPicPr>
+        <p:blipFill>
+          <a:blip r:embed="rId2"/>
+          <a:stretch>
+            <a:fillRect/>
+          </a:stretch>
+        </p:blipFill>
+        <p:spPr>
+          <a:xfrm>
+            <a:off x="4016549" y="602685"/>
+            <a:ext cx="916097" cy="905658"/>
+          </a:xfrm>
+          <a:prstGeom prst="rect">
+            <a:avLst/>
+          </a:prstGeom>
+        </p:spPr>
+      </p:pic>
+      <p:pic>
+        <p:nvPicPr>
+          <p:cNvPr id="4" name="Picture 4" descr="A picture containing hat&#10;&#10;Description generated with very high confidence">
+            <a:extLst>
+              <a:ext uri="{FF2B5EF4-FFF2-40B4-BE49-F238E27FC236}">
+                <a16:creationId xmlns:a16="http://schemas.microsoft.com/office/drawing/2014/main" id="{96DD5217-636A-4DED-9BAF-D75049465795}"/>
+              </a:ext>
+            </a:extLst>
+          </p:cNvPr>
+          <p:cNvPicPr>
+            <a:picLocks noChangeAspect="1"/>
+          </p:cNvPicPr>
+          <p:nvPr/>
+        </p:nvPicPr>
+        <p:blipFill>
+          <a:blip r:embed="rId3"/>
+          <a:stretch>
+            <a:fillRect/>
+          </a:stretch>
+        </p:blipFill>
+        <p:spPr>
+          <a:xfrm>
+            <a:off x="6984304" y="545534"/>
+            <a:ext cx="845768" cy="896134"/>
+          </a:xfrm>
+          <a:prstGeom prst="rect">
+            <a:avLst/>
+          </a:prstGeom>
+        </p:spPr>
+      </p:pic>
+      <p:pic>
+        <p:nvPicPr>
+          <p:cNvPr id="8" name="Picture 8" descr="A picture containing room&#10;&#10;Description generated with very high confidence">
+            <a:extLst>
+              <a:ext uri="{FF2B5EF4-FFF2-40B4-BE49-F238E27FC236}">
+                <a16:creationId xmlns:a16="http://schemas.microsoft.com/office/drawing/2014/main" id="{064B4548-1A3C-4463-8918-336401E6F95D}"/>
+              </a:ext>
+            </a:extLst>
+          </p:cNvPr>
+          <p:cNvPicPr>
+            <a:picLocks noChangeAspect="1"/>
+          </p:cNvPicPr>
+          <p:nvPr/>
+        </p:nvPicPr>
+        <p:blipFill>
+          <a:blip r:embed="rId4"/>
+          <a:stretch>
+            <a:fillRect/>
+          </a:stretch>
+        </p:blipFill>
+        <p:spPr>
+          <a:xfrm>
+            <a:off x="2697532" y="2966841"/>
+            <a:ext cx="759914" cy="739037"/>
+          </a:xfrm>
+          <a:prstGeom prst="rect">
+            <a:avLst/>
+          </a:prstGeom>
+        </p:spPr>
+      </p:pic>
+      <p:pic>
+        <p:nvPicPr>
+          <p:cNvPr id="11" name="Picture 11" descr="A close up of a logo&#10;&#10;Description generated with high confidence">
+            <a:extLst>
+              <a:ext uri="{FF2B5EF4-FFF2-40B4-BE49-F238E27FC236}">
+                <a16:creationId xmlns:a16="http://schemas.microsoft.com/office/drawing/2014/main" id="{B66932E1-D5D5-45C6-87B1-18C8EF6111D2}"/>
+              </a:ext>
+            </a:extLst>
+          </p:cNvPr>
+          <p:cNvPicPr>
+            <a:picLocks noChangeAspect="1"/>
+          </p:cNvPicPr>
+          <p:nvPr/>
+        </p:nvPicPr>
+        <p:blipFill>
+          <a:blip r:embed="rId5"/>
+          <a:stretch>
+            <a:fillRect/>
+          </a:stretch>
+        </p:blipFill>
+        <p:spPr>
+          <a:xfrm>
+            <a:off x="2649989" y="3972274"/>
+            <a:ext cx="603337" cy="582461"/>
+          </a:xfrm>
+          <a:prstGeom prst="rect">
+            <a:avLst/>
+          </a:prstGeom>
+        </p:spPr>
+      </p:pic>
+      <p:pic>
+        <p:nvPicPr>
+          <p:cNvPr id="15" name="Picture 15" descr="A picture containing computer, clock&#10;&#10;Description generated with very high confidence">
+            <a:extLst>
+              <a:ext uri="{FF2B5EF4-FFF2-40B4-BE49-F238E27FC236}">
+                <a16:creationId xmlns:a16="http://schemas.microsoft.com/office/drawing/2014/main" id="{BAA65151-81FE-4ABE-9F44-817DC8B6F5FD}"/>
+              </a:ext>
+            </a:extLst>
+          </p:cNvPr>
+          <p:cNvPicPr>
+            <a:picLocks noChangeAspect="1"/>
+          </p:cNvPicPr>
+          <p:nvPr/>
+        </p:nvPicPr>
+        <p:blipFill>
+          <a:blip r:embed="rId6"/>
+          <a:stretch>
+            <a:fillRect/>
+          </a:stretch>
+        </p:blipFill>
+        <p:spPr>
+          <a:xfrm>
+            <a:off x="883086" y="4082441"/>
+            <a:ext cx="697283" cy="676407"/>
+          </a:xfrm>
+          <a:prstGeom prst="rect">
+            <a:avLst/>
+          </a:prstGeom>
+        </p:spPr>
+      </p:pic>
+      <p:pic>
+        <p:nvPicPr>
+          <p:cNvPr id="17" name="Picture 17" descr="A picture containing clock, sign&#10;&#10;Description generated with very high confidence">
+            <a:extLst>
+              <a:ext uri="{FF2B5EF4-FFF2-40B4-BE49-F238E27FC236}">
+                <a16:creationId xmlns:a16="http://schemas.microsoft.com/office/drawing/2014/main" id="{3D9E1E59-F1BA-4234-A29C-F993A4229D77}"/>
+              </a:ext>
+            </a:extLst>
+          </p:cNvPr>
+          <p:cNvPicPr>
+            <a:picLocks noChangeAspect="1"/>
+          </p:cNvPicPr>
+          <p:nvPr/>
+        </p:nvPicPr>
+        <p:blipFill>
+          <a:blip r:embed="rId7"/>
+          <a:stretch>
+            <a:fillRect/>
+          </a:stretch>
+        </p:blipFill>
+        <p:spPr>
+          <a:xfrm>
+            <a:off x="623114" y="5145462"/>
+            <a:ext cx="1073063" cy="1052187"/>
+          </a:xfrm>
+          <a:prstGeom prst="rect">
+            <a:avLst/>
+          </a:prstGeom>
+        </p:spPr>
+      </p:pic>
+      <p:pic>
+        <p:nvPicPr>
+          <p:cNvPr id="20" name="Picture 20" descr="A picture containing monitor, clock&#10;&#10;Description generated with very high confidence">
+            <a:extLst>
+              <a:ext uri="{FF2B5EF4-FFF2-40B4-BE49-F238E27FC236}">
+                <a16:creationId xmlns:a16="http://schemas.microsoft.com/office/drawing/2014/main" id="{8618EC6E-DC1E-4641-A140-CFE9E0F44B6C}"/>
+              </a:ext>
+            </a:extLst>
+          </p:cNvPr>
+          <p:cNvPicPr>
+            <a:picLocks noChangeAspect="1"/>
+          </p:cNvPicPr>
+          <p:nvPr/>
+        </p:nvPicPr>
+        <p:blipFill>
+          <a:blip r:embed="rId8"/>
+          <a:stretch>
+            <a:fillRect/>
+          </a:stretch>
+        </p:blipFill>
+        <p:spPr>
+          <a:xfrm>
+            <a:off x="2462098" y="4462313"/>
+            <a:ext cx="979119" cy="968681"/>
+          </a:xfrm>
+          <a:prstGeom prst="rect">
+            <a:avLst/>
+          </a:prstGeom>
+        </p:spPr>
+      </p:pic>
+      <p:pic>
+        <p:nvPicPr>
+          <p:cNvPr id="22" name="Picture 15" descr="A picture containing computer, clock&#10;&#10;Description generated with very high confidence">
+            <a:extLst>
+              <a:ext uri="{FF2B5EF4-FFF2-40B4-BE49-F238E27FC236}">
+                <a16:creationId xmlns:a16="http://schemas.microsoft.com/office/drawing/2014/main" id="{0AAE5FE1-B577-4311-BC7B-6B219E8C3D57}"/>
+              </a:ext>
+            </a:extLst>
+          </p:cNvPr>
+          <p:cNvPicPr>
+            <a:picLocks noChangeAspect="1"/>
+          </p:cNvPicPr>
+          <p:nvPr/>
+        </p:nvPicPr>
+        <p:blipFill>
+          <a:blip r:embed="rId6"/>
+          <a:stretch>
+            <a:fillRect/>
+          </a:stretch>
+        </p:blipFill>
+        <p:spPr>
+          <a:xfrm>
+            <a:off x="6878486" y="4013025"/>
+            <a:ext cx="697283" cy="676407"/>
+          </a:xfrm>
+          <a:prstGeom prst="rect">
+            <a:avLst/>
+          </a:prstGeom>
+        </p:spPr>
+      </p:pic>
+      <p:pic>
+        <p:nvPicPr>
+          <p:cNvPr id="23" name="Picture 17" descr="A picture containing clock, sign&#10;&#10;Description generated with very high confidence">
+            <a:extLst>
+              <a:ext uri="{FF2B5EF4-FFF2-40B4-BE49-F238E27FC236}">
+                <a16:creationId xmlns:a16="http://schemas.microsoft.com/office/drawing/2014/main" id="{6925DDDC-A57E-47DC-BE75-2C88B08FE1C8}"/>
+              </a:ext>
+            </a:extLst>
+          </p:cNvPr>
+          <p:cNvPicPr>
+            <a:picLocks noChangeAspect="1"/>
+          </p:cNvPicPr>
+          <p:nvPr/>
+        </p:nvPicPr>
+        <p:blipFill>
+          <a:blip r:embed="rId7"/>
+          <a:stretch>
+            <a:fillRect/>
+          </a:stretch>
+        </p:blipFill>
+        <p:spPr>
+          <a:xfrm>
+            <a:off x="6690596" y="5085828"/>
+            <a:ext cx="1073063" cy="1052187"/>
+          </a:xfrm>
+          <a:prstGeom prst="rect">
+            <a:avLst/>
+          </a:prstGeom>
+        </p:spPr>
+      </p:pic>
+      <p:pic>
+        <p:nvPicPr>
+          <p:cNvPr id="28" name="Picture 28" descr="A picture containing clock&#10;&#10;Description generated with very high confidence">
+            <a:extLst>
+              <a:ext uri="{FF2B5EF4-FFF2-40B4-BE49-F238E27FC236}">
+                <a16:creationId xmlns:a16="http://schemas.microsoft.com/office/drawing/2014/main" id="{07C373DA-7D3E-48BE-A463-5BBF514516E0}"/>
+              </a:ext>
+            </a:extLst>
+          </p:cNvPr>
+          <p:cNvPicPr>
+            <a:picLocks noChangeAspect="1"/>
+          </p:cNvPicPr>
+          <p:nvPr/>
+        </p:nvPicPr>
+        <p:blipFill>
+          <a:blip r:embed="rId9"/>
+          <a:stretch>
+            <a:fillRect/>
+          </a:stretch>
+        </p:blipFill>
+        <p:spPr>
+          <a:xfrm>
+            <a:off x="10026894" y="4336440"/>
+            <a:ext cx="1093940" cy="1062625"/>
+          </a:xfrm>
+          <a:prstGeom prst="rect">
+            <a:avLst/>
+          </a:prstGeom>
+        </p:spPr>
+      </p:pic>
+      <p:pic>
+        <p:nvPicPr>
+          <p:cNvPr id="30" name="Picture 11" descr="A close up of a logo&#10;&#10;Description generated with high confidence">
+            <a:extLst>
+              <a:ext uri="{FF2B5EF4-FFF2-40B4-BE49-F238E27FC236}">
+                <a16:creationId xmlns:a16="http://schemas.microsoft.com/office/drawing/2014/main" id="{EF897A8F-EF37-4ED0-969D-0AC4E0F6218D}"/>
+              </a:ext>
+            </a:extLst>
+          </p:cNvPr>
+          <p:cNvPicPr>
+            <a:picLocks noChangeAspect="1"/>
+          </p:cNvPicPr>
+          <p:nvPr/>
+        </p:nvPicPr>
+        <p:blipFill>
+          <a:blip r:embed="rId5"/>
+          <a:stretch>
+            <a:fillRect/>
+          </a:stretch>
+        </p:blipFill>
+        <p:spPr>
+          <a:xfrm>
+            <a:off x="10277414" y="3960656"/>
+            <a:ext cx="603337" cy="582461"/>
+          </a:xfrm>
+          <a:prstGeom prst="rect">
+            <a:avLst/>
+          </a:prstGeom>
+        </p:spPr>
+      </p:pic>
+      <p:pic>
+        <p:nvPicPr>
+          <p:cNvPr id="31" name="Picture 11" descr="A close up of a logo&#10;&#10;Description generated with high confidence">
+            <a:extLst>
+              <a:ext uri="{FF2B5EF4-FFF2-40B4-BE49-F238E27FC236}">
+                <a16:creationId xmlns:a16="http://schemas.microsoft.com/office/drawing/2014/main" id="{0C8C51D3-5629-44D5-ACAF-9813D3F00A16}"/>
+              </a:ext>
+            </a:extLst>
+          </p:cNvPr>
+          <p:cNvPicPr>
+            <a:picLocks noChangeAspect="1"/>
+          </p:cNvPicPr>
+          <p:nvPr/>
+        </p:nvPicPr>
+        <p:blipFill>
+          <a:blip r:embed="rId5"/>
+          <a:stretch>
+            <a:fillRect/>
+          </a:stretch>
+        </p:blipFill>
+        <p:spPr>
+          <a:xfrm>
+            <a:off x="1154482" y="3998932"/>
+            <a:ext cx="352817" cy="352818"/>
+          </a:xfrm>
+          <a:prstGeom prst="rect">
+            <a:avLst/>
+          </a:prstGeom>
+        </p:spPr>
+      </p:pic>
+      <p:pic>
+        <p:nvPicPr>
+          <p:cNvPr id="32" name="Picture 11" descr="A close up of a logo&#10;&#10;Description generated with high confidence">
+            <a:extLst>
+              <a:ext uri="{FF2B5EF4-FFF2-40B4-BE49-F238E27FC236}">
+                <a16:creationId xmlns:a16="http://schemas.microsoft.com/office/drawing/2014/main" id="{FE04FF3C-2398-4149-9AD6-76E63FBD2AD2}"/>
+              </a:ext>
+            </a:extLst>
+          </p:cNvPr>
+          <p:cNvPicPr>
+            <a:picLocks noChangeAspect="1"/>
+          </p:cNvPicPr>
+          <p:nvPr/>
+        </p:nvPicPr>
+        <p:blipFill>
+          <a:blip r:embed="rId5"/>
+          <a:stretch>
+            <a:fillRect/>
+          </a:stretch>
+        </p:blipFill>
+        <p:spPr>
+          <a:xfrm>
+            <a:off x="7165278" y="3957178"/>
+            <a:ext cx="352817" cy="352818"/>
+          </a:xfrm>
+          <a:prstGeom prst="rect">
+            <a:avLst/>
+          </a:prstGeom>
+        </p:spPr>
+      </p:pic>
+      <p:sp>
+        <p:nvSpPr>
+          <p:cNvPr id="33" name="Rectangle 32">
+            <a:extLst>
+              <a:ext uri="{FF2B5EF4-FFF2-40B4-BE49-F238E27FC236}">
+                <a16:creationId xmlns:a16="http://schemas.microsoft.com/office/drawing/2014/main" id="{79C1FA22-3AB9-444A-86D1-31AE7C01C845}"/>
+              </a:ext>
+            </a:extLst>
+          </p:cNvPr>
+          <p:cNvSpPr/>
+          <p:nvPr/>
+        </p:nvSpPr>
+        <p:spPr>
+          <a:xfrm>
+            <a:off x="3212534" y="233166"/>
+            <a:ext cx="5374578" cy="2299700"/>
+          </a:xfrm>
+          <a:prstGeom prst="rect">
+            <a:avLst/>
+          </a:prstGeom>
+          <a:noFill/>
+          <a:ln w="28575">
+            <a:solidFill>
+              <a:schemeClr val="tx2">
+                <a:lumMod val="60000"/>
+                <a:lumOff val="40000"/>
+              </a:schemeClr>
+            </a:solidFill>
+          </a:ln>
+        </p:spPr>
+        <p:style>
+          <a:lnRef idx="2">
+            <a:schemeClr val="accent1">
+              <a:shade val="50000"/>
+            </a:schemeClr>
+          </a:lnRef>
+          <a:fillRef idx="1">
+            <a:schemeClr val="accent1"/>
+          </a:fillRef>
+          <a:effectRef idx="0">
+            <a:schemeClr val="accent1"/>
+          </a:effectRef>
+          <a:fontRef idx="minor">
+            <a:schemeClr val="lt1"/>
+          </a:fontRef>
+        </p:style>
+        <p:txBody>
+          <a:bodyPr rtlCol="0" anchor="ctr"/>
+          <a:lstStyle/>
+          <a:p>
+            <a:pPr algn="ctr"/>
+            <a:endParaRPr lang="en-US" dirty="0">
+              <a:cs typeface="Calibri"/>
+            </a:endParaRPr>
+          </a:p>
+        </p:txBody>
+      </p:sp>
+      <p:pic>
+        <p:nvPicPr>
+          <p:cNvPr id="6" name="Picture 6" descr="A close up of a logo&#10;&#10;Description generated with high confidence">
+            <a:extLst>
+              <a:ext uri="{FF2B5EF4-FFF2-40B4-BE49-F238E27FC236}">
+                <a16:creationId xmlns:a16="http://schemas.microsoft.com/office/drawing/2014/main" id="{42F9AE1C-BDB0-43AE-B534-B25A14CD4811}"/>
+              </a:ext>
+            </a:extLst>
+          </p:cNvPr>
+          <p:cNvPicPr>
+            <a:picLocks noChangeAspect="1"/>
+          </p:cNvPicPr>
+          <p:nvPr/>
+        </p:nvPicPr>
+        <p:blipFill>
+          <a:blip r:embed="rId10"/>
+          <a:stretch>
+            <a:fillRect/>
+          </a:stretch>
+        </p:blipFill>
+        <p:spPr>
+          <a:xfrm>
+            <a:off x="5372491" y="1558056"/>
+            <a:ext cx="1229639" cy="1240077"/>
+          </a:xfrm>
+          <a:prstGeom prst="rect">
+            <a:avLst/>
+          </a:prstGeom>
+        </p:spPr>
+      </p:pic>
+      <p:sp>
+        <p:nvSpPr>
+          <p:cNvPr id="34" name="Rectangle 33">
+            <a:extLst>
+              <a:ext uri="{FF2B5EF4-FFF2-40B4-BE49-F238E27FC236}">
+                <a16:creationId xmlns:a16="http://schemas.microsoft.com/office/drawing/2014/main" id="{0294BBD9-6F1C-430E-8255-7D1F0666FFE2}"/>
+              </a:ext>
+            </a:extLst>
+          </p:cNvPr>
+          <p:cNvSpPr/>
+          <p:nvPr/>
+        </p:nvSpPr>
+        <p:spPr>
+          <a:xfrm>
+            <a:off x="164533" y="3833615"/>
+            <a:ext cx="5812728" cy="2890250"/>
+          </a:xfrm>
+          <a:prstGeom prst="rect">
+            <a:avLst/>
+          </a:prstGeom>
+          <a:noFill/>
+          <a:ln w="28575">
+            <a:solidFill>
+              <a:schemeClr val="tx2">
+                <a:lumMod val="60000"/>
+                <a:lumOff val="40000"/>
+              </a:schemeClr>
+            </a:solidFill>
+          </a:ln>
+        </p:spPr>
+        <p:style>
+          <a:lnRef idx="2">
+            <a:schemeClr val="accent1">
+              <a:shade val="50000"/>
+            </a:schemeClr>
+          </a:lnRef>
+          <a:fillRef idx="1">
+            <a:schemeClr val="accent1"/>
+          </a:fillRef>
+          <a:effectRef idx="0">
+            <a:schemeClr val="accent1"/>
+          </a:effectRef>
+          <a:fontRef idx="minor">
+            <a:schemeClr val="lt1"/>
+          </a:fontRef>
+        </p:style>
+        <p:txBody>
+          <a:bodyPr rtlCol="0" anchor="ctr"/>
+          <a:lstStyle/>
+          <a:p>
+            <a:pPr algn="ctr"/>
+            <a:endParaRPr lang="en-US" dirty="0">
+              <a:cs typeface="Calibri"/>
+            </a:endParaRPr>
+          </a:p>
+        </p:txBody>
+      </p:sp>
+      <p:sp>
+        <p:nvSpPr>
+          <p:cNvPr id="35" name="Rectangle 34">
+            <a:extLst>
+              <a:ext uri="{FF2B5EF4-FFF2-40B4-BE49-F238E27FC236}">
+                <a16:creationId xmlns:a16="http://schemas.microsoft.com/office/drawing/2014/main" id="{5795BD2C-54D5-4A78-917B-90D83157E706}"/>
+              </a:ext>
+            </a:extLst>
+          </p:cNvPr>
+          <p:cNvSpPr/>
+          <p:nvPr/>
+        </p:nvSpPr>
+        <p:spPr>
+          <a:xfrm>
+            <a:off x="6251008" y="3833615"/>
+            <a:ext cx="5774628" cy="2890250"/>
+          </a:xfrm>
+          <a:prstGeom prst="rect">
+            <a:avLst/>
+          </a:prstGeom>
+          <a:noFill/>
+          <a:ln w="28575">
+            <a:solidFill>
+              <a:schemeClr val="tx2">
+                <a:lumMod val="60000"/>
+                <a:lumOff val="40000"/>
+              </a:schemeClr>
+            </a:solidFill>
+          </a:ln>
+        </p:spPr>
+        <p:style>
+          <a:lnRef idx="2">
+            <a:schemeClr val="accent1">
+              <a:shade val="50000"/>
+            </a:schemeClr>
+          </a:lnRef>
+          <a:fillRef idx="1">
+            <a:schemeClr val="accent1"/>
+          </a:fillRef>
+          <a:effectRef idx="0">
+            <a:schemeClr val="accent1"/>
+          </a:effectRef>
+          <a:fontRef idx="minor">
+            <a:schemeClr val="lt1"/>
+          </a:fontRef>
+        </p:style>
+        <p:txBody>
+          <a:bodyPr rtlCol="0" anchor="ctr"/>
+          <a:lstStyle/>
+          <a:p>
+            <a:pPr algn="ctr"/>
+            <a:endParaRPr lang="en-US" dirty="0">
+              <a:cs typeface="Calibri"/>
+            </a:endParaRPr>
+          </a:p>
+        </p:txBody>
+      </p:sp>
+      <p:sp>
+        <p:nvSpPr>
+          <p:cNvPr id="36" name="TextBox 35">
+            <a:extLst>
+              <a:ext uri="{FF2B5EF4-FFF2-40B4-BE49-F238E27FC236}">
+                <a16:creationId xmlns:a16="http://schemas.microsoft.com/office/drawing/2014/main" id="{9940BC5B-3FFC-4392-A9B6-757388129991}"/>
+              </a:ext>
+            </a:extLst>
+          </p:cNvPr>
+          <p:cNvSpPr txBox="1"/>
+          <p:nvPr/>
+        </p:nvSpPr>
+        <p:spPr>
+          <a:xfrm>
+            <a:off x="5505450" y="2609850"/>
+            <a:ext cx="2743200" cy="369332"/>
+          </a:xfrm>
+          <a:prstGeom prst="rect">
+            <a:avLst/>
+          </a:prstGeom>
+          <a:noFill/>
+        </p:spPr>
+        <p:txBody>
+          <a:bodyPr rot="0" spcFirstLastPara="0" vertOverflow="overflow" horzOverflow="overflow" vert="horz" wrap="square" lIns="91440" tIns="45720" rIns="91440" bIns="45720" numCol="1" spcCol="0" rtlCol="0" fromWordArt="0" anchor="t" anchorCtr="0" forceAA="0" compatLnSpc="1">
+            <a:prstTxWarp prst="textNoShape">
+              <a:avLst/>
+            </a:prstTxWarp>
+            <a:spAutoFit/>
+          </a:bodyPr>
+          <a:lstStyle/>
+          <a:p>
+            <a:pPr algn="l"/>
+            <a:r>
+              <a:rPr lang="en-US" dirty="0"/>
+              <a:t>Internet</a:t>
+            </a:r>
+          </a:p>
+        </p:txBody>
+      </p:sp>
+      <p:sp>
+        <p:nvSpPr>
+          <p:cNvPr id="37" name="TextBox 36">
+            <a:extLst>
+              <a:ext uri="{FF2B5EF4-FFF2-40B4-BE49-F238E27FC236}">
+                <a16:creationId xmlns:a16="http://schemas.microsoft.com/office/drawing/2014/main" id="{953BB227-4023-48A8-A13B-A13FBC7A454E}"/>
+              </a:ext>
+            </a:extLst>
+          </p:cNvPr>
+          <p:cNvSpPr txBox="1"/>
+          <p:nvPr/>
+        </p:nvSpPr>
+        <p:spPr>
+          <a:xfrm>
+            <a:off x="6600825" y="1438274"/>
+            <a:ext cx="1552575" cy="369332"/>
+          </a:xfrm>
+          <a:prstGeom prst="rect">
+            <a:avLst/>
+          </a:prstGeom>
+          <a:noFill/>
+        </p:spPr>
+        <p:txBody>
+          <a:bodyPr rot="0" spcFirstLastPara="0" vertOverflow="overflow" horzOverflow="overflow" vert="horz" wrap="square" lIns="91440" tIns="45720" rIns="91440" bIns="45720" numCol="1" spcCol="0" rtlCol="0" fromWordArt="0" anchor="t" anchorCtr="0" forceAA="0" compatLnSpc="1">
+            <a:prstTxWarp prst="textNoShape">
+              <a:avLst/>
+            </a:prstTxWarp>
+            <a:spAutoFit/>
+          </a:bodyPr>
+          <a:lstStyle/>
+          <a:p>
+            <a:r>
+              <a:rPr lang="en-US" dirty="0">
+                <a:cs typeface="Calibri"/>
+              </a:rPr>
+              <a:t>BD SQL </a:t>
+            </a:r>
+            <a:r>
+              <a:rPr lang="en-US">
+                <a:cs typeface="Calibri"/>
+              </a:rPr>
+              <a:t>Server</a:t>
+            </a:r>
+            <a:endParaRPr lang="en-US" dirty="0">
+              <a:cs typeface="Calibri"/>
+            </a:endParaRPr>
+          </a:p>
+        </p:txBody>
+      </p:sp>
+      <p:sp>
+        <p:nvSpPr>
+          <p:cNvPr id="38" name="TextBox 37">
+            <a:extLst>
+              <a:ext uri="{FF2B5EF4-FFF2-40B4-BE49-F238E27FC236}">
+                <a16:creationId xmlns:a16="http://schemas.microsoft.com/office/drawing/2014/main" id="{D055A446-465D-4677-88F0-C425379299B1}"/>
+              </a:ext>
+            </a:extLst>
+          </p:cNvPr>
+          <p:cNvSpPr txBox="1"/>
+          <p:nvPr/>
+        </p:nvSpPr>
+        <p:spPr>
+          <a:xfrm>
+            <a:off x="3457575" y="1438274"/>
+            <a:ext cx="2228850" cy="923330"/>
+          </a:xfrm>
+          <a:prstGeom prst="rect">
+            <a:avLst/>
+          </a:prstGeom>
+          <a:noFill/>
+        </p:spPr>
+        <p:txBody>
+          <a:bodyPr rot="0" spcFirstLastPara="0" vertOverflow="overflow" horzOverflow="overflow" vert="horz" wrap="square" lIns="91440" tIns="45720" rIns="91440" bIns="45720" numCol="1" spcCol="0" rtlCol="0" fromWordArt="0" anchor="t" anchorCtr="0" forceAA="0" compatLnSpc="1">
+            <a:prstTxWarp prst="textNoShape">
+              <a:avLst/>
+            </a:prstTxWarp>
+            <a:spAutoFit/>
+          </a:bodyPr>
+          <a:lstStyle/>
+          <a:p>
+            <a:r>
+              <a:rPr lang="en-US" err="1">
+                <a:cs typeface="Calibri"/>
+              </a:rPr>
+              <a:t>Servidor</a:t>
+            </a:r>
+            <a:r>
+              <a:rPr lang="en-US" dirty="0">
+                <a:cs typeface="Calibri"/>
+              </a:rPr>
+              <a:t> </a:t>
+            </a:r>
+            <a:r>
+              <a:rPr lang="en-US" err="1">
+                <a:cs typeface="Calibri"/>
+              </a:rPr>
+              <a:t>Aplicação</a:t>
+            </a:r>
+            <a:endParaRPr lang="en-US">
+              <a:cs typeface="Calibri"/>
+            </a:endParaRPr>
+          </a:p>
+          <a:p>
+            <a:r>
+              <a:rPr lang="en-US">
+                <a:cs typeface="Calibri"/>
+              </a:rPr>
+              <a:t>Node JS/HTML/CSS/</a:t>
+            </a:r>
+          </a:p>
+          <a:p>
+            <a:r>
+              <a:rPr lang="en-US">
+                <a:cs typeface="Calibri"/>
+              </a:rPr>
+              <a:t>Javascript</a:t>
+            </a:r>
+            <a:endParaRPr lang="en-US" dirty="0">
+              <a:cs typeface="Calibri"/>
+            </a:endParaRPr>
+          </a:p>
+        </p:txBody>
+      </p:sp>
+      <p:sp>
+        <p:nvSpPr>
+          <p:cNvPr id="39" name="TextBox 38">
+            <a:extLst>
+              <a:ext uri="{FF2B5EF4-FFF2-40B4-BE49-F238E27FC236}">
+                <a16:creationId xmlns:a16="http://schemas.microsoft.com/office/drawing/2014/main" id="{F1C80C91-3390-47AB-A27E-50A09ADC45FA}"/>
+              </a:ext>
+            </a:extLst>
+          </p:cNvPr>
+          <p:cNvSpPr txBox="1"/>
+          <p:nvPr/>
+        </p:nvSpPr>
+        <p:spPr>
+          <a:xfrm>
+            <a:off x="5086350" y="238124"/>
+            <a:ext cx="2743200" cy="369332"/>
+          </a:xfrm>
+          <a:prstGeom prst="rect">
+            <a:avLst/>
+          </a:prstGeom>
+          <a:noFill/>
+        </p:spPr>
+        <p:txBody>
+          <a:bodyPr rot="0" spcFirstLastPara="0" vertOverflow="overflow" horzOverflow="overflow" vert="horz" wrap="square" lIns="91440" tIns="45720" rIns="91440" bIns="45720" numCol="1" spcCol="0" rtlCol="0" fromWordArt="0" anchor="t" anchorCtr="0" forceAA="0" compatLnSpc="1">
+            <a:prstTxWarp prst="textNoShape">
+              <a:avLst/>
+            </a:prstTxWarp>
+            <a:spAutoFit/>
+          </a:bodyPr>
+          <a:lstStyle/>
+          <a:p>
+            <a:r>
+              <a:rPr lang="en-US" dirty="0">
+                <a:cs typeface="Calibri"/>
+              </a:rPr>
+              <a:t>Microsoft Azure</a:t>
+            </a:r>
+          </a:p>
+        </p:txBody>
+      </p:sp>
+      <p:cxnSp>
+        <p:nvCxnSpPr>
+          <p:cNvPr id="40" name="Straight Arrow Connector 39">
+            <a:extLst>
+              <a:ext uri="{FF2B5EF4-FFF2-40B4-BE49-F238E27FC236}">
+                <a16:creationId xmlns:a16="http://schemas.microsoft.com/office/drawing/2014/main" id="{13D93A20-A4FC-4FDA-9987-B7D933CF9EEA}"/>
+              </a:ext>
+            </a:extLst>
+          </p:cNvPr>
+          <p:cNvCxnSpPr/>
+          <p:nvPr/>
+        </p:nvCxnSpPr>
+        <p:spPr>
+          <a:xfrm flipH="1">
+            <a:off x="3619500" y="2343150"/>
+            <a:ext cx="1552575" cy="523875"/>
+          </a:xfrm>
+          <a:prstGeom prst="straightConnector1">
+            <a:avLst/>
+          </a:prstGeom>
+          <a:ln>
+            <a:headEnd type="triangle"/>
+            <a:tailEnd type="triangle"/>
+          </a:ln>
+        </p:spPr>
+        <p:style>
+          <a:lnRef idx="1">
+            <a:schemeClr val="accent1"/>
+          </a:lnRef>
+          <a:fillRef idx="0">
+            <a:schemeClr val="accent1"/>
+          </a:fillRef>
+          <a:effectRef idx="0">
+            <a:schemeClr val="accent1"/>
+          </a:effectRef>
+          <a:fontRef idx="minor">
+            <a:schemeClr val="tx1"/>
+          </a:fontRef>
+        </p:style>
+      </p:cxnSp>
+      <p:cxnSp>
+        <p:nvCxnSpPr>
+          <p:cNvPr id="41" name="Straight Arrow Connector 40">
+            <a:extLst>
+              <a:ext uri="{FF2B5EF4-FFF2-40B4-BE49-F238E27FC236}">
+                <a16:creationId xmlns:a16="http://schemas.microsoft.com/office/drawing/2014/main" id="{B80B5DF8-A8CE-417F-9644-742D8278B9FE}"/>
+              </a:ext>
+            </a:extLst>
+          </p:cNvPr>
+          <p:cNvCxnSpPr>
+            <a:cxnSpLocks/>
+          </p:cNvCxnSpPr>
+          <p:nvPr/>
+        </p:nvCxnSpPr>
+        <p:spPr>
+          <a:xfrm flipH="1" flipV="1">
+            <a:off x="6781800" y="2409825"/>
+            <a:ext cx="1590675" cy="638175"/>
+          </a:xfrm>
+          <a:prstGeom prst="straightConnector1">
+            <a:avLst/>
+          </a:prstGeom>
+          <a:ln>
+            <a:headEnd type="triangle"/>
+            <a:tailEnd type="triangle"/>
+          </a:ln>
+        </p:spPr>
+        <p:style>
+          <a:lnRef idx="1">
+            <a:schemeClr val="accent1"/>
+          </a:lnRef>
+          <a:fillRef idx="0">
+            <a:schemeClr val="accent1"/>
+          </a:fillRef>
+          <a:effectRef idx="0">
+            <a:schemeClr val="accent1"/>
+          </a:effectRef>
+          <a:fontRef idx="minor">
+            <a:schemeClr val="tx1"/>
+          </a:fontRef>
+        </p:style>
+      </p:cxnSp>
+      <p:cxnSp>
+        <p:nvCxnSpPr>
+          <p:cNvPr id="42" name="Straight Arrow Connector 41">
+            <a:extLst>
+              <a:ext uri="{FF2B5EF4-FFF2-40B4-BE49-F238E27FC236}">
+                <a16:creationId xmlns:a16="http://schemas.microsoft.com/office/drawing/2014/main" id="{BA68223C-F02F-48BD-95E3-1EFF183A0A46}"/>
+              </a:ext>
+            </a:extLst>
+          </p:cNvPr>
+          <p:cNvCxnSpPr>
+            <a:cxnSpLocks/>
+          </p:cNvCxnSpPr>
+          <p:nvPr/>
+        </p:nvCxnSpPr>
+        <p:spPr>
+          <a:xfrm flipH="1">
+            <a:off x="1645508" y="3590925"/>
+            <a:ext cx="888914" cy="448963"/>
+          </a:xfrm>
+          <a:prstGeom prst="straightConnector1">
+            <a:avLst/>
+          </a:prstGeom>
+          <a:ln>
+            <a:headEnd type="triangle"/>
+            <a:tailEnd type="triangle"/>
+          </a:ln>
+        </p:spPr>
+        <p:style>
+          <a:lnRef idx="1">
+            <a:schemeClr val="accent1"/>
+          </a:lnRef>
+          <a:fillRef idx="0">
+            <a:schemeClr val="accent1"/>
+          </a:fillRef>
+          <a:effectRef idx="0">
+            <a:schemeClr val="accent1"/>
+          </a:effectRef>
+          <a:fontRef idx="minor">
+            <a:schemeClr val="tx1"/>
+          </a:fontRef>
+        </p:style>
+      </p:cxnSp>
+      <p:cxnSp>
+        <p:nvCxnSpPr>
+          <p:cNvPr id="43" name="Straight Arrow Connector 42">
+            <a:extLst>
+              <a:ext uri="{FF2B5EF4-FFF2-40B4-BE49-F238E27FC236}">
+                <a16:creationId xmlns:a16="http://schemas.microsoft.com/office/drawing/2014/main" id="{45F15E11-7480-4407-B7EE-742402999DA3}"/>
+              </a:ext>
+            </a:extLst>
+          </p:cNvPr>
+          <p:cNvCxnSpPr>
+            <a:cxnSpLocks/>
+          </p:cNvCxnSpPr>
+          <p:nvPr/>
+        </p:nvCxnSpPr>
+        <p:spPr>
+          <a:xfrm flipH="1">
+            <a:off x="7639050" y="3629025"/>
+            <a:ext cx="847725" cy="685800"/>
+          </a:xfrm>
+          <a:prstGeom prst="straightConnector1">
+            <a:avLst/>
+          </a:prstGeom>
+          <a:ln>
+            <a:headEnd type="triangle"/>
+            <a:tailEnd type="triangle"/>
+          </a:ln>
+        </p:spPr>
+        <p:style>
+          <a:lnRef idx="1">
+            <a:schemeClr val="accent1"/>
+          </a:lnRef>
+          <a:fillRef idx="0">
+            <a:schemeClr val="accent1"/>
+          </a:fillRef>
+          <a:effectRef idx="0">
+            <a:schemeClr val="accent1"/>
+          </a:effectRef>
+          <a:fontRef idx="minor">
+            <a:schemeClr val="tx1"/>
+          </a:fontRef>
+        </p:style>
+      </p:cxnSp>
+      <p:pic>
+        <p:nvPicPr>
+          <p:cNvPr id="44" name="Picture 44" descr="A picture containing drawing&#10;&#10;Description generated with very high confidence">
+            <a:extLst>
+              <a:ext uri="{FF2B5EF4-FFF2-40B4-BE49-F238E27FC236}">
+                <a16:creationId xmlns:a16="http://schemas.microsoft.com/office/drawing/2014/main" id="{1585C610-DE9E-4AB7-82E6-30F77B40F54B}"/>
+              </a:ext>
+            </a:extLst>
+          </p:cNvPr>
+          <p:cNvPicPr>
+            <a:picLocks noChangeAspect="1"/>
+          </p:cNvPicPr>
+          <p:nvPr/>
+        </p:nvPicPr>
+        <p:blipFill>
+          <a:blip r:embed="rId11"/>
+          <a:stretch>
+            <a:fillRect/>
+          </a:stretch>
+        </p:blipFill>
+        <p:spPr>
+          <a:xfrm>
+            <a:off x="4662617" y="4466967"/>
+            <a:ext cx="941174" cy="930877"/>
+          </a:xfrm>
+          <a:prstGeom prst="rect">
+            <a:avLst/>
+          </a:prstGeom>
+        </p:spPr>
+      </p:pic>
+      <p:cxnSp>
+        <p:nvCxnSpPr>
+          <p:cNvPr id="46" name="Straight Arrow Connector 45">
+            <a:extLst>
+              <a:ext uri="{FF2B5EF4-FFF2-40B4-BE49-F238E27FC236}">
+                <a16:creationId xmlns:a16="http://schemas.microsoft.com/office/drawing/2014/main" id="{765E4F68-6F95-419C-92F4-9D98F16F7BA7}"/>
+              </a:ext>
+            </a:extLst>
+          </p:cNvPr>
+          <p:cNvCxnSpPr>
+            <a:cxnSpLocks/>
+          </p:cNvCxnSpPr>
+          <p:nvPr/>
+        </p:nvCxnSpPr>
+        <p:spPr>
+          <a:xfrm flipH="1">
+            <a:off x="3582944" y="4944505"/>
+            <a:ext cx="883251" cy="6951"/>
+          </a:xfrm>
+          <a:prstGeom prst="straightConnector1">
+            <a:avLst/>
+          </a:prstGeom>
+          <a:ln>
+            <a:headEnd type="triangle"/>
+            <a:tailEnd type="triangle"/>
+          </a:ln>
+        </p:spPr>
+        <p:style>
+          <a:lnRef idx="1">
+            <a:schemeClr val="accent1"/>
+          </a:lnRef>
+          <a:fillRef idx="0">
+            <a:schemeClr val="accent1"/>
+          </a:fillRef>
+          <a:effectRef idx="0">
+            <a:schemeClr val="accent1"/>
+          </a:effectRef>
+          <a:fontRef idx="minor">
+            <a:schemeClr val="tx1"/>
+          </a:fontRef>
+        </p:style>
+      </p:cxnSp>
+      <p:sp>
+        <p:nvSpPr>
+          <p:cNvPr id="48" name="TextBox 47">
+            <a:extLst>
+              <a:ext uri="{FF2B5EF4-FFF2-40B4-BE49-F238E27FC236}">
+                <a16:creationId xmlns:a16="http://schemas.microsoft.com/office/drawing/2014/main" id="{EA9A3065-C7A0-4C38-8E0A-0E33E5B97808}"/>
+              </a:ext>
+            </a:extLst>
+          </p:cNvPr>
+          <p:cNvSpPr txBox="1"/>
+          <p:nvPr/>
+        </p:nvSpPr>
+        <p:spPr>
+          <a:xfrm>
+            <a:off x="4015433" y="5445469"/>
+            <a:ext cx="2022389" cy="1200329"/>
+          </a:xfrm>
+          <a:prstGeom prst="rect">
+            <a:avLst/>
+          </a:prstGeom>
+          <a:noFill/>
+        </p:spPr>
+        <p:txBody>
+          <a:bodyPr rot="0" spcFirstLastPara="0" vertOverflow="overflow" horzOverflow="overflow" vert="horz" wrap="square" lIns="91440" tIns="45720" rIns="91440" bIns="45720" numCol="1" spcCol="0" rtlCol="0" fromWordArt="0" anchor="t" anchorCtr="0" forceAA="0" compatLnSpc="1">
+            <a:prstTxWarp prst="textNoShape">
+              <a:avLst/>
+            </a:prstTxWarp>
+            <a:spAutoFit/>
+          </a:bodyPr>
+          <a:lstStyle/>
+          <a:p>
+            <a:r>
+              <a:rPr lang="en-US" dirty="0">
+                <a:cs typeface="Calibri"/>
+              </a:rPr>
+              <a:t>Arduino Uno + </a:t>
+            </a:r>
+            <a:r>
+              <a:rPr lang="en-US">
+                <a:cs typeface="Calibri"/>
+              </a:rPr>
+              <a:t>protoboard +</a:t>
+            </a:r>
+            <a:r>
+              <a:rPr lang="en-US" dirty="0">
+                <a:cs typeface="Calibri"/>
+              </a:rPr>
+              <a:t> </a:t>
+            </a:r>
+            <a:r>
+              <a:rPr lang="en-US" dirty="0">
+                <a:ea typeface="+mn-lt"/>
+                <a:cs typeface="+mn-lt"/>
+              </a:rPr>
+              <a:t>Sensor Óptico Reflexivo TCRT5000</a:t>
+            </a:r>
+            <a:endParaRPr lang="en-US" dirty="0"/>
+          </a:p>
+        </p:txBody>
+      </p:sp>
+      <p:sp>
+        <p:nvSpPr>
+          <p:cNvPr id="49" name="TextBox 48">
+            <a:extLst>
+              <a:ext uri="{FF2B5EF4-FFF2-40B4-BE49-F238E27FC236}">
+                <a16:creationId xmlns:a16="http://schemas.microsoft.com/office/drawing/2014/main" id="{8E2B3E5D-68B3-4551-8780-638820382FFA}"/>
+              </a:ext>
+            </a:extLst>
+          </p:cNvPr>
+          <p:cNvSpPr txBox="1"/>
+          <p:nvPr/>
+        </p:nvSpPr>
+        <p:spPr>
+          <a:xfrm>
+            <a:off x="2027795" y="5437745"/>
+            <a:ext cx="1826740" cy="1200329"/>
+          </a:xfrm>
+          <a:prstGeom prst="rect">
+            <a:avLst/>
+          </a:prstGeom>
+          <a:noFill/>
+        </p:spPr>
+        <p:txBody>
+          <a:bodyPr rot="0" spcFirstLastPara="0" vertOverflow="overflow" horzOverflow="overflow" vert="horz" wrap="square" lIns="91440" tIns="45720" rIns="91440" bIns="45720" numCol="1" spcCol="0" rtlCol="0" fromWordArt="0" anchor="t" anchorCtr="0" forceAA="0" compatLnSpc="1">
+            <a:prstTxWarp prst="textNoShape">
+              <a:avLst/>
+            </a:prstTxWarp>
+            <a:spAutoFit/>
+          </a:bodyPr>
+          <a:lstStyle/>
+          <a:p>
+            <a:r>
+              <a:rPr lang="en-US" dirty="0">
+                <a:ea typeface="+mn-lt"/>
+                <a:cs typeface="+mn-lt"/>
+              </a:rPr>
+              <a:t>Notebook HP </a:t>
+            </a:r>
+            <a:r>
+              <a:rPr lang="en-US">
+                <a:ea typeface="+mn-lt"/>
+                <a:cs typeface="+mn-lt"/>
+              </a:rPr>
+              <a:t> Core i5 16GB </a:t>
+            </a:r>
+            <a:r>
+              <a:rPr lang="en-US" dirty="0">
+                <a:ea typeface="+mn-lt"/>
+                <a:cs typeface="+mn-lt"/>
+              </a:rPr>
+              <a:t>RAM Com Node JS e IDE Arduino</a:t>
+            </a:r>
+          </a:p>
+        </p:txBody>
+      </p:sp>
+      <p:sp>
+        <p:nvSpPr>
+          <p:cNvPr id="50" name="TextBox 49">
+            <a:extLst>
+              <a:ext uri="{FF2B5EF4-FFF2-40B4-BE49-F238E27FC236}">
+                <a16:creationId xmlns:a16="http://schemas.microsoft.com/office/drawing/2014/main" id="{1AB7AE5C-DF28-439B-BE35-5DC47C1BB965}"/>
+              </a:ext>
+            </a:extLst>
+          </p:cNvPr>
+          <p:cNvSpPr txBox="1"/>
+          <p:nvPr/>
+        </p:nvSpPr>
+        <p:spPr>
+          <a:xfrm>
+            <a:off x="624530" y="6255092"/>
+            <a:ext cx="1075038" cy="369332"/>
+          </a:xfrm>
+          <a:prstGeom prst="rect">
+            <a:avLst/>
+          </a:prstGeom>
+          <a:noFill/>
+        </p:spPr>
+        <p:txBody>
+          <a:bodyPr rot="0" spcFirstLastPara="0" vertOverflow="overflow" horzOverflow="overflow" vert="horz" wrap="square" lIns="91440" tIns="45720" rIns="91440" bIns="45720" numCol="1" spcCol="0" rtlCol="0" fromWordArt="0" anchor="t" anchorCtr="0" forceAA="0" compatLnSpc="1">
+            <a:prstTxWarp prst="textNoShape">
+              <a:avLst/>
+            </a:prstTxWarp>
+            <a:spAutoFit/>
+          </a:bodyPr>
+          <a:lstStyle/>
+          <a:p>
+            <a:pPr algn="l"/>
+            <a:r>
+              <a:rPr lang="en-US" dirty="0">
+                <a:cs typeface="Calibri"/>
+              </a:rPr>
+              <a:t>LAN/</a:t>
+            </a:r>
+            <a:r>
+              <a:rPr lang="en-US" dirty="0" err="1">
+                <a:cs typeface="Calibri"/>
+              </a:rPr>
+              <a:t>Wifi</a:t>
+            </a:r>
+          </a:p>
+        </p:txBody>
+      </p:sp>
+      <p:sp>
+        <p:nvSpPr>
+          <p:cNvPr id="51" name="TextBox 50">
+            <a:extLst>
+              <a:ext uri="{FF2B5EF4-FFF2-40B4-BE49-F238E27FC236}">
+                <a16:creationId xmlns:a16="http://schemas.microsoft.com/office/drawing/2014/main" id="{A2621D75-B773-47D4-A476-140200C4BA6E}"/>
+              </a:ext>
+            </a:extLst>
+          </p:cNvPr>
+          <p:cNvSpPr txBox="1"/>
+          <p:nvPr/>
+        </p:nvSpPr>
+        <p:spPr>
+          <a:xfrm>
+            <a:off x="428882" y="4679606"/>
+            <a:ext cx="1507525" cy="369332"/>
+          </a:xfrm>
+          <a:prstGeom prst="rect">
+            <a:avLst/>
+          </a:prstGeom>
+          <a:noFill/>
+        </p:spPr>
+        <p:txBody>
+          <a:bodyPr rot="0" spcFirstLastPara="0" vertOverflow="overflow" horzOverflow="overflow" vert="horz" wrap="square" lIns="91440" tIns="45720" rIns="91440" bIns="45720" numCol="1" spcCol="0" rtlCol="0" fromWordArt="0" anchor="t" anchorCtr="0" forceAA="0" compatLnSpc="1">
+            <a:prstTxWarp prst="textNoShape">
+              <a:avLst/>
+            </a:prstTxWarp>
+            <a:spAutoFit/>
+          </a:bodyPr>
+          <a:lstStyle/>
+          <a:p>
+            <a:r>
+              <a:rPr lang="en-US" dirty="0" err="1">
+                <a:cs typeface="Calibri"/>
+              </a:rPr>
+              <a:t>Roteador</a:t>
+            </a:r>
+            <a:r>
+              <a:rPr lang="en-US" dirty="0">
+                <a:cs typeface="Calibri"/>
+              </a:rPr>
+              <a:t> </a:t>
+            </a:r>
+            <a:r>
+              <a:rPr lang="en-US" dirty="0" err="1">
+                <a:cs typeface="Calibri"/>
+              </a:rPr>
+              <a:t>Wifi</a:t>
+            </a:r>
+          </a:p>
+        </p:txBody>
+      </p:sp>
+      <p:sp>
+        <p:nvSpPr>
+          <p:cNvPr id="52" name="TextBox 51">
+            <a:extLst>
+              <a:ext uri="{FF2B5EF4-FFF2-40B4-BE49-F238E27FC236}">
+                <a16:creationId xmlns:a16="http://schemas.microsoft.com/office/drawing/2014/main" id="{636A25F8-8458-477C-8458-87DFAAC61CEC}"/>
+              </a:ext>
+            </a:extLst>
+          </p:cNvPr>
+          <p:cNvSpPr txBox="1"/>
+          <p:nvPr/>
+        </p:nvSpPr>
+        <p:spPr>
+          <a:xfrm>
+            <a:off x="6689638" y="6255092"/>
+            <a:ext cx="2743200" cy="369332"/>
+          </a:xfrm>
+          <a:prstGeom prst="rect">
+            <a:avLst/>
+          </a:prstGeom>
+          <a:noFill/>
+        </p:spPr>
+        <p:txBody>
+          <a:bodyPr rot="0" spcFirstLastPara="0" vertOverflow="overflow" horzOverflow="overflow" vert="horz" wrap="square" lIns="91440" tIns="45720" rIns="91440" bIns="45720" numCol="1" spcCol="0" rtlCol="0" fromWordArt="0" anchor="t" anchorCtr="0" forceAA="0" compatLnSpc="1">
+            <a:prstTxWarp prst="textNoShape">
+              <a:avLst/>
+            </a:prstTxWarp>
+            <a:spAutoFit/>
+          </a:bodyPr>
+          <a:lstStyle/>
+          <a:p>
+            <a:pPr algn="l"/>
+            <a:r>
+              <a:rPr lang="en-US" dirty="0">
+                <a:cs typeface="Calibri"/>
+              </a:rPr>
+              <a:t>LAN/</a:t>
+            </a:r>
+            <a:r>
+              <a:rPr lang="en-US" dirty="0" err="1">
+                <a:cs typeface="Calibri"/>
+              </a:rPr>
+              <a:t>Wifi</a:t>
+            </a:r>
+          </a:p>
+        </p:txBody>
+      </p:sp>
+      <p:sp>
+        <p:nvSpPr>
+          <p:cNvPr id="53" name="TextBox 52">
+            <a:extLst>
+              <a:ext uri="{FF2B5EF4-FFF2-40B4-BE49-F238E27FC236}">
+                <a16:creationId xmlns:a16="http://schemas.microsoft.com/office/drawing/2014/main" id="{248F7379-31D2-4A47-8A13-AD8B26349745}"/>
+              </a:ext>
+            </a:extLst>
+          </p:cNvPr>
+          <p:cNvSpPr txBox="1"/>
+          <p:nvPr/>
+        </p:nvSpPr>
+        <p:spPr>
+          <a:xfrm>
+            <a:off x="6458979" y="4643050"/>
+            <a:ext cx="2743200" cy="369332"/>
+          </a:xfrm>
+          <a:prstGeom prst="rect">
+            <a:avLst/>
+          </a:prstGeom>
+          <a:noFill/>
+        </p:spPr>
+        <p:txBody>
+          <a:bodyPr rot="0" spcFirstLastPara="0" vertOverflow="overflow" horzOverflow="overflow" vert="horz" wrap="square" lIns="91440" tIns="45720" rIns="91440" bIns="45720" numCol="1" spcCol="0" rtlCol="0" fromWordArt="0" anchor="t" anchorCtr="0" forceAA="0" compatLnSpc="1">
+            <a:prstTxWarp prst="textNoShape">
+              <a:avLst/>
+            </a:prstTxWarp>
+            <a:spAutoFit/>
+          </a:bodyPr>
+          <a:lstStyle/>
+          <a:p>
+            <a:r>
+              <a:rPr lang="en-US" dirty="0" err="1">
+                <a:cs typeface="Calibri"/>
+              </a:rPr>
+              <a:t>Roteador</a:t>
+            </a:r>
+            <a:r>
+              <a:rPr lang="en-US" dirty="0">
+                <a:cs typeface="Calibri"/>
+              </a:rPr>
+              <a:t> </a:t>
+            </a:r>
+            <a:r>
+              <a:rPr lang="en-US" dirty="0" err="1">
+                <a:cs typeface="Calibri"/>
+              </a:rPr>
+              <a:t>Wifi</a:t>
+            </a:r>
+          </a:p>
+        </p:txBody>
+      </p:sp>
+      <p:sp>
+        <p:nvSpPr>
+          <p:cNvPr id="54" name="TextBox 53">
+            <a:extLst>
+              <a:ext uri="{FF2B5EF4-FFF2-40B4-BE49-F238E27FC236}">
+                <a16:creationId xmlns:a16="http://schemas.microsoft.com/office/drawing/2014/main" id="{7B87463F-968A-4300-91C2-F18A0BEFA53E}"/>
+              </a:ext>
+            </a:extLst>
+          </p:cNvPr>
+          <p:cNvSpPr txBox="1"/>
+          <p:nvPr/>
+        </p:nvSpPr>
+        <p:spPr>
+          <a:xfrm>
+            <a:off x="9603773" y="5321643"/>
+            <a:ext cx="2428875" cy="646331"/>
+          </a:xfrm>
+          <a:prstGeom prst="rect">
+            <a:avLst/>
+          </a:prstGeom>
+          <a:noFill/>
+        </p:spPr>
+        <p:txBody>
+          <a:bodyPr rot="0" spcFirstLastPara="0" vertOverflow="overflow" horzOverflow="overflow" vert="horz" wrap="square" lIns="91440" tIns="45720" rIns="91440" bIns="45720" numCol="1" spcCol="0" rtlCol="0" fromWordArt="0" anchor="t" anchorCtr="0" forceAA="0" compatLnSpc="1">
+            <a:prstTxWarp prst="textNoShape">
+              <a:avLst/>
+            </a:prstTxWarp>
+            <a:spAutoFit/>
+          </a:bodyPr>
+          <a:lstStyle/>
+          <a:p>
+            <a:r>
+              <a:rPr lang="en-US">
+                <a:ea typeface="+mn-lt"/>
+                <a:cs typeface="+mn-lt"/>
+              </a:rPr>
+              <a:t>Notebook / Desktop Core i5 8GB RAM</a:t>
+            </a:r>
+            <a:endParaRPr lang="en-US"/>
+          </a:p>
+        </p:txBody>
+      </p:sp>
+      <p:sp>
+        <p:nvSpPr>
+          <p:cNvPr id="55" name="TextBox 54">
+            <a:extLst>
+              <a:ext uri="{FF2B5EF4-FFF2-40B4-BE49-F238E27FC236}">
+                <a16:creationId xmlns:a16="http://schemas.microsoft.com/office/drawing/2014/main" id="{7A4FEFAA-5CC9-4834-8380-E12F2143316A}"/>
+              </a:ext>
+            </a:extLst>
+          </p:cNvPr>
+          <p:cNvSpPr txBox="1"/>
+          <p:nvPr/>
+        </p:nvSpPr>
+        <p:spPr>
+          <a:xfrm>
+            <a:off x="200025" y="230916"/>
+            <a:ext cx="2743199" cy="830997"/>
+          </a:xfrm>
+          <a:prstGeom prst="rect">
+            <a:avLst/>
+          </a:prstGeom>
+          <a:noFill/>
+        </p:spPr>
+        <p:txBody>
+          <a:bodyPr rot="0" spcFirstLastPara="0" vertOverflow="overflow" horzOverflow="overflow" vert="horz" wrap="square" lIns="91440" tIns="45720" rIns="91440" bIns="45720" numCol="1" spcCol="0" rtlCol="0" fromWordArt="0" anchor="t" anchorCtr="0" forceAA="0" compatLnSpc="1">
+            <a:prstTxWarp prst="textNoShape">
+              <a:avLst/>
+            </a:prstTxWarp>
+            <a:spAutoFit/>
+          </a:bodyPr>
+          <a:lstStyle/>
+          <a:p>
+            <a:r>
+              <a:rPr lang="en-US" sz="2400" b="1" dirty="0" err="1">
+                <a:solidFill>
+                  <a:schemeClr val="tx2">
+                    <a:lumMod val="75000"/>
+                  </a:schemeClr>
+                </a:solidFill>
+              </a:rPr>
+              <a:t>Desenho</a:t>
+            </a:r>
+            <a:r>
+              <a:rPr lang="en-US" sz="2400" b="1" dirty="0">
+                <a:solidFill>
+                  <a:schemeClr val="tx2">
+                    <a:lumMod val="75000"/>
+                  </a:schemeClr>
+                </a:solidFill>
+              </a:rPr>
+              <a:t> de </a:t>
+            </a:r>
+            <a:r>
+              <a:rPr lang="en-US" sz="2400" b="1" dirty="0" err="1">
+                <a:solidFill>
+                  <a:schemeClr val="tx2">
+                    <a:lumMod val="75000"/>
+                  </a:schemeClr>
+                </a:solidFill>
+              </a:rPr>
+              <a:t>solução</a:t>
+            </a:r>
+            <a:r>
+              <a:rPr lang="en-US" sz="2400" b="1" dirty="0">
+                <a:solidFill>
+                  <a:schemeClr val="tx2">
+                    <a:lumMod val="75000"/>
+                  </a:schemeClr>
+                </a:solidFill>
+              </a:rPr>
+              <a:t> </a:t>
+            </a:r>
+            <a:r>
+              <a:rPr lang="en-US" sz="2400" b="1" dirty="0" err="1">
+                <a:solidFill>
+                  <a:schemeClr val="tx2">
+                    <a:lumMod val="75000"/>
+                  </a:schemeClr>
+                </a:solidFill>
+              </a:rPr>
+              <a:t>técnica</a:t>
+            </a:r>
+            <a:r>
+              <a:rPr lang="en-US" sz="2400" b="1" dirty="0">
+                <a:solidFill>
+                  <a:schemeClr val="tx2">
+                    <a:lumMod val="75000"/>
+                  </a:schemeClr>
+                </a:solidFill>
+              </a:rPr>
+              <a:t> LLD</a:t>
+            </a:r>
+            <a:endParaRPr lang="en-US" sz="2400" b="1" dirty="0">
+              <a:solidFill>
+                <a:schemeClr val="tx2">
+                  <a:lumMod val="75000"/>
+                </a:schemeClr>
+              </a:solidFill>
+              <a:cs typeface="Calibri"/>
+            </a:endParaRPr>
+          </a:p>
+        </p:txBody>
+      </p:sp>
+      <p:pic>
+        <p:nvPicPr>
+          <p:cNvPr id="3" name="Picture 4" descr="A picture containing graphics, drawing&#10;&#10;Description generated with very high confidence">
+            <a:extLst>
+              <a:ext uri="{FF2B5EF4-FFF2-40B4-BE49-F238E27FC236}">
+                <a16:creationId xmlns:a16="http://schemas.microsoft.com/office/drawing/2014/main" id="{323BE64C-FC1A-4682-B67B-8E178BCEC10F}"/>
+              </a:ext>
+            </a:extLst>
+          </p:cNvPr>
+          <p:cNvPicPr>
+            <a:picLocks noChangeAspect="1"/>
+          </p:cNvPicPr>
+          <p:nvPr/>
+        </p:nvPicPr>
+        <p:blipFill>
+          <a:blip r:embed="rId12"/>
+          <a:stretch>
+            <a:fillRect/>
+          </a:stretch>
+        </p:blipFill>
+        <p:spPr>
+          <a:xfrm>
+            <a:off x="9653459" y="5986048"/>
+            <a:ext cx="580768" cy="539120"/>
+          </a:xfrm>
+          <a:prstGeom prst="rect">
+            <a:avLst/>
+          </a:prstGeom>
+        </p:spPr>
+      </p:pic>
+      <p:pic>
+        <p:nvPicPr>
+          <p:cNvPr id="7" name="Picture 8" descr="A picture containing drawing&#10;&#10;Description generated with very high confidence">
+            <a:extLst>
+              <a:ext uri="{FF2B5EF4-FFF2-40B4-BE49-F238E27FC236}">
+                <a16:creationId xmlns:a16="http://schemas.microsoft.com/office/drawing/2014/main" id="{9E748DBF-D97E-452A-8E4A-932D64247930}"/>
+              </a:ext>
+            </a:extLst>
+          </p:cNvPr>
+          <p:cNvPicPr>
+            <a:picLocks noChangeAspect="1"/>
+          </p:cNvPicPr>
+          <p:nvPr/>
+        </p:nvPicPr>
+        <p:blipFill>
+          <a:blip r:embed="rId13"/>
+          <a:stretch>
+            <a:fillRect/>
+          </a:stretch>
+        </p:blipFill>
+        <p:spPr>
+          <a:xfrm>
+            <a:off x="10352131" y="5990968"/>
+            <a:ext cx="652849" cy="611661"/>
+          </a:xfrm>
+          <a:prstGeom prst="rect">
+            <a:avLst/>
+          </a:prstGeom>
+        </p:spPr>
+      </p:pic>
+      <p:pic>
+        <p:nvPicPr>
+          <p:cNvPr id="10" name="Picture 11" descr="A picture containing graphics, room, device, drawing&#10;&#10;Description generated with very high confidence">
+            <a:extLst>
+              <a:ext uri="{FF2B5EF4-FFF2-40B4-BE49-F238E27FC236}">
+                <a16:creationId xmlns:a16="http://schemas.microsoft.com/office/drawing/2014/main" id="{2BEDA4CC-8656-4013-8C69-8D56D825B5CB}"/>
+              </a:ext>
+            </a:extLst>
+          </p:cNvPr>
+          <p:cNvPicPr>
+            <a:picLocks noChangeAspect="1"/>
+          </p:cNvPicPr>
+          <p:nvPr/>
+        </p:nvPicPr>
+        <p:blipFill>
+          <a:blip r:embed="rId14"/>
+          <a:stretch>
+            <a:fillRect/>
+          </a:stretch>
+        </p:blipFill>
+        <p:spPr>
+          <a:xfrm>
+            <a:off x="11082466" y="6041681"/>
+            <a:ext cx="580769" cy="508690"/>
+          </a:xfrm>
+          <a:prstGeom prst="rect">
+            <a:avLst/>
+          </a:prstGeom>
+        </p:spPr>
+      </p:pic>
+      <p:pic>
+        <p:nvPicPr>
+          <p:cNvPr id="45" name="Picture 8" descr="A picture containing room&#10;&#10;Description generated with very high confidence">
+            <a:extLst>
+              <a:ext uri="{FF2B5EF4-FFF2-40B4-BE49-F238E27FC236}">
+                <a16:creationId xmlns:a16="http://schemas.microsoft.com/office/drawing/2014/main" id="{496D9542-5085-49DF-8D77-8C9533103E74}"/>
+              </a:ext>
+            </a:extLst>
+          </p:cNvPr>
+          <p:cNvPicPr>
+            <a:picLocks noChangeAspect="1"/>
+          </p:cNvPicPr>
+          <p:nvPr/>
+        </p:nvPicPr>
+        <p:blipFill>
+          <a:blip r:embed="rId4"/>
+          <a:stretch>
+            <a:fillRect/>
+          </a:stretch>
+        </p:blipFill>
+        <p:spPr>
+          <a:xfrm>
+            <a:off x="8669707" y="2966840"/>
+            <a:ext cx="759914" cy="739037"/>
+          </a:xfrm>
+          <a:prstGeom prst="rect">
+            <a:avLst/>
+          </a:prstGeom>
+        </p:spPr>
+      </p:pic>
+      <p:sp>
+        <p:nvSpPr>
+          <p:cNvPr id="5" name="TextBox 4">
+            <a:extLst>
+              <a:ext uri="{FF2B5EF4-FFF2-40B4-BE49-F238E27FC236}">
+                <a16:creationId xmlns:a16="http://schemas.microsoft.com/office/drawing/2014/main" id="{3B730039-8792-41FE-892B-18D5A986DADE}"/>
+              </a:ext>
+            </a:extLst>
+          </p:cNvPr>
+          <p:cNvSpPr txBox="1"/>
+          <p:nvPr/>
+        </p:nvSpPr>
+        <p:spPr>
+          <a:xfrm>
+            <a:off x="8458200" y="3895725"/>
+            <a:ext cx="2743200" cy="369332"/>
+          </a:xfrm>
+          <a:prstGeom prst="rect">
+            <a:avLst/>
+          </a:prstGeom>
+          <a:noFill/>
+        </p:spPr>
+        <p:txBody>
+          <a:bodyPr rot="0" spcFirstLastPara="0" vertOverflow="overflow" horzOverflow="overflow" vert="horz" wrap="square" lIns="91440" tIns="45720" rIns="91440" bIns="45720" numCol="1" spcCol="0" rtlCol="0" fromWordArt="0" anchor="t" anchorCtr="0" forceAA="0" compatLnSpc="1">
+            <a:prstTxWarp prst="textNoShape">
+              <a:avLst/>
+            </a:prstTxWarp>
+            <a:spAutoFit/>
+          </a:bodyPr>
+          <a:lstStyle/>
+          <a:p>
+            <a:r>
+              <a:rPr lang="en-US" b="1" dirty="0" err="1">
+                <a:solidFill>
+                  <a:schemeClr val="tx2">
+                    <a:lumMod val="75000"/>
+                  </a:schemeClr>
+                </a:solidFill>
+                <a:cs typeface="Calibri"/>
+              </a:rPr>
+              <a:t>Camada</a:t>
+            </a:r>
+            <a:r>
+              <a:rPr lang="en-US" b="1" dirty="0">
+                <a:solidFill>
+                  <a:schemeClr val="tx2">
+                    <a:lumMod val="75000"/>
+                  </a:schemeClr>
+                </a:solidFill>
+                <a:cs typeface="Calibri"/>
+              </a:rPr>
+              <a:t> </a:t>
+            </a:r>
+            <a:r>
+              <a:rPr lang="en-US" b="1" dirty="0" err="1">
+                <a:solidFill>
+                  <a:schemeClr val="tx2">
+                    <a:lumMod val="75000"/>
+                  </a:schemeClr>
+                </a:solidFill>
+                <a:cs typeface="Calibri"/>
+              </a:rPr>
+              <a:t>cliente</a:t>
+            </a:r>
+            <a:endParaRPr lang="en-US" b="1" dirty="0">
+              <a:solidFill>
+                <a:schemeClr val="tx2">
+                  <a:lumMod val="75000"/>
+                </a:schemeClr>
+              </a:solidFill>
+              <a:cs typeface="Calibri"/>
+            </a:endParaRPr>
+          </a:p>
+        </p:txBody>
+      </p:sp>
+      <p:sp>
+        <p:nvSpPr>
+          <p:cNvPr id="47" name="TextBox 46">
+            <a:extLst>
+              <a:ext uri="{FF2B5EF4-FFF2-40B4-BE49-F238E27FC236}">
+                <a16:creationId xmlns:a16="http://schemas.microsoft.com/office/drawing/2014/main" id="{376A5687-48A8-40F5-9BFE-A3E9F2C5E338}"/>
+              </a:ext>
+            </a:extLst>
+          </p:cNvPr>
+          <p:cNvSpPr txBox="1"/>
+          <p:nvPr/>
+        </p:nvSpPr>
+        <p:spPr>
+          <a:xfrm>
+            <a:off x="3714750" y="3876674"/>
+            <a:ext cx="2743200" cy="369332"/>
+          </a:xfrm>
+          <a:prstGeom prst="rect">
+            <a:avLst/>
+          </a:prstGeom>
+          <a:noFill/>
+        </p:spPr>
+        <p:txBody>
+          <a:bodyPr rot="0" spcFirstLastPara="0" vertOverflow="overflow" horzOverflow="overflow" vert="horz" wrap="square" lIns="91440" tIns="45720" rIns="91440" bIns="45720" numCol="1" spcCol="0" rtlCol="0" fromWordArt="0" anchor="t" anchorCtr="0" forceAA="0" compatLnSpc="1">
+            <a:prstTxWarp prst="textNoShape">
+              <a:avLst/>
+            </a:prstTxWarp>
+            <a:spAutoFit/>
+          </a:bodyPr>
+          <a:lstStyle/>
+          <a:p>
+            <a:r>
+              <a:rPr lang="en-US" b="1" dirty="0" err="1">
+                <a:solidFill>
+                  <a:schemeClr val="tx2">
+                    <a:lumMod val="75000"/>
+                  </a:schemeClr>
+                </a:solidFill>
+                <a:cs typeface="Calibri"/>
+              </a:rPr>
+              <a:t>Camada</a:t>
+            </a:r>
+            <a:r>
+              <a:rPr lang="en-US" b="1" dirty="0">
+                <a:solidFill>
+                  <a:schemeClr val="tx2">
+                    <a:lumMod val="75000"/>
+                  </a:schemeClr>
+                </a:solidFill>
+                <a:cs typeface="Calibri"/>
+              </a:rPr>
+              <a:t> da </a:t>
+            </a:r>
+            <a:r>
+              <a:rPr lang="en-US" b="1" dirty="0" err="1">
+                <a:solidFill>
+                  <a:schemeClr val="tx2">
+                    <a:lumMod val="75000"/>
+                  </a:schemeClr>
+                </a:solidFill>
+                <a:cs typeface="Calibri"/>
+              </a:rPr>
+              <a:t>estação</a:t>
+            </a:r>
+            <a:endParaRPr lang="en-US" b="1" dirty="0">
+              <a:solidFill>
+                <a:schemeClr val="tx2">
+                  <a:lumMod val="75000"/>
+                </a:schemeClr>
+              </a:solidFill>
+              <a:cs typeface="Calibri"/>
+            </a:endParaRPr>
+          </a:p>
+        </p:txBody>
+      </p:sp>
+    </p:spTree>
+    <p:extLst>
+      <p:ext uri="{BB962C8B-B14F-4D97-AF65-F5344CB8AC3E}">
+        <p14:creationId xmlns:p14="http://schemas.microsoft.com/office/powerpoint/2010/main" val="109857222"/>
+      </p:ext>
+    </p:extLst>
+  </p:cSld>
+  <p:clrMapOvr>
+    <a:masterClrMapping/>
+  </p:clrMapOvr>
+  <p:transition>
+    <p:fade/>
+  </p:transition>
+</p:sld>
+</file>
+
+<file path=ppt/slides/slide9.xml><?xml version="1.0" encoding="utf-8"?>
+<p:sld xmlns:a="http://schemas.openxmlformats.org/drawingml/2006/main" xmlns:r="http://schemas.openxmlformats.org/officeDocument/2006/relationships" xmlns:p="http://schemas.openxmlformats.org/presentationml/2006/main">
+  <p:cSld>
+    <p:bg>
+      <p:bgPr>
+        <a:solidFill>
+          <a:schemeClr val="bg1"/>
+        </a:solidFill>
+        <a:effectLst/>
+      </p:bgPr>
+    </p:bg>
+    <p:spTree>
+      <p:nvGrpSpPr>
+        <p:cNvPr id="1" name=""/>
+        <p:cNvGrpSpPr/>
+        <p:nvPr/>
+      </p:nvGrpSpPr>
+      <p:grpSpPr>
+        <a:xfrm>
+          <a:off x="0" y="0"/>
+          <a:ext cx="0" cy="0"/>
+          <a:chOff x="0" y="0"/>
+          <a:chExt cx="0" cy="0"/>
+        </a:xfrm>
+      </p:grpSpPr>
+      <p:pic>
+        <p:nvPicPr>
+          <p:cNvPr id="6" name="Imagem 5" descr="Uma imagem contendo guarda-chuva&#10;&#10;Descrição gerada automaticamente">
+            <a:extLst>
+              <a:ext uri="{FF2B5EF4-FFF2-40B4-BE49-F238E27FC236}">
+                <a16:creationId xmlns:a16="http://schemas.microsoft.com/office/drawing/2014/main" id="{D62B1CC3-60C1-4DE7-A5AA-E47DADABEBAD}"/>
+              </a:ext>
+            </a:extLst>
+          </p:cNvPr>
+          <p:cNvPicPr>
+            <a:picLocks noChangeAspect="1"/>
+          </p:cNvPicPr>
+          <p:nvPr/>
+        </p:nvPicPr>
+        <p:blipFill rotWithShape="1">
+          <a:blip r:embed="rId2">
+            <a:extLst>
+              <a:ext uri="{28A0092B-C50C-407E-A947-70E740481C1C}">
+                <a14:useLocalDpi xmlns:a14="http://schemas.microsoft.com/office/drawing/2010/main" val="0"/>
+              </a:ext>
+            </a:extLst>
+          </a:blip>
+          <a:srcRect t="25348" r="9091"/>
+          <a:stretch/>
+        </p:blipFill>
+        <p:spPr>
+          <a:xfrm>
+            <a:off x="20" y="10"/>
+            <a:ext cx="12191980" cy="6857990"/>
+          </a:xfrm>
+          <a:prstGeom prst="rect">
+            <a:avLst/>
+          </a:prstGeom>
+        </p:spPr>
+      </p:pic>
+      <p:sp>
+        <p:nvSpPr>
+          <p:cNvPr id="11" name="Rectangle 10">
+            <a:extLst>
+              <a:ext uri="{FF2B5EF4-FFF2-40B4-BE49-F238E27FC236}">
+                <a16:creationId xmlns:a16="http://schemas.microsoft.com/office/drawing/2014/main" id="{2B1D4F77-A17C-43D7-B7FA-545148E4E93D}"/>
+              </a:ext>
+              <a:ext uri="{C183D7F6-B498-43B3-948B-1728B52AA6E4}">
+                <adec:decorative xmlns:adec="http://schemas.microsoft.com/office/drawing/2017/decorative" val="1"/>
+              </a:ext>
+            </a:extLst>
+          </p:cNvPr>
+          <p:cNvSpPr>
+            <a:spLocks noGrp="1" noRot="1" noChangeAspect="1" noMove="1" noResize="1" noEditPoints="1" noAdjustHandles="1" noChangeArrowheads="1" noChangeShapeType="1" noTextEdit="1"/>
+          </p:cNvSpPr>
+          <p:nvPr>
+            <p:extLst>
+              <p:ext uri="{386F3935-93C4-4BCD-93E2-E3B085C9AB24}">
+                <p16:designElem xmlns:p16="http://schemas.microsoft.com/office/powerpoint/2015/main" val="1"/>
+              </p:ext>
+            </p:extLst>
+          </p:nvPr>
+        </p:nvSpPr>
+        <p:spPr bwMode="ltGray">
+          <a:xfrm>
+            <a:off x="336884" y="321176"/>
+            <a:ext cx="4332307" cy="5896743"/>
+          </a:xfrm>
+          <a:prstGeom prst="rect">
+            <a:avLst/>
+          </a:prstGeom>
+          <a:solidFill>
+            <a:schemeClr val="bg1">
+              <a:alpha val="90000"/>
+            </a:schemeClr>
+          </a:solidFill>
+          <a:ln w="127000" cap="sq" cmpd="thinThick">
+            <a:solidFill>
+              <a:schemeClr val="bg1"/>
+            </a:solidFill>
+          </a:ln>
+        </p:spPr>
+        <p:style>
+          <a:lnRef idx="2">
+            <a:schemeClr val="accent1">
+              <a:shade val="50000"/>
+            </a:schemeClr>
+          </a:lnRef>
+          <a:fillRef idx="1">
+            <a:schemeClr val="accent1"/>
+          </a:fillRef>
+          <a:effectRef idx="0">
+            <a:schemeClr val="accent1"/>
+          </a:effectRef>
+          <a:fontRef idx="minor">
+            <a:schemeClr val="lt1"/>
+          </a:fontRef>
+        </p:style>
+        <p:txBody>
+          <a:bodyPr rtlCol="0" anchor="ctr"/>
+          <a:lstStyle/>
+          <a:p>
+            <a:pPr algn="ctr"/>
+            <a:endParaRPr lang="en-US"/>
+          </a:p>
+        </p:txBody>
+      </p:sp>
       <p:sp>
         <p:nvSpPr>
           <p:cNvPr id="2" name="Título 1">
@@ -7757,23 +10370,124 @@
             <p:ph type="title"/>
           </p:nvPr>
         </p:nvSpPr>
-        <p:spPr/>
-        <p:txBody>
-          <a:bodyPr/>
+        <p:spPr>
+          <a:xfrm>
+            <a:off x="594805" y="640263"/>
+            <a:ext cx="3759240" cy="1344975"/>
+          </a:xfrm>
+        </p:spPr>
+        <p:txBody>
+          <a:bodyPr vert="horz" lIns="91440" tIns="45720" rIns="91440" bIns="45720" rtlCol="0" anchor="ctr">
+            <a:normAutofit/>
+          </a:bodyPr>
           <a:lstStyle/>
           <a:p>
             <a:r>
-              <a:rPr lang="pt-BR" dirty="0">
-                <a:solidFill>
-                  <a:schemeClr val="tx1">
-                    <a:lumMod val="75000"/>
-                    <a:lumOff val="25000"/>
-                  </a:schemeClr>
-                </a:solidFill>
-                <a:latin typeface="Bariol Bold" panose="02000506040000020003" pitchFamily="2" charset="0"/>
-              </a:rPr>
-              <a:t>Requisitos (Backlog)</a:t>
-            </a:r>
+              <a:rPr lang="en-US" sz="4000"/>
+              <a:t>Backlog</a:t>
+            </a:r>
+          </a:p>
+        </p:txBody>
+      </p:sp>
+      <p:sp>
+        <p:nvSpPr>
+          <p:cNvPr id="5" name="CaixaDeTexto 4">
+            <a:extLst>
+              <a:ext uri="{FF2B5EF4-FFF2-40B4-BE49-F238E27FC236}">
+                <a16:creationId xmlns:a16="http://schemas.microsoft.com/office/drawing/2014/main" id="{869545E3-DC46-4CDB-A839-CA8AA4E80E78}"/>
+              </a:ext>
+            </a:extLst>
+          </p:cNvPr>
+          <p:cNvSpPr txBox="1"/>
+          <p:nvPr/>
+        </p:nvSpPr>
+        <p:spPr>
+          <a:xfrm>
+            <a:off x="594110" y="2121763"/>
+            <a:ext cx="3764826" cy="3773010"/>
+          </a:xfrm>
+          <a:prstGeom prst="rect">
+            <a:avLst/>
+          </a:prstGeom>
+        </p:spPr>
+        <p:txBody>
+          <a:bodyPr vert="horz" lIns="91440" tIns="45720" rIns="91440" bIns="45720" rtlCol="0">
+            <a:normAutofit/>
+          </a:bodyPr>
+          <a:lstStyle/>
+          <a:p>
+            <a:pPr marL="342900" indent="-228600">
+              <a:lnSpc>
+                <a:spcPct val="90000"/>
+              </a:lnSpc>
+              <a:spcAft>
+                <a:spcPts val="600"/>
+              </a:spcAft>
+              <a:buClr>
+                <a:srgbClr val="4772FF"/>
+              </a:buClr>
+              <a:buSzPct val="80000"/>
+              <a:buFont typeface="Arial" panose="020B0604020202020204" pitchFamily="34" charset="0"/>
+              <a:buChar char="•"/>
+            </a:pPr>
+            <a:r>
+              <a:rPr lang="en-US"/>
+              <a:t>Backlog completo</a:t>
+            </a:r>
+          </a:p>
+          <a:p>
+            <a:pPr marL="342900" indent="-228600">
+              <a:lnSpc>
+                <a:spcPct val="90000"/>
+              </a:lnSpc>
+              <a:spcAft>
+                <a:spcPts val="600"/>
+              </a:spcAft>
+              <a:buClr>
+                <a:srgbClr val="4772FF"/>
+              </a:buClr>
+              <a:buSzPct val="80000"/>
+              <a:buFont typeface="Arial" panose="020B0604020202020204" pitchFamily="34" charset="0"/>
+              <a:buChar char="•"/>
+            </a:pPr>
+            <a:endParaRPr lang="en-US"/>
+          </a:p>
+          <a:p>
+            <a:pPr marL="342900" indent="-228600">
+              <a:lnSpc>
+                <a:spcPct val="90000"/>
+              </a:lnSpc>
+              <a:spcAft>
+                <a:spcPts val="600"/>
+              </a:spcAft>
+              <a:buClr>
+                <a:srgbClr val="4772FF"/>
+              </a:buClr>
+              <a:buSzPct val="80000"/>
+              <a:buFont typeface="Arial" panose="020B0604020202020204" pitchFamily="34" charset="0"/>
+              <a:buChar char="•"/>
+            </a:pPr>
+            <a:r>
+              <a:rPr lang="en-US"/>
+              <a:t>Backlog por sprint</a:t>
+            </a:r>
+          </a:p>
+          <a:p>
+            <a:pPr indent="-228600">
+              <a:lnSpc>
+                <a:spcPct val="90000"/>
+              </a:lnSpc>
+              <a:spcAft>
+                <a:spcPts val="600"/>
+              </a:spcAft>
+              <a:buClr>
+                <a:srgbClr val="4772FF"/>
+              </a:buClr>
+              <a:buSzPct val="80000"/>
+              <a:buFont typeface="Arial" panose="020B0604020202020204" pitchFamily="34" charset="0"/>
+              <a:buChar char="•"/>
+            </a:pPr>
+            <a:endParaRPr lang="en-US"/>
           </a:p>
         </p:txBody>
       </p:sp>
@@ -7792,7 +10506,7 @@
           <p:nvPr/>
         </p:nvPicPr>
         <p:blipFill>
-          <a:blip r:embed="rId2" cstate="hqprint">
+          <a:blip r:embed="rId3" cstate="hqprint">
             <a:extLst>
               <a:ext uri="{28A0092B-C50C-407E-A947-70E740481C1C}">
                 <a14:useLocalDpi xmlns:a14="http://schemas.microsoft.com/office/drawing/2010/main" val="0"/>
@@ -7813,145 +10527,6 @@
           </a:prstGeom>
         </p:spPr>
       </p:pic>
-      <p:pic>
-        <p:nvPicPr>
-          <p:cNvPr id="6" name="Imagem 5" descr="Uma imagem contendo guarda-chuva&#10;&#10;Descrição gerada automaticamente">
-            <a:extLst>
-              <a:ext uri="{FF2B5EF4-FFF2-40B4-BE49-F238E27FC236}">
-                <a16:creationId xmlns:a16="http://schemas.microsoft.com/office/drawing/2014/main" id="{D62B1CC3-60C1-4DE7-A5AA-E47DADABEBAD}"/>
-              </a:ext>
-            </a:extLst>
-          </p:cNvPr>
-          <p:cNvPicPr>
-            <a:picLocks noChangeAspect="1"/>
-          </p:cNvPicPr>
-          <p:nvPr/>
-        </p:nvPicPr>
-        <p:blipFill>
-          <a:blip r:embed="rId3">
-            <a:extLst>
-              <a:ext uri="{28A0092B-C50C-407E-A947-70E740481C1C}">
-                <a14:useLocalDpi xmlns:a14="http://schemas.microsoft.com/office/drawing/2010/main" val="0"/>
-              </a:ext>
-            </a:extLst>
-          </a:blip>
-          <a:stretch>
-            <a:fillRect/>
-          </a:stretch>
-        </p:blipFill>
-        <p:spPr>
-          <a:xfrm>
-            <a:off x="7148569" y="3428999"/>
-            <a:ext cx="5003615" cy="3429001"/>
-          </a:xfrm>
-          <a:prstGeom prst="rect">
-            <a:avLst/>
-          </a:prstGeom>
-        </p:spPr>
-      </p:pic>
-      <p:sp>
-        <p:nvSpPr>
-          <p:cNvPr id="5" name="CaixaDeTexto 4">
-            <a:extLst>
-              <a:ext uri="{FF2B5EF4-FFF2-40B4-BE49-F238E27FC236}">
-                <a16:creationId xmlns:a16="http://schemas.microsoft.com/office/drawing/2014/main" id="{869545E3-DC46-4CDB-A839-CA8AA4E80E78}"/>
-              </a:ext>
-            </a:extLst>
-          </p:cNvPr>
-          <p:cNvSpPr txBox="1"/>
-          <p:nvPr/>
-        </p:nvSpPr>
-        <p:spPr>
-          <a:xfrm>
-            <a:off x="838200" y="2274838"/>
-            <a:ext cx="5995851" cy="1938992"/>
-          </a:xfrm>
-          <a:prstGeom prst="rect">
-            <a:avLst/>
-          </a:prstGeom>
-          <a:noFill/>
-        </p:spPr>
-        <p:txBody>
-          <a:bodyPr wrap="square" rtlCol="0">
-            <a:spAutoFit/>
-          </a:bodyPr>
-          <a:lstStyle/>
-          <a:p>
-            <a:pPr marL="342900" indent="-342900">
-              <a:buClr>
-                <a:srgbClr val="4772FF"/>
-              </a:buClr>
-              <a:buSzPct val="80000"/>
-              <a:buFont typeface="Wingdings" panose="05000000000000000000" pitchFamily="2" charset="2"/>
-              <a:buChar char="ü"/>
-            </a:pPr>
-            <a:r>
-              <a:rPr lang="pt-BR" sz="2400" dirty="0">
-                <a:latin typeface="Bariol Bold" panose="02000506040000020003" pitchFamily="2" charset="0"/>
-              </a:rPr>
-              <a:t>Sensor de temperatura</a:t>
-            </a:r>
-          </a:p>
-          <a:p>
-            <a:pPr marL="342900" indent="-342900">
-              <a:buClr>
-                <a:srgbClr val="4772FF"/>
-              </a:buClr>
-              <a:buSzPct val="80000"/>
-              <a:buFont typeface="Wingdings" panose="05000000000000000000" pitchFamily="2" charset="2"/>
-              <a:buChar char="ü"/>
-            </a:pPr>
-            <a:endParaRPr lang="pt-BR" sz="2400" dirty="0">
-              <a:latin typeface="Bariol Bold" panose="02000506040000020003" pitchFamily="2" charset="0"/>
-            </a:endParaRPr>
-          </a:p>
-          <a:p>
-            <a:pPr marL="342900" indent="-342900">
-              <a:buClr>
-                <a:srgbClr val="4772FF"/>
-              </a:buClr>
-              <a:buSzPct val="80000"/>
-              <a:buFont typeface="Wingdings" panose="05000000000000000000" pitchFamily="2" charset="2"/>
-              <a:buChar char="ü"/>
-            </a:pPr>
-            <a:r>
-              <a:rPr lang="pt-BR" sz="2400" dirty="0">
-                <a:latin typeface="Bariol Bold" panose="02000506040000020003" pitchFamily="2" charset="0"/>
-              </a:rPr>
-              <a:t>Site Institucional</a:t>
-            </a:r>
-          </a:p>
-          <a:p>
-            <a:pPr marL="342900" indent="-342900">
-              <a:buClr>
-                <a:srgbClr val="4772FF"/>
-              </a:buClr>
-              <a:buSzPct val="80000"/>
-              <a:buFont typeface="Wingdings" panose="05000000000000000000" pitchFamily="2" charset="2"/>
-              <a:buChar char="ü"/>
-            </a:pPr>
-            <a:endParaRPr lang="pt-BR" sz="2400" dirty="0">
-              <a:latin typeface="Bariol Bold" panose="02000506040000020003" pitchFamily="2" charset="0"/>
-            </a:endParaRPr>
-          </a:p>
-          <a:p>
-            <a:pPr marL="342900" indent="-342900">
-              <a:buClr>
-                <a:srgbClr val="4772FF"/>
-              </a:buClr>
-              <a:buSzPct val="80000"/>
-              <a:buFont typeface="Wingdings" panose="05000000000000000000" pitchFamily="2" charset="2"/>
-              <a:buChar char="ü"/>
-            </a:pPr>
-            <a:r>
-              <a:rPr lang="pt-BR" sz="2400" dirty="0">
-                <a:latin typeface="Bariol Bold" panose="02000506040000020003" pitchFamily="2" charset="0"/>
-              </a:rPr>
-              <a:t>Sistema integrado ao Site</a:t>
-            </a:r>
-          </a:p>
-        </p:txBody>
-      </p:sp>
     </p:spTree>
     <p:extLst>
       <p:ext uri="{BB962C8B-B14F-4D97-AF65-F5344CB8AC3E}">
@@ -8093,7 +10668,7 @@
                             </p:stCondLst>
                             <p:childTnLst>
                               <p:par>
-                                <p:cTn id="13" presetID="10" presetClass="entr" presetSubtype="0" fill="hold" grpId="0" nodeType="afterEffect">
+                                <p:cTn id="13" presetID="10" presetClass="entr" presetSubtype="0" fill="hold" nodeType="afterEffect">
                                   <p:stCondLst>
                                     <p:cond delay="0"/>
                                   </p:stCondLst>
@@ -8101,58 +10676,6 @@
                                     <p:set>
                                       <p:cBhvr>
                                         <p:cTn id="14" dur="1" fill="hold">
-                                          <p:stCondLst>
-                                            <p:cond delay="0"/>
-                                          </p:stCondLst>
-                                        </p:cTn>
-                                        <p:tgtEl>
-                                          <p:spTgt spid="5">
-                                            <p:txEl>
-                                              <p:pRg st="4" end="4"/>
-                                            </p:txEl>
-                                          </p:spTgt>
-                                        </p:tgtEl>
-                                        <p:attrNameLst>
-                                          <p:attrName>style.visibility</p:attrName>
-                                        </p:attrNameLst>
-                                      </p:cBhvr>
-                                      <p:to>
-                                        <p:strVal val="visible"/>
-                                      </p:to>
-                                    </p:set>
-                                    <p:animEffect transition="in" filter="fade">
-                                      <p:cBhvr>
-                                        <p:cTn id="15" dur="500"/>
-                                        <p:tgtEl>
-                                          <p:spTgt spid="5">
-                                            <p:txEl>
-                                              <p:pRg st="4" end="4"/>
-                                            </p:txEl>
-                                          </p:spTgt>
-                                        </p:tgtEl>
-                                      </p:cBhvr>
-                                    </p:animEffect>
-                                  </p:childTnLst>
-                                </p:cTn>
-                              </p:par>
-                            </p:childTnLst>
-                          </p:cTn>
-                        </p:par>
-                        <p:par>
-                          <p:cTn id="16" fill="hold">
-                            <p:stCondLst>
-                              <p:cond delay="1500"/>
-                            </p:stCondLst>
-                            <p:childTnLst>
-                              <p:par>
-                                <p:cTn id="17" presetID="10" presetClass="entr" presetSubtype="0" fill="hold" nodeType="afterEffect">
-                                  <p:stCondLst>
-                                    <p:cond delay="0"/>
-                                  </p:stCondLst>
-                                  <p:childTnLst>
-                                    <p:set>
-                                      <p:cBhvr>
-                                        <p:cTn id="18" dur="1" fill="hold">
                                           <p:stCondLst>
                                             <p:cond delay="0"/>
                                           </p:stCondLst>
@@ -8170,7 +10693,7 @@
                                     </p:set>
                                     <p:animEffect transition="in" filter="fade">
                                       <p:cBhvr>
-                                        <p:cTn id="19" dur="500"/>
+                                        <p:cTn id="15" dur="500"/>
                                         <p:tgtEl>
                                           <p:spTgt spid="6"/>
                                         </p:tgtEl>
@@ -8209,181 +10732,6 @@
     <p:bldLst>
       <p:bldP spid="5" grpId="0" uiExpand="1" build="allAtOnce"/>
     </p:bldLst>
-  </p:timing>
-</p:sld>
-</file>
-
-<file path=ppt/slides/slide9.xml><?xml version="1.0" encoding="utf-8"?>
-<p:sld xmlns:a="http://schemas.openxmlformats.org/drawingml/2006/main" xmlns:r="http://schemas.openxmlformats.org/officeDocument/2006/relationships" xmlns:p="http://schemas.openxmlformats.org/presentationml/2006/main">
-  <p:cSld>
-    <p:spTree>
-      <p:nvGrpSpPr>
-        <p:cNvPr id="1" name=""/>
-        <p:cNvGrpSpPr/>
-        <p:nvPr/>
-      </p:nvGrpSpPr>
-      <p:grpSpPr>
-        <a:xfrm>
-          <a:off x="0" y="0"/>
-          <a:ext cx="0" cy="0"/>
-          <a:chOff x="0" y="0"/>
-          <a:chExt cx="0" cy="0"/>
-        </a:xfrm>
-      </p:grpSpPr>
-      <p:sp>
-        <p:nvSpPr>
-          <p:cNvPr id="2" name="Título 1">
-            <a:extLst>
-              <a:ext uri="{FF2B5EF4-FFF2-40B4-BE49-F238E27FC236}">
-                <a16:creationId xmlns:a16="http://schemas.microsoft.com/office/drawing/2014/main" id="{99F76FBE-1BC2-4EE6-B90A-22263BF7BDCD}"/>
-              </a:ext>
-            </a:extLst>
-          </p:cNvPr>
-          <p:cNvSpPr>
-            <a:spLocks noGrp="1"/>
-          </p:cNvSpPr>
-          <p:nvPr>
-            <p:ph type="title"/>
-          </p:nvPr>
-        </p:nvSpPr>
-        <p:spPr>
-          <a:xfrm>
-            <a:off x="0" y="1433807"/>
-            <a:ext cx="12192000" cy="1325563"/>
-          </a:xfrm>
-        </p:spPr>
-        <p:txBody>
-          <a:bodyPr/>
-          <a:lstStyle/>
-          <a:p>
-            <a:pPr algn="ctr"/>
-            <a:r>
-              <a:rPr lang="pt-BR" dirty="0">
-                <a:solidFill>
-                  <a:schemeClr val="tx1">
-                    <a:lumMod val="75000"/>
-                    <a:lumOff val="25000"/>
-                  </a:schemeClr>
-                </a:solidFill>
-                <a:latin typeface="Bariol Bold" panose="02000506040000020003" pitchFamily="2" charset="0"/>
-              </a:rPr>
-              <a:t>Protótipo do </a:t>
-            </a:r>
-            <a:r>
-              <a:rPr lang="pt-BR" dirty="0" smtClean="0">
-                <a:solidFill>
-                  <a:schemeClr val="tx1">
-                    <a:lumMod val="75000"/>
-                    <a:lumOff val="25000"/>
-                  </a:schemeClr>
-                </a:solidFill>
-                <a:latin typeface="Bariol Bold" panose="02000506040000020003" pitchFamily="2" charset="0"/>
-              </a:rPr>
-              <a:t>Site / Simulador Financeiro</a:t>
-            </a:r>
-            <a:endParaRPr lang="pt-BR" dirty="0">
-              <a:solidFill>
-                <a:schemeClr val="tx1">
-                  <a:lumMod val="75000"/>
-                  <a:lumOff val="25000"/>
-                </a:schemeClr>
-              </a:solidFill>
-              <a:latin typeface="Bariol Bold" panose="02000506040000020003" pitchFamily="2" charset="0"/>
-            </a:endParaRPr>
-          </a:p>
-        </p:txBody>
-      </p:sp>
-      <p:pic>
-        <p:nvPicPr>
-          <p:cNvPr id="3" name="Imagem 2" descr="Uma imagem contendo texto, desenho&#10;&#10;Descrição gerada automaticamente">
-            <a:extLst>
-              <a:ext uri="{FF2B5EF4-FFF2-40B4-BE49-F238E27FC236}">
-                <a16:creationId xmlns:a16="http://schemas.microsoft.com/office/drawing/2014/main" id="{33CEE295-8B68-4E72-8E77-548A33B7E7BB}"/>
-              </a:ext>
-            </a:extLst>
-          </p:cNvPr>
-          <p:cNvPicPr>
-            <a:picLocks noChangeAspect="1"/>
-          </p:cNvPicPr>
-          <p:nvPr/>
-        </p:nvPicPr>
-        <p:blipFill>
-          <a:blip r:embed="rId2" cstate="hqprint">
-            <a:extLst>
-              <a:ext uri="{28A0092B-C50C-407E-A947-70E740481C1C}">
-                <a14:useLocalDpi xmlns:a14="http://schemas.microsoft.com/office/drawing/2010/main" val="0"/>
-              </a:ext>
-            </a:extLst>
-          </a:blip>
-          <a:stretch>
-            <a:fillRect/>
-          </a:stretch>
-        </p:blipFill>
-        <p:spPr>
-          <a:xfrm>
-            <a:off x="11371740" y="365125"/>
-            <a:ext cx="599846" cy="535577"/>
-          </a:xfrm>
-          <a:prstGeom prst="rect">
-            <a:avLst/>
-          </a:prstGeom>
-        </p:spPr>
-      </p:pic>
-      <p:pic>
-        <p:nvPicPr>
-          <p:cNvPr id="5" name="Imagem 4" descr="Uma imagem contendo computador&#10;&#10;Descrição gerada automaticamente">
-            <a:extLst>
-              <a:ext uri="{FF2B5EF4-FFF2-40B4-BE49-F238E27FC236}">
-                <a16:creationId xmlns:a16="http://schemas.microsoft.com/office/drawing/2014/main" id="{83C4BF57-CA9B-4FB0-826A-3CF89B791B0E}"/>
-              </a:ext>
-            </a:extLst>
-          </p:cNvPr>
-          <p:cNvPicPr>
-            <a:picLocks noChangeAspect="1"/>
-          </p:cNvPicPr>
-          <p:nvPr/>
-        </p:nvPicPr>
-        <p:blipFill>
-          <a:blip r:embed="rId3">
-            <a:extLst>
-              <a:ext uri="{28A0092B-C50C-407E-A947-70E740481C1C}">
-                <a14:useLocalDpi xmlns:a14="http://schemas.microsoft.com/office/drawing/2010/main" val="0"/>
-              </a:ext>
-            </a:extLst>
-          </a:blip>
-          <a:stretch>
-            <a:fillRect/>
-          </a:stretch>
-        </p:blipFill>
-        <p:spPr>
-          <a:xfrm>
-            <a:off x="2773007" y="2759370"/>
-            <a:ext cx="6645983" cy="3931007"/>
-          </a:xfrm>
-          <a:prstGeom prst="rect">
-            <a:avLst/>
-          </a:prstGeom>
-        </p:spPr>
-      </p:pic>
-    </p:spTree>
-    <p:extLst>
-      <p:ext uri="{BB962C8B-B14F-4D97-AF65-F5344CB8AC3E}">
-        <p14:creationId xmlns:p14="http://schemas.microsoft.com/office/powerpoint/2010/main" val="2246586275"/>
-      </p:ext>
-    </p:extLst>
-  </p:cSld>
-  <p:clrMapOvr>
-    <a:masterClrMapping/>
-  </p:clrMapOvr>
-  <p:transition>
-    <p:fade/>
-  </p:transition>
-  <p:timing>
-    <p:tnLst>
-      <p:par>
-        <p:cTn id="1" dur="indefinite" restart="never" nodeType="tmRoot"/>
-      </p:par>
-    </p:tnLst>
   </p:timing>
 </p:sld>
 </file>

--- a/Documentação/slide-synergy.pptx
+++ b/Documentação/slide-synergy.pptx
@@ -17,11 +17,11 @@
     <p:sldId id="269" r:id="rId8"/>
     <p:sldId id="270" r:id="rId9"/>
     <p:sldId id="261" r:id="rId10"/>
-    <p:sldId id="262" r:id="rId11"/>
-    <p:sldId id="271" r:id="rId12"/>
-    <p:sldId id="264" r:id="rId13"/>
-    <p:sldId id="265" r:id="rId14"/>
-    <p:sldId id="266" r:id="rId15"/>
+    <p:sldId id="266" r:id="rId11"/>
+    <p:sldId id="262" r:id="rId12"/>
+    <p:sldId id="271" r:id="rId13"/>
+    <p:sldId id="264" r:id="rId14"/>
+    <p:sldId id="265" r:id="rId15"/>
   </p:sldIdLst>
   <p:sldSz cx="12192000" cy="6858000"/>
   <p:notesSz cx="6858000" cy="9144000"/>
@@ -210,7 +210,7 @@
           <a:p>
             <a:fld id="{655F7DB7-5B35-44EF-86DD-30F04B6260EF}" type="datetimeFigureOut">
               <a:rPr lang="pt-BR" smtClean="0"/>
-              <a:t>21/04/2020</a:t>
+              <a:t>23/04/2020</a:t>
             </a:fld>
             <a:endParaRPr lang="pt-BR"/>
           </a:p>
@@ -624,7 +624,7 @@
           <a:p>
             <a:fld id="{15B003F1-72A3-4565-B369-F67C067E940D}" type="datetimeFigureOut">
               <a:rPr lang="pt-BR" smtClean="0"/>
-              <a:t>21/04/2020</a:t>
+              <a:t>23/04/2020</a:t>
             </a:fld>
             <a:endParaRPr lang="pt-BR"/>
           </a:p>
@@ -825,7 +825,7 @@
           <a:p>
             <a:fld id="{15B003F1-72A3-4565-B369-F67C067E940D}" type="datetimeFigureOut">
               <a:rPr lang="pt-BR" smtClean="0"/>
-              <a:t>21/04/2020</a:t>
+              <a:t>23/04/2020</a:t>
             </a:fld>
             <a:endParaRPr lang="pt-BR"/>
           </a:p>
@@ -1036,7 +1036,7 @@
           <a:p>
             <a:fld id="{15B003F1-72A3-4565-B369-F67C067E940D}" type="datetimeFigureOut">
               <a:rPr lang="pt-BR" smtClean="0"/>
-              <a:t>21/04/2020</a:t>
+              <a:t>23/04/2020</a:t>
             </a:fld>
             <a:endParaRPr lang="pt-BR"/>
           </a:p>
@@ -1237,7 +1237,7 @@
           <a:p>
             <a:fld id="{15B003F1-72A3-4565-B369-F67C067E940D}" type="datetimeFigureOut">
               <a:rPr lang="pt-BR" smtClean="0"/>
-              <a:t>21/04/2020</a:t>
+              <a:t>23/04/2020</a:t>
             </a:fld>
             <a:endParaRPr lang="pt-BR"/>
           </a:p>
@@ -1515,7 +1515,7 @@
           <a:p>
             <a:fld id="{15B003F1-72A3-4565-B369-F67C067E940D}" type="datetimeFigureOut">
               <a:rPr lang="pt-BR" smtClean="0"/>
-              <a:t>21/04/2020</a:t>
+              <a:t>23/04/2020</a:t>
             </a:fld>
             <a:endParaRPr lang="pt-BR"/>
           </a:p>
@@ -1783,7 +1783,7 @@
           <a:p>
             <a:fld id="{15B003F1-72A3-4565-B369-F67C067E940D}" type="datetimeFigureOut">
               <a:rPr lang="pt-BR" smtClean="0"/>
-              <a:t>21/04/2020</a:t>
+              <a:t>23/04/2020</a:t>
             </a:fld>
             <a:endParaRPr lang="pt-BR"/>
           </a:p>
@@ -2198,7 +2198,7 @@
           <a:p>
             <a:fld id="{15B003F1-72A3-4565-B369-F67C067E940D}" type="datetimeFigureOut">
               <a:rPr lang="pt-BR" smtClean="0"/>
-              <a:t>21/04/2020</a:t>
+              <a:t>23/04/2020</a:t>
             </a:fld>
             <a:endParaRPr lang="pt-BR"/>
           </a:p>
@@ -2342,7 +2342,7 @@
           <a:p>
             <a:fld id="{15B003F1-72A3-4565-B369-F67C067E940D}" type="datetimeFigureOut">
               <a:rPr lang="pt-BR" smtClean="0"/>
-              <a:t>21/04/2020</a:t>
+              <a:t>23/04/2020</a:t>
             </a:fld>
             <a:endParaRPr lang="pt-BR"/>
           </a:p>
@@ -2458,7 +2458,7 @@
           <a:p>
             <a:fld id="{15B003F1-72A3-4565-B369-F67C067E940D}" type="datetimeFigureOut">
               <a:rPr lang="pt-BR" smtClean="0"/>
-              <a:t>21/04/2020</a:t>
+              <a:t>23/04/2020</a:t>
             </a:fld>
             <a:endParaRPr lang="pt-BR"/>
           </a:p>
@@ -2772,7 +2772,7 @@
           <a:p>
             <a:fld id="{15B003F1-72A3-4565-B369-F67C067E940D}" type="datetimeFigureOut">
               <a:rPr lang="pt-BR" smtClean="0"/>
-              <a:t>21/04/2020</a:t>
+              <a:t>23/04/2020</a:t>
             </a:fld>
             <a:endParaRPr lang="pt-BR"/>
           </a:p>
@@ -3063,7 +3063,7 @@
           <a:p>
             <a:fld id="{15B003F1-72A3-4565-B369-F67C067E940D}" type="datetimeFigureOut">
               <a:rPr lang="pt-BR" smtClean="0"/>
-              <a:t>21/04/2020</a:t>
+              <a:t>23/04/2020</a:t>
             </a:fld>
             <a:endParaRPr lang="pt-BR"/>
           </a:p>
@@ -3307,7 +3307,7 @@
           <a:p>
             <a:fld id="{15B003F1-72A3-4565-B369-F67C067E940D}" type="datetimeFigureOut">
               <a:rPr lang="pt-BR" smtClean="0"/>
-              <a:t>21/04/2020</a:t>
+              <a:t>23/04/2020</a:t>
             </a:fld>
             <a:endParaRPr lang="pt-BR"/>
           </a:p>
@@ -3940,6 +3940,357 @@
 <file path=ppt/slides/slide10.xml><?xml version="1.0" encoding="utf-8"?>
 <p:sld xmlns:a="http://schemas.openxmlformats.org/drawingml/2006/main" xmlns:r="http://schemas.openxmlformats.org/officeDocument/2006/relationships" xmlns:p="http://schemas.openxmlformats.org/presentationml/2006/main">
   <p:cSld>
+    <p:bg>
+      <p:bgPr>
+        <a:solidFill>
+          <a:schemeClr val="bg1"/>
+        </a:solidFill>
+        <a:effectLst/>
+      </p:bgPr>
+    </p:bg>
+    <p:spTree>
+      <p:nvGrpSpPr>
+        <p:cNvPr id="1" name=""/>
+        <p:cNvGrpSpPr/>
+        <p:nvPr/>
+      </p:nvGrpSpPr>
+      <p:grpSpPr>
+        <a:xfrm>
+          <a:off x="0" y="0"/>
+          <a:ext cx="0" cy="0"/>
+          <a:chOff x="0" y="0"/>
+          <a:chExt cx="0" cy="0"/>
+        </a:xfrm>
+      </p:grpSpPr>
+      <p:pic>
+        <p:nvPicPr>
+          <p:cNvPr id="6" name="Imagem 5" descr="Uma imagem contendo computador&#10;&#10;Descrição gerada automaticamente">
+            <a:extLst>
+              <a:ext uri="{FF2B5EF4-FFF2-40B4-BE49-F238E27FC236}">
+                <a16:creationId xmlns:a16="http://schemas.microsoft.com/office/drawing/2014/main" id="{710AF17B-CB29-49D9-A312-DC9EB90E7151}"/>
+              </a:ext>
+            </a:extLst>
+          </p:cNvPr>
+          <p:cNvPicPr>
+            <a:picLocks noChangeAspect="1"/>
+          </p:cNvPicPr>
+          <p:nvPr/>
+        </p:nvPicPr>
+        <p:blipFill rotWithShape="1">
+          <a:blip r:embed="rId2">
+            <a:extLst>
+              <a:ext uri="{28A0092B-C50C-407E-A947-70E740481C1C}">
+                <a14:useLocalDpi xmlns:a14="http://schemas.microsoft.com/office/drawing/2010/main" val="0"/>
+              </a:ext>
+            </a:extLst>
+          </a:blip>
+          <a:srcRect/>
+          <a:stretch/>
+        </p:blipFill>
+        <p:spPr>
+          <a:xfrm>
+            <a:off x="20" y="10"/>
+            <a:ext cx="12191980" cy="6857990"/>
+          </a:xfrm>
+          <a:prstGeom prst="rect">
+            <a:avLst/>
+          </a:prstGeom>
+        </p:spPr>
+      </p:pic>
+      <p:sp>
+        <p:nvSpPr>
+          <p:cNvPr id="12" name="Rectangle 11">
+            <a:extLst>
+              <a:ext uri="{FF2B5EF4-FFF2-40B4-BE49-F238E27FC236}">
+                <a16:creationId xmlns:a16="http://schemas.microsoft.com/office/drawing/2014/main" id="{37C89E4B-3C9F-44B9-8B86-D9E3D112D8EC}"/>
+              </a:ext>
+              <a:ext uri="{C183D7F6-B498-43B3-948B-1728B52AA6E4}">
+                <adec:decorative xmlns:adec="http://schemas.microsoft.com/office/drawing/2017/decorative" val="1"/>
+              </a:ext>
+            </a:extLst>
+          </p:cNvPr>
+          <p:cNvSpPr>
+            <a:spLocks noGrp="1" noRot="1" noChangeAspect="1" noMove="1" noResize="1" noEditPoints="1" noAdjustHandles="1" noChangeArrowheads="1" noChangeShapeType="1" noTextEdit="1"/>
+          </p:cNvSpPr>
+          <p:nvPr>
+            <p:extLst>
+              <p:ext uri="{386F3935-93C4-4BCD-93E2-E3B085C9AB24}">
+                <p16:designElem xmlns:p16="http://schemas.microsoft.com/office/powerpoint/2015/main" val="1"/>
+              </p:ext>
+            </p:extLst>
+          </p:nvPr>
+        </p:nvSpPr>
+        <p:spPr>
+          <a:xfrm>
+            <a:off x="0" y="5320142"/>
+            <a:ext cx="12192000" cy="736551"/>
+          </a:xfrm>
+          <a:prstGeom prst="rect">
+            <a:avLst/>
+          </a:prstGeom>
+          <a:solidFill>
+            <a:schemeClr val="bg1">
+              <a:alpha val="93000"/>
+            </a:schemeClr>
+          </a:solidFill>
+          <a:ln>
+            <a:noFill/>
+          </a:ln>
+        </p:spPr>
+        <p:style>
+          <a:lnRef idx="2">
+            <a:schemeClr val="accent1">
+              <a:shade val="50000"/>
+            </a:schemeClr>
+          </a:lnRef>
+          <a:fillRef idx="1">
+            <a:schemeClr val="accent1"/>
+          </a:fillRef>
+          <a:effectRef idx="0">
+            <a:schemeClr val="accent1"/>
+          </a:effectRef>
+          <a:fontRef idx="minor">
+            <a:schemeClr val="lt1"/>
+          </a:fontRef>
+        </p:style>
+        <p:txBody>
+          <a:bodyPr rtlCol="0" anchor="ctr"/>
+          <a:lstStyle/>
+          <a:p>
+            <a:pPr algn="ctr"/>
+            <a:endParaRPr lang="en-US"/>
+          </a:p>
+        </p:txBody>
+      </p:sp>
+      <p:sp>
+        <p:nvSpPr>
+          <p:cNvPr id="7" name="Título 1">
+            <a:extLst>
+              <a:ext uri="{FF2B5EF4-FFF2-40B4-BE49-F238E27FC236}">
+                <a16:creationId xmlns:a16="http://schemas.microsoft.com/office/drawing/2014/main" id="{99F76FBE-1BC2-4EE6-B90A-22263BF7BDCD}"/>
+              </a:ext>
+            </a:extLst>
+          </p:cNvPr>
+          <p:cNvSpPr txBox="1">
+            <a:spLocks/>
+          </p:cNvSpPr>
+          <p:nvPr/>
+        </p:nvSpPr>
+        <p:spPr>
+          <a:xfrm>
+            <a:off x="523875" y="5317240"/>
+            <a:ext cx="11210925" cy="744836"/>
+          </a:xfrm>
+          <a:prstGeom prst="rect">
+            <a:avLst/>
+          </a:prstGeom>
+        </p:spPr>
+        <p:txBody>
+          <a:bodyPr vert="horz" lIns="91440" tIns="45720" rIns="91440" bIns="45720" rtlCol="0" anchor="ctr">
+            <a:normAutofit/>
+          </a:bodyPr>
+          <a:lstStyle>
+            <a:lvl1pPr algn="l" defTabSz="914400" rtl="0" eaLnBrk="1" latinLnBrk="0" hangingPunct="1">
+              <a:lnSpc>
+                <a:spcPct val="90000"/>
+              </a:lnSpc>
+              <a:spcBef>
+                <a:spcPct val="0"/>
+              </a:spcBef>
+              <a:buNone/>
+              <a:defRPr sz="4400" kern="1200">
+                <a:solidFill>
+                  <a:schemeClr val="tx1"/>
+                </a:solidFill>
+                <a:latin typeface="+mj-lt"/>
+                <a:ea typeface="+mj-ea"/>
+                <a:cs typeface="+mj-cs"/>
+              </a:defRPr>
+            </a:lvl1pPr>
+          </a:lstStyle>
+          <a:p>
+            <a:pPr algn="ctr">
+              <a:spcAft>
+                <a:spcPts val="600"/>
+              </a:spcAft>
+            </a:pPr>
+            <a:r>
+              <a:rPr lang="en-US" sz="3600">
+                <a:solidFill>
+                  <a:schemeClr val="tx1">
+                    <a:lumMod val="85000"/>
+                    <a:lumOff val="15000"/>
+                  </a:schemeClr>
+                </a:solidFill>
+              </a:rPr>
+              <a:t>Ferramentas de gestão do projeto</a:t>
+            </a:r>
+          </a:p>
+        </p:txBody>
+      </p:sp>
+      <p:cxnSp>
+        <p:nvCxnSpPr>
+          <p:cNvPr id="14" name="Straight Connector 13">
+            <a:extLst>
+              <a:ext uri="{FF2B5EF4-FFF2-40B4-BE49-F238E27FC236}">
+                <a16:creationId xmlns:a16="http://schemas.microsoft.com/office/drawing/2014/main" id="{AA2EAA10-076F-46BD-8F0F-B9A2FB77A85C}"/>
+              </a:ext>
+              <a:ext uri="{C183D7F6-B498-43B3-948B-1728B52AA6E4}">
+                <adec:decorative xmlns:adec="http://schemas.microsoft.com/office/drawing/2017/decorative" val="1"/>
+              </a:ext>
+            </a:extLst>
+          </p:cNvPr>
+          <p:cNvCxnSpPr>
+            <a:cxnSpLocks noGrp="1" noRot="1" noChangeAspect="1" noMove="1" noResize="1" noEditPoints="1" noAdjustHandles="1" noChangeArrowheads="1" noChangeShapeType="1"/>
+          </p:cNvCxnSpPr>
+          <p:nvPr>
+            <p:extLst>
+              <p:ext uri="{386F3935-93C4-4BCD-93E2-E3B085C9AB24}">
+                <p16:designElem xmlns:p16="http://schemas.microsoft.com/office/powerpoint/2015/main" val="1"/>
+              </p:ext>
+            </p:extLst>
+          </p:nvPr>
+        </p:nvCxnSpPr>
+        <p:spPr>
+          <a:xfrm>
+            <a:off x="0" y="5241983"/>
+            <a:ext cx="12192000" cy="0"/>
+          </a:xfrm>
+          <a:prstGeom prst="line">
+            <a:avLst/>
+          </a:prstGeom>
+          <a:ln w="41275">
+            <a:solidFill>
+              <a:schemeClr val="bg1">
+                <a:alpha val="90000"/>
+              </a:schemeClr>
+            </a:solidFill>
+          </a:ln>
+        </p:spPr>
+        <p:style>
+          <a:lnRef idx="1">
+            <a:schemeClr val="accent1"/>
+          </a:lnRef>
+          <a:fillRef idx="0">
+            <a:schemeClr val="accent1"/>
+          </a:fillRef>
+          <a:effectRef idx="0">
+            <a:schemeClr val="accent1"/>
+          </a:effectRef>
+          <a:fontRef idx="minor">
+            <a:schemeClr val="tx1"/>
+          </a:fontRef>
+        </p:style>
+      </p:cxnSp>
+      <p:cxnSp>
+        <p:nvCxnSpPr>
+          <p:cNvPr id="16" name="Straight Connector 15">
+            <a:extLst>
+              <a:ext uri="{FF2B5EF4-FFF2-40B4-BE49-F238E27FC236}">
+                <a16:creationId xmlns:a16="http://schemas.microsoft.com/office/drawing/2014/main" id="{D891E407-403B-4764-86C9-33A56D3BCAA3}"/>
+              </a:ext>
+              <a:ext uri="{C183D7F6-B498-43B3-948B-1728B52AA6E4}">
+                <adec:decorative xmlns:adec="http://schemas.microsoft.com/office/drawing/2017/decorative" val="1"/>
+              </a:ext>
+            </a:extLst>
+          </p:cNvPr>
+          <p:cNvCxnSpPr>
+            <a:cxnSpLocks noGrp="1" noRot="1" noChangeAspect="1" noMove="1" noResize="1" noEditPoints="1" noAdjustHandles="1" noChangeArrowheads="1" noChangeShapeType="1"/>
+          </p:cNvCxnSpPr>
+          <p:nvPr>
+            <p:extLst>
+              <p:ext uri="{386F3935-93C4-4BCD-93E2-E3B085C9AB24}">
+                <p16:designElem xmlns:p16="http://schemas.microsoft.com/office/powerpoint/2015/main" val="1"/>
+              </p:ext>
+            </p:extLst>
+          </p:nvPr>
+        </p:nvCxnSpPr>
+        <p:spPr>
+          <a:xfrm>
+            <a:off x="0" y="6134852"/>
+            <a:ext cx="12192000" cy="0"/>
+          </a:xfrm>
+          <a:prstGeom prst="line">
+            <a:avLst/>
+          </a:prstGeom>
+          <a:ln w="41275">
+            <a:solidFill>
+              <a:schemeClr val="bg1">
+                <a:alpha val="90000"/>
+              </a:schemeClr>
+            </a:solidFill>
+          </a:ln>
+        </p:spPr>
+        <p:style>
+          <a:lnRef idx="1">
+            <a:schemeClr val="accent1"/>
+          </a:lnRef>
+          <a:fillRef idx="0">
+            <a:schemeClr val="accent1"/>
+          </a:fillRef>
+          <a:effectRef idx="0">
+            <a:schemeClr val="accent1"/>
+          </a:effectRef>
+          <a:fontRef idx="minor">
+            <a:schemeClr val="tx1"/>
+          </a:fontRef>
+        </p:style>
+      </p:cxnSp>
+      <p:pic>
+        <p:nvPicPr>
+          <p:cNvPr id="3" name="Imagem 2" descr="Uma imagem contendo texto, desenho&#10;&#10;Descrição gerada automaticamente">
+            <a:extLst>
+              <a:ext uri="{FF2B5EF4-FFF2-40B4-BE49-F238E27FC236}">
+                <a16:creationId xmlns:a16="http://schemas.microsoft.com/office/drawing/2014/main" id="{6AECC232-D7AB-402E-90C7-3E1285C8879A}"/>
+              </a:ext>
+            </a:extLst>
+          </p:cNvPr>
+          <p:cNvPicPr>
+            <a:picLocks noChangeAspect="1"/>
+          </p:cNvPicPr>
+          <p:nvPr/>
+        </p:nvPicPr>
+        <p:blipFill>
+          <a:blip r:embed="rId3" cstate="hqprint">
+            <a:extLst>
+              <a:ext uri="{28A0092B-C50C-407E-A947-70E740481C1C}">
+                <a14:useLocalDpi xmlns:a14="http://schemas.microsoft.com/office/drawing/2010/main" val="0"/>
+              </a:ext>
+            </a:extLst>
+          </a:blip>
+          <a:stretch>
+            <a:fillRect/>
+          </a:stretch>
+        </p:blipFill>
+        <p:spPr>
+          <a:xfrm>
+            <a:off x="11371740" y="365125"/>
+            <a:ext cx="599846" cy="535577"/>
+          </a:xfrm>
+          <a:prstGeom prst="rect">
+            <a:avLst/>
+          </a:prstGeom>
+        </p:spPr>
+      </p:pic>
+    </p:spTree>
+    <p:extLst>
+      <p:ext uri="{BB962C8B-B14F-4D97-AF65-F5344CB8AC3E}">
+        <p14:creationId xmlns:p14="http://schemas.microsoft.com/office/powerpoint/2010/main" val="65567604"/>
+      </p:ext>
+    </p:extLst>
+  </p:cSld>
+  <p:clrMapOvr>
+    <a:masterClrMapping/>
+  </p:clrMapOvr>
+  <p:transition>
+    <p:fade/>
+  </p:transition>
+</p:sld>
+</file>
+
+<file path=ppt/slides/slide11.xml><?xml version="1.0" encoding="utf-8"?>
+<p:sld xmlns:a="http://schemas.openxmlformats.org/drawingml/2006/main" xmlns:r="http://schemas.openxmlformats.org/officeDocument/2006/relationships" xmlns:p="http://schemas.openxmlformats.org/presentationml/2006/main">
+  <p:cSld>
     <p:spTree>
       <p:nvGrpSpPr>
         <p:cNvPr id="1" name=""/>
@@ -4084,7 +4435,7 @@
 </p:sld>
 </file>
 
-<file path=ppt/slides/slide11.xml><?xml version="1.0" encoding="utf-8"?>
+<file path=ppt/slides/slide12.xml><?xml version="1.0" encoding="utf-8"?>
 <p:sld xmlns:a="http://schemas.openxmlformats.org/drawingml/2006/main" xmlns:r="http://schemas.openxmlformats.org/officeDocument/2006/relationships" xmlns:p="http://schemas.openxmlformats.org/presentationml/2006/main">
   <p:cSld>
     <p:bg>
@@ -4436,7 +4787,7 @@
 </p:sld>
 </file>
 
-<file path=ppt/slides/slide12.xml><?xml version="1.0" encoding="utf-8"?>
+<file path=ppt/slides/slide13.xml><?xml version="1.0" encoding="utf-8"?>
 <p:sld xmlns:a="http://schemas.openxmlformats.org/drawingml/2006/main" xmlns:r="http://schemas.openxmlformats.org/officeDocument/2006/relationships" xmlns:p="http://schemas.openxmlformats.org/presentationml/2006/main">
   <p:cSld>
     <p:spTree>
@@ -4613,7 +4964,7 @@
 </p:sld>
 </file>
 
-<file path=ppt/slides/slide13.xml><?xml version="1.0" encoding="utf-8"?>
+<file path=ppt/slides/slide14.xml><?xml version="1.0" encoding="utf-8"?>
 <p:sld xmlns:a="http://schemas.openxmlformats.org/drawingml/2006/main" xmlns:r="http://schemas.openxmlformats.org/officeDocument/2006/relationships" xmlns:p="http://schemas.openxmlformats.org/presentationml/2006/main">
   <p:cSld>
     <p:bg>
@@ -4784,174 +5135,6 @@
     <p:extLst>
       <p:ext uri="{BB962C8B-B14F-4D97-AF65-F5344CB8AC3E}">
         <p14:creationId xmlns:p14="http://schemas.microsoft.com/office/powerpoint/2010/main" val="3564643130"/>
-      </p:ext>
-    </p:extLst>
-  </p:cSld>
-  <p:clrMapOvr>
-    <a:masterClrMapping/>
-  </p:clrMapOvr>
-  <p:transition>
-    <p:fade/>
-  </p:transition>
-</p:sld>
-</file>
-
-<file path=ppt/slides/slide14.xml><?xml version="1.0" encoding="utf-8"?>
-<p:sld xmlns:a="http://schemas.openxmlformats.org/drawingml/2006/main" xmlns:r="http://schemas.openxmlformats.org/officeDocument/2006/relationships" xmlns:p="http://schemas.openxmlformats.org/presentationml/2006/main">
-  <p:cSld>
-    <p:spTree>
-      <p:nvGrpSpPr>
-        <p:cNvPr id="1" name=""/>
-        <p:cNvGrpSpPr/>
-        <p:nvPr/>
-      </p:nvGrpSpPr>
-      <p:grpSpPr>
-        <a:xfrm>
-          <a:off x="0" y="0"/>
-          <a:ext cx="0" cy="0"/>
-          <a:chOff x="0" y="0"/>
-          <a:chExt cx="0" cy="0"/>
-        </a:xfrm>
-      </p:grpSpPr>
-      <p:pic>
-        <p:nvPicPr>
-          <p:cNvPr id="3" name="Imagem 2" descr="Uma imagem contendo texto, desenho&#10;&#10;Descrição gerada automaticamente">
-            <a:extLst>
-              <a:ext uri="{FF2B5EF4-FFF2-40B4-BE49-F238E27FC236}">
-                <a16:creationId xmlns:a16="http://schemas.microsoft.com/office/drawing/2014/main" id="{6AECC232-D7AB-402E-90C7-3E1285C8879A}"/>
-              </a:ext>
-            </a:extLst>
-          </p:cNvPr>
-          <p:cNvPicPr>
-            <a:picLocks noChangeAspect="1"/>
-          </p:cNvPicPr>
-          <p:nvPr/>
-        </p:nvPicPr>
-        <p:blipFill>
-          <a:blip r:embed="rId2" cstate="hqprint">
-            <a:extLst>
-              <a:ext uri="{28A0092B-C50C-407E-A947-70E740481C1C}">
-                <a14:useLocalDpi xmlns:a14="http://schemas.microsoft.com/office/drawing/2010/main" val="0"/>
-              </a:ext>
-            </a:extLst>
-          </a:blip>
-          <a:stretch>
-            <a:fillRect/>
-          </a:stretch>
-        </p:blipFill>
-        <p:spPr>
-          <a:xfrm>
-            <a:off x="11371740" y="365125"/>
-            <a:ext cx="599846" cy="535577"/>
-          </a:xfrm>
-          <a:prstGeom prst="rect">
-            <a:avLst/>
-          </a:prstGeom>
-        </p:spPr>
-      </p:pic>
-      <p:pic>
-        <p:nvPicPr>
-          <p:cNvPr id="6" name="Imagem 5" descr="Uma imagem contendo computador&#10;&#10;Descrição gerada automaticamente">
-            <a:extLst>
-              <a:ext uri="{FF2B5EF4-FFF2-40B4-BE49-F238E27FC236}">
-                <a16:creationId xmlns:a16="http://schemas.microsoft.com/office/drawing/2014/main" id="{710AF17B-CB29-49D9-A312-DC9EB90E7151}"/>
-              </a:ext>
-            </a:extLst>
-          </p:cNvPr>
-          <p:cNvPicPr>
-            <a:picLocks noChangeAspect="1"/>
-          </p:cNvPicPr>
-          <p:nvPr/>
-        </p:nvPicPr>
-        <p:blipFill>
-          <a:blip r:embed="rId3">
-            <a:extLst>
-              <a:ext uri="{28A0092B-C50C-407E-A947-70E740481C1C}">
-                <a14:useLocalDpi xmlns:a14="http://schemas.microsoft.com/office/drawing/2010/main" val="0"/>
-              </a:ext>
-            </a:extLst>
-          </a:blip>
-          <a:stretch>
-            <a:fillRect/>
-          </a:stretch>
-        </p:blipFill>
-        <p:spPr>
-          <a:xfrm>
-            <a:off x="2663047" y="2537301"/>
-            <a:ext cx="6865904" cy="3854629"/>
-          </a:xfrm>
-          <a:prstGeom prst="rect">
-            <a:avLst/>
-          </a:prstGeom>
-        </p:spPr>
-      </p:pic>
-      <p:sp>
-        <p:nvSpPr>
-          <p:cNvPr id="7" name="Título 1">
-            <a:extLst>
-              <a:ext uri="{FF2B5EF4-FFF2-40B4-BE49-F238E27FC236}">
-                <a16:creationId xmlns:a16="http://schemas.microsoft.com/office/drawing/2014/main" id="{99F76FBE-1BC2-4EE6-B90A-22263BF7BDCD}"/>
-              </a:ext>
-            </a:extLst>
-          </p:cNvPr>
-          <p:cNvSpPr txBox="1">
-            <a:spLocks/>
-          </p:cNvSpPr>
-          <p:nvPr/>
-        </p:nvSpPr>
-        <p:spPr>
-          <a:xfrm>
-            <a:off x="838199" y="1433807"/>
-            <a:ext cx="10515600" cy="1325563"/>
-          </a:xfrm>
-          <a:prstGeom prst="rect">
-            <a:avLst/>
-          </a:prstGeom>
-        </p:spPr>
-        <p:txBody>
-          <a:bodyPr vert="horz" lIns="91440" tIns="45720" rIns="91440" bIns="45720" rtlCol="0" anchor="ctr">
-            <a:normAutofit/>
-          </a:bodyPr>
-          <a:lstStyle>
-            <a:lvl1pPr algn="l" defTabSz="914400" rtl="0" eaLnBrk="1" latinLnBrk="0" hangingPunct="1">
-              <a:lnSpc>
-                <a:spcPct val="90000"/>
-              </a:lnSpc>
-              <a:spcBef>
-                <a:spcPct val="0"/>
-              </a:spcBef>
-              <a:buNone/>
-              <a:defRPr sz="4400" kern="1200">
-                <a:solidFill>
-                  <a:schemeClr val="tx1"/>
-                </a:solidFill>
-                <a:latin typeface="+mj-lt"/>
-                <a:ea typeface="+mj-ea"/>
-                <a:cs typeface="+mj-cs"/>
-              </a:defRPr>
-            </a:lvl1pPr>
-          </a:lstStyle>
-          <a:p>
-            <a:pPr algn="ctr"/>
-            <a:r>
-              <a:rPr lang="pt-BR" dirty="0">
-                <a:solidFill>
-                  <a:schemeClr val="tx1">
-                    <a:lumMod val="75000"/>
-                    <a:lumOff val="25000"/>
-                  </a:schemeClr>
-                </a:solidFill>
-                <a:latin typeface="Bariol Bold" panose="02000506040000020003" pitchFamily="2" charset="0"/>
-              </a:rPr>
-              <a:t>Repositório no GitHub</a:t>
-            </a:r>
-          </a:p>
-        </p:txBody>
-      </p:sp>
-    </p:spTree>
-    <p:extLst>
-      <p:ext uri="{BB962C8B-B14F-4D97-AF65-F5344CB8AC3E}">
-        <p14:creationId xmlns:p14="http://schemas.microsoft.com/office/powerpoint/2010/main" val="65567604"/>
       </p:ext>
     </p:extLst>
   </p:cSld>

--- a/Documentação/slide-synergy.pptx
+++ b/Documentação/slide-synergy.pptx
@@ -128,6 +128,43 @@
 </p:presentation>
 </file>
 
+<file path=ppt/revisionInfo.xml><?xml version="1.0" encoding="utf-8"?>
+<p1510:revInfo xmlns:a="http://schemas.openxmlformats.org/drawingml/2006/main" xmlns:r="http://schemas.openxmlformats.org/officeDocument/2006/relationships" xmlns:p1510="http://schemas.microsoft.com/office/powerpoint/2015/10/main">
+  <p1510:revLst>
+    <p1510:client id="{60410696-5CC5-4378-B7D5-F21A4F4E8897}" v="107" dt="2020-04-23T16:14:11.214"/>
+  </p1510:revLst>
+</p1510:revInfo>
+</file>
+
+<file path=ppt/changesInfos/changesInfo1.xml><?xml version="1.0" encoding="utf-8"?>
+<pc:chgInfo xmlns:a="http://schemas.openxmlformats.org/drawingml/2006/main" xmlns:r="http://schemas.openxmlformats.org/officeDocument/2006/relationships" xmlns:ac="http://schemas.microsoft.com/office/drawing/2013/main/command" xmlns:pc="http://schemas.microsoft.com/office/powerpoint/2013/main/command">
+  <pc:docChgLst>
+    <pc:chgData name="julia marle" userId="450d1bbef5244860" providerId="LiveId" clId="{60410696-5CC5-4378-B7D5-F21A4F4E8897}"/>
+    <pc:docChg chg="modSld">
+      <pc:chgData name="julia marle" userId="450d1bbef5244860" providerId="LiveId" clId="{60410696-5CC5-4378-B7D5-F21A4F4E8897}" dt="2020-04-23T16:14:11.213" v="106" actId="20577"/>
+      <pc:docMkLst>
+        <pc:docMk/>
+      </pc:docMkLst>
+      <pc:sldChg chg="modSp modAnim">
+        <pc:chgData name="julia marle" userId="450d1bbef5244860" providerId="LiveId" clId="{60410696-5CC5-4378-B7D5-F21A4F4E8897}" dt="2020-04-23T16:14:11.213" v="106" actId="20577"/>
+        <pc:sldMkLst>
+          <pc:docMk/>
+          <pc:sldMk cId="1268792719" sldId="258"/>
+        </pc:sldMkLst>
+        <pc:spChg chg="mod">
+          <ac:chgData name="julia marle" userId="450d1bbef5244860" providerId="LiveId" clId="{60410696-5CC5-4378-B7D5-F21A4F4E8897}" dt="2020-04-23T16:14:11.213" v="106" actId="20577"/>
+          <ac:spMkLst>
+            <pc:docMk/>
+            <pc:sldMk cId="1268792719" sldId="258"/>
+            <ac:spMk id="6" creationId="{FE989C62-5914-45D9-B2FF-7FB8E76D6324}"/>
+          </ac:spMkLst>
+        </pc:spChg>
+      </pc:sldChg>
+    </pc:docChg>
+  </pc:docChgLst>
+</pc:chgInfo>
+</file>
+
 <file path=ppt/notesMasters/notesMaster1.xml><?xml version="1.0" encoding="utf-8"?>
 <p:notesMaster xmlns:a="http://schemas.openxmlformats.org/drawingml/2006/main" xmlns:r="http://schemas.openxmlformats.org/officeDocument/2006/relationships" xmlns:p="http://schemas.openxmlformats.org/presentationml/2006/main">
   <p:cSld>
@@ -210,7 +247,7 @@
           <a:p>
             <a:fld id="{655F7DB7-5B35-44EF-86DD-30F04B6260EF}" type="datetimeFigureOut">
               <a:rPr lang="pt-BR" smtClean="0"/>
-              <a:t>21/04/2020</a:t>
+              <a:t>23/04/2020</a:t>
             </a:fld>
             <a:endParaRPr lang="pt-BR"/>
           </a:p>
@@ -624,7 +661,7 @@
           <a:p>
             <a:fld id="{15B003F1-72A3-4565-B369-F67C067E940D}" type="datetimeFigureOut">
               <a:rPr lang="pt-BR" smtClean="0"/>
-              <a:t>21/04/2020</a:t>
+              <a:t>23/04/2020</a:t>
             </a:fld>
             <a:endParaRPr lang="pt-BR"/>
           </a:p>
@@ -825,7 +862,7 @@
           <a:p>
             <a:fld id="{15B003F1-72A3-4565-B369-F67C067E940D}" type="datetimeFigureOut">
               <a:rPr lang="pt-BR" smtClean="0"/>
-              <a:t>21/04/2020</a:t>
+              <a:t>23/04/2020</a:t>
             </a:fld>
             <a:endParaRPr lang="pt-BR"/>
           </a:p>
@@ -1036,7 +1073,7 @@
           <a:p>
             <a:fld id="{15B003F1-72A3-4565-B369-F67C067E940D}" type="datetimeFigureOut">
               <a:rPr lang="pt-BR" smtClean="0"/>
-              <a:t>21/04/2020</a:t>
+              <a:t>23/04/2020</a:t>
             </a:fld>
             <a:endParaRPr lang="pt-BR"/>
           </a:p>
@@ -1237,7 +1274,7 @@
           <a:p>
             <a:fld id="{15B003F1-72A3-4565-B369-F67C067E940D}" type="datetimeFigureOut">
               <a:rPr lang="pt-BR" smtClean="0"/>
-              <a:t>21/04/2020</a:t>
+              <a:t>23/04/2020</a:t>
             </a:fld>
             <a:endParaRPr lang="pt-BR"/>
           </a:p>
@@ -1515,7 +1552,7 @@
           <a:p>
             <a:fld id="{15B003F1-72A3-4565-B369-F67C067E940D}" type="datetimeFigureOut">
               <a:rPr lang="pt-BR" smtClean="0"/>
-              <a:t>21/04/2020</a:t>
+              <a:t>23/04/2020</a:t>
             </a:fld>
             <a:endParaRPr lang="pt-BR"/>
           </a:p>
@@ -1783,7 +1820,7 @@
           <a:p>
             <a:fld id="{15B003F1-72A3-4565-B369-F67C067E940D}" type="datetimeFigureOut">
               <a:rPr lang="pt-BR" smtClean="0"/>
-              <a:t>21/04/2020</a:t>
+              <a:t>23/04/2020</a:t>
             </a:fld>
             <a:endParaRPr lang="pt-BR"/>
           </a:p>
@@ -2198,7 +2235,7 @@
           <a:p>
             <a:fld id="{15B003F1-72A3-4565-B369-F67C067E940D}" type="datetimeFigureOut">
               <a:rPr lang="pt-BR" smtClean="0"/>
-              <a:t>21/04/2020</a:t>
+              <a:t>23/04/2020</a:t>
             </a:fld>
             <a:endParaRPr lang="pt-BR"/>
           </a:p>
@@ -2342,7 +2379,7 @@
           <a:p>
             <a:fld id="{15B003F1-72A3-4565-B369-F67C067E940D}" type="datetimeFigureOut">
               <a:rPr lang="pt-BR" smtClean="0"/>
-              <a:t>21/04/2020</a:t>
+              <a:t>23/04/2020</a:t>
             </a:fld>
             <a:endParaRPr lang="pt-BR"/>
           </a:p>
@@ -2458,7 +2495,7 @@
           <a:p>
             <a:fld id="{15B003F1-72A3-4565-B369-F67C067E940D}" type="datetimeFigureOut">
               <a:rPr lang="pt-BR" smtClean="0"/>
-              <a:t>21/04/2020</a:t>
+              <a:t>23/04/2020</a:t>
             </a:fld>
             <a:endParaRPr lang="pt-BR"/>
           </a:p>
@@ -2772,7 +2809,7 @@
           <a:p>
             <a:fld id="{15B003F1-72A3-4565-B369-F67C067E940D}" type="datetimeFigureOut">
               <a:rPr lang="pt-BR" smtClean="0"/>
-              <a:t>21/04/2020</a:t>
+              <a:t>23/04/2020</a:t>
             </a:fld>
             <a:endParaRPr lang="pt-BR"/>
           </a:p>
@@ -3063,7 +3100,7 @@
           <a:p>
             <a:fld id="{15B003F1-72A3-4565-B369-F67C067E940D}" type="datetimeFigureOut">
               <a:rPr lang="pt-BR" smtClean="0"/>
-              <a:t>21/04/2020</a:t>
+              <a:t>23/04/2020</a:t>
             </a:fld>
             <a:endParaRPr lang="pt-BR"/>
           </a:p>
@@ -3307,7 +3344,7 @@
           <a:p>
             <a:fld id="{15B003F1-72A3-4565-B369-F67C067E940D}" type="datetimeFigureOut">
               <a:rPr lang="pt-BR" smtClean="0"/>
-              <a:t>21/04/2020</a:t>
+              <a:t>23/04/2020</a:t>
             </a:fld>
             <a:endParaRPr lang="pt-BR"/>
           </a:p>
@@ -6140,7 +6177,7 @@
         <p:spPr>
           <a:xfrm>
             <a:off x="838200" y="2274838"/>
-            <a:ext cx="5995851" cy="1938992"/>
+            <a:ext cx="5995851" cy="2000548"/>
           </a:xfrm>
           <a:prstGeom prst="rect">
             <a:avLst/>
@@ -6165,10 +6202,30 @@
               <a:rPr lang="pt-BR" sz="2400" dirty="0">
                 <a:latin typeface="Bariol Bold" panose="02000506040000020003" pitchFamily="2" charset="0"/>
               </a:rPr>
-              <a:t>Superlotação é a maior reclamação dos usuários do Metrô e da CPTM.			    </a:t>
-            </a:r>
-            <a:r>
-              <a:rPr lang="pt-BR" sz="2000" dirty="0">
+              <a:t>Superlotação é a maior reclamação dos usuários do Metrô e da CPTM.</a:t>
+            </a:r>
+          </a:p>
+          <a:p>
+            <a:pPr>
+              <a:buClr>
+                <a:srgbClr val="4772FF"/>
+              </a:buClr>
+              <a:buSzPct val="80000"/>
+            </a:pPr>
+            <a:r>
+              <a:rPr lang="pt-BR" sz="2400" dirty="0">
+                <a:latin typeface="Bariol Bold" panose="02000506040000020003" pitchFamily="2" charset="0"/>
+              </a:rPr>
+              <a:t>                                                     </a:t>
+            </a:r>
+            <a:r>
+              <a:rPr lang="pt-BR" sz="2800" dirty="0">
+                <a:latin typeface="Bariol Bold" panose="02000506040000020003" pitchFamily="2" charset="0"/>
+              </a:rPr>
+              <a:t> </a:t>
+            </a:r>
+            <a:r>
+              <a:rPr lang="pt-BR" sz="2400">
                 <a:solidFill>
                   <a:schemeClr val="tx1">
                     <a:lumMod val="85000"/>
@@ -6179,14 +6236,6 @@
               </a:rPr>
               <a:t>- Procon</a:t>
             </a:r>
-          </a:p>
-          <a:p>
-            <a:pPr>
-              <a:buClr>
-                <a:srgbClr val="4772FF"/>
-              </a:buClr>
-              <a:buSzPct val="80000"/>
-            </a:pPr>
             <a:endParaRPr lang="pt-BR" sz="2400" dirty="0">
               <a:latin typeface="Bariol Bold" panose="02000506040000020003" pitchFamily="2" charset="0"/>
             </a:endParaRPr>
@@ -6204,20 +6253,31 @@
               <a:rPr lang="pt-BR" sz="2400" dirty="0">
                 <a:latin typeface="Bariol Bold" panose="02000506040000020003" pitchFamily="2" charset="0"/>
               </a:rPr>
-              <a:t>Número de passageiros transportados pelo Metrô cai 12 milhões em 2017.</a:t>
-            </a:r>
-            <a:r>
-              <a:rPr lang="pt-BR" sz="2000" dirty="0">
-                <a:solidFill>
-                  <a:schemeClr val="tx1">
-                    <a:lumMod val="85000"/>
-                    <a:lumOff val="15000"/>
-                  </a:schemeClr>
-                </a:solidFill>
+              <a:t>	</a:t>
+            </a:r>
+          </a:p>
+          <a:p>
+            <a:pPr>
+              <a:buClr>
+                <a:srgbClr val="4772FF"/>
+              </a:buClr>
+              <a:buSzPct val="80000"/>
+            </a:pPr>
+            <a:r>
+              <a:rPr lang="pt-BR" sz="2400" dirty="0">
                 <a:latin typeface="Bariol Bold" panose="02000506040000020003" pitchFamily="2" charset="0"/>
               </a:rPr>
-              <a:t>     	- G1 Globo</a:t>
-            </a:r>
+              <a:t>	</a:t>
+            </a:r>
+            <a:endParaRPr lang="pt-BR" sz="2000" dirty="0">
+              <a:solidFill>
+                <a:schemeClr val="tx1">
+                  <a:lumMod val="85000"/>
+                  <a:lumOff val="15000"/>
+                </a:schemeClr>
+              </a:solidFill>
+              <a:latin typeface="Bariol Bold" panose="02000506040000020003" pitchFamily="2" charset="0"/>
+            </a:endParaRPr>
           </a:p>
         </p:txBody>
       </p:sp>
@@ -6300,24 +6360,67 @@
                                   </p:childTnLst>
                                 </p:cTn>
                               </p:par>
-                            </p:childTnLst>
-                          </p:cTn>
-                        </p:par>
-                        <p:par>
-                          <p:cTn id="8" fill="hold">
-                            <p:stCondLst>
-                              <p:cond delay="500"/>
-                            </p:stCondLst>
-                            <p:childTnLst>
                               <p:par>
-                                <p:cTn id="9" presetID="10" presetClass="entr" presetSubtype="0" fill="hold" grpId="0" nodeType="afterEffect">
+                                <p:cTn id="8" presetID="10" presetClass="entr" presetSubtype="0" fill="hold" grpId="0" nodeType="withEffect">
                                   <p:stCondLst>
                                     <p:cond delay="0"/>
                                   </p:stCondLst>
                                   <p:childTnLst>
                                     <p:set>
                                       <p:cBhvr>
-                                        <p:cTn id="10" dur="1" fill="hold">
+                                        <p:cTn id="9" dur="1" fill="hold">
+                                          <p:stCondLst>
+                                            <p:cond delay="0"/>
+                                          </p:stCondLst>
+                                        </p:cTn>
+                                        <p:tgtEl>
+                                          <p:spTgt spid="6">
+                                            <p:txEl>
+                                              <p:pRg st="1" end="1"/>
+                                            </p:txEl>
+                                          </p:spTgt>
+                                        </p:tgtEl>
+                                        <p:attrNameLst>
+                                          <p:attrName>style.visibility</p:attrName>
+                                        </p:attrNameLst>
+                                      </p:cBhvr>
+                                      <p:to>
+                                        <p:strVal val="visible"/>
+                                      </p:to>
+                                    </p:set>
+                                    <p:animEffect transition="in" filter="fade">
+                                      <p:cBhvr>
+                                        <p:cTn id="10" dur="500"/>
+                                        <p:tgtEl>
+                                          <p:spTgt spid="6">
+                                            <p:txEl>
+                                              <p:pRg st="1" end="1"/>
+                                            </p:txEl>
+                                          </p:spTgt>
+                                        </p:tgtEl>
+                                      </p:cBhvr>
+                                    </p:animEffect>
+                                  </p:childTnLst>
+                                </p:cTn>
+                              </p:par>
+                            </p:childTnLst>
+                          </p:cTn>
+                        </p:par>
+                        <p:par>
+                          <p:cTn id="11" fill="hold">
+                            <p:stCondLst>
+                              <p:cond delay="500"/>
+                            </p:stCondLst>
+                            <p:childTnLst>
+                              <p:par>
+                                <p:cTn id="12" presetID="10" presetClass="entr" presetSubtype="0" fill="hold" grpId="0" nodeType="afterEffect">
+                                  <p:stCondLst>
+                                    <p:cond delay="0"/>
+                                  </p:stCondLst>
+                                  <p:childTnLst>
+                                    <p:set>
+                                      <p:cBhvr>
+                                        <p:cTn id="13" dur="1" fill="hold">
                                           <p:stCondLst>
                                             <p:cond delay="0"/>
                                           </p:stCondLst>
@@ -6339,7 +6442,7 @@
                                     </p:set>
                                     <p:animEffect transition="in" filter="fade">
                                       <p:cBhvr>
-                                        <p:cTn id="11" dur="500"/>
+                                        <p:cTn id="14" dur="500"/>
                                         <p:tgtEl>
                                           <p:spTgt spid="6">
                                             <p:txEl>
@@ -6352,15 +6455,67 @@
                                   </p:childTnLst>
                                 </p:cTn>
                               </p:par>
+                            </p:childTnLst>
+                          </p:cTn>
+                        </p:par>
+                        <p:par>
+                          <p:cTn id="15" fill="hold">
+                            <p:stCondLst>
+                              <p:cond delay="1000"/>
+                            </p:stCondLst>
+                            <p:childTnLst>
                               <p:par>
-                                <p:cTn id="12" presetID="10" presetClass="entr" presetSubtype="0" fill="hold" nodeType="withEffect">
+                                <p:cTn id="16" presetID="10" presetClass="entr" presetSubtype="0" fill="hold" grpId="0" nodeType="afterEffect">
                                   <p:stCondLst>
                                     <p:cond delay="0"/>
                                   </p:stCondLst>
                                   <p:childTnLst>
                                     <p:set>
                                       <p:cBhvr>
-                                        <p:cTn id="13" dur="1" fill="hold">
+                                        <p:cTn id="17" dur="1" fill="hold">
+                                          <p:stCondLst>
+                                            <p:cond delay="0"/>
+                                          </p:stCondLst>
+                                        </p:cTn>
+                                        <p:tgtEl>
+                                          <p:spTgt spid="6">
+                                            <p:txEl>
+                                              <p:pRg st="3" end="3"/>
+                                            </p:txEl>
+                                          </p:spTgt>
+                                        </p:tgtEl>
+                                        <p:attrNameLst>
+                                          <p:attrName>style.visibility</p:attrName>
+                                        </p:attrNameLst>
+                                      </p:cBhvr>
+                                      <p:to>
+                                        <p:strVal val="visible"/>
+                                      </p:to>
+                                    </p:set>
+                                    <p:animEffect transition="in" filter="fade">
+                                      <p:cBhvr>
+                                        <p:cTn id="18" dur="500"/>
+                                        <p:tgtEl>
+                                          <p:spTgt spid="6">
+                                            <p:txEl>
+                                              <p:pRg st="3" end="3"/>
+                                            </p:txEl>
+                                          </p:spTgt>
+                                        </p:tgtEl>
+                                      </p:cBhvr>
+                                    </p:animEffect>
+                                  </p:childTnLst>
+                                </p:cTn>
+                              </p:par>
+                              <p:par>
+                                <p:cTn id="19" presetID="10" presetClass="entr" presetSubtype="0" fill="hold" nodeType="withEffect">
+                                  <p:stCondLst>
+                                    <p:cond delay="0"/>
+                                  </p:stCondLst>
+                                  <p:childTnLst>
+                                    <p:set>
+                                      <p:cBhvr>
+                                        <p:cTn id="20" dur="1" fill="hold">
                                           <p:stCondLst>
                                             <p:cond delay="0"/>
                                           </p:stCondLst>
@@ -6378,7 +6533,7 @@
                                     </p:set>
                                     <p:animEffect transition="in" filter="fade">
                                       <p:cBhvr>
-                                        <p:cTn id="14" dur="500"/>
+                                        <p:cTn id="21" dur="500"/>
                                         <p:tgtEl>
                                           <p:spTgt spid="4"/>
                                         </p:tgtEl>

--- a/Documentação/slide-synergy.pptx
+++ b/Documentação/slide-synergy.pptx
@@ -131,7 +131,7 @@
 <file path=ppt/revisionInfo.xml><?xml version="1.0" encoding="utf-8"?>
 <p1510:revInfo xmlns:a="http://schemas.openxmlformats.org/drawingml/2006/main" xmlns:r="http://schemas.openxmlformats.org/officeDocument/2006/relationships" xmlns:p1510="http://schemas.microsoft.com/office/powerpoint/2015/10/main">
   <p1510:revLst>
-    <p1510:client id="{60410696-5CC5-4378-B7D5-F21A4F4E8897}" v="107" dt="2020-04-23T16:14:11.214"/>
+    <p1510:client id="{60410696-5CC5-4378-B7D5-F21A4F4E8897}" v="345" dt="2020-04-24T15:56:29.870"/>
   </p1510:revLst>
 </p1510:revInfo>
 </file>
@@ -140,23 +140,53 @@
 <pc:chgInfo xmlns:a="http://schemas.openxmlformats.org/drawingml/2006/main" xmlns:r="http://schemas.openxmlformats.org/officeDocument/2006/relationships" xmlns:ac="http://schemas.microsoft.com/office/drawing/2013/main/command" xmlns:pc="http://schemas.microsoft.com/office/powerpoint/2013/main/command">
   <pc:docChgLst>
     <pc:chgData name="julia marle" userId="450d1bbef5244860" providerId="LiveId" clId="{60410696-5CC5-4378-B7D5-F21A4F4E8897}"/>
-    <pc:docChg chg="modSld">
-      <pc:chgData name="julia marle" userId="450d1bbef5244860" providerId="LiveId" clId="{60410696-5CC5-4378-B7D5-F21A4F4E8897}" dt="2020-04-23T16:14:11.213" v="106" actId="20577"/>
+    <pc:docChg chg="undo custSel modSld">
+      <pc:chgData name="julia marle" userId="450d1bbef5244860" providerId="LiveId" clId="{60410696-5CC5-4378-B7D5-F21A4F4E8897}" dt="2020-04-24T15:56:29.870" v="346" actId="20577"/>
       <pc:docMkLst>
         <pc:docMk/>
       </pc:docMkLst>
-      <pc:sldChg chg="modSp modAnim">
-        <pc:chgData name="julia marle" userId="450d1bbef5244860" providerId="LiveId" clId="{60410696-5CC5-4378-B7D5-F21A4F4E8897}" dt="2020-04-23T16:14:11.213" v="106" actId="20577"/>
+      <pc:sldChg chg="modSp addAnim delAnim modAnim">
+        <pc:chgData name="julia marle" userId="450d1bbef5244860" providerId="LiveId" clId="{60410696-5CC5-4378-B7D5-F21A4F4E8897}" dt="2020-04-24T15:56:29.870" v="346" actId="20577"/>
         <pc:sldMkLst>
           <pc:docMk/>
           <pc:sldMk cId="1268792719" sldId="258"/>
         </pc:sldMkLst>
         <pc:spChg chg="mod">
-          <ac:chgData name="julia marle" userId="450d1bbef5244860" providerId="LiveId" clId="{60410696-5CC5-4378-B7D5-F21A4F4E8897}" dt="2020-04-23T16:14:11.213" v="106" actId="20577"/>
+          <ac:chgData name="julia marle" userId="450d1bbef5244860" providerId="LiveId" clId="{60410696-5CC5-4378-B7D5-F21A4F4E8897}" dt="2020-04-24T15:56:29.870" v="346" actId="20577"/>
           <ac:spMkLst>
             <pc:docMk/>
             <pc:sldMk cId="1268792719" sldId="258"/>
             <ac:spMk id="6" creationId="{FE989C62-5914-45D9-B2FF-7FB8E76D6324}"/>
+          </ac:spMkLst>
+        </pc:spChg>
+      </pc:sldChg>
+      <pc:sldChg chg="modSp modAnim">
+        <pc:chgData name="julia marle" userId="450d1bbef5244860" providerId="LiveId" clId="{60410696-5CC5-4378-B7D5-F21A4F4E8897}" dt="2020-04-24T14:29:04.095" v="267"/>
+        <pc:sldMkLst>
+          <pc:docMk/>
+          <pc:sldMk cId="1488327079" sldId="259"/>
+        </pc:sldMkLst>
+        <pc:spChg chg="mod">
+          <ac:chgData name="julia marle" userId="450d1bbef5244860" providerId="LiveId" clId="{60410696-5CC5-4378-B7D5-F21A4F4E8897}" dt="2020-04-24T14:29:04.095" v="267"/>
+          <ac:spMkLst>
+            <pc:docMk/>
+            <pc:sldMk cId="1488327079" sldId="259"/>
+            <ac:spMk id="4" creationId="{FE989C62-5914-45D9-B2FF-7FB8E76D6324}"/>
+          </ac:spMkLst>
+        </pc:spChg>
+      </pc:sldChg>
+      <pc:sldChg chg="modSp modAnim">
+        <pc:chgData name="julia marle" userId="450d1bbef5244860" providerId="LiveId" clId="{60410696-5CC5-4378-B7D5-F21A4F4E8897}" dt="2020-04-24T14:30:31.797" v="321" actId="20577"/>
+        <pc:sldMkLst>
+          <pc:docMk/>
+          <pc:sldMk cId="1269980606" sldId="260"/>
+        </pc:sldMkLst>
+        <pc:spChg chg="mod">
+          <ac:chgData name="julia marle" userId="450d1bbef5244860" providerId="LiveId" clId="{60410696-5CC5-4378-B7D5-F21A4F4E8897}" dt="2020-04-24T14:30:31.797" v="321" actId="20577"/>
+          <ac:spMkLst>
+            <pc:docMk/>
+            <pc:sldMk cId="1269980606" sldId="260"/>
+            <ac:spMk id="6" creationId="{E3ACB187-7D89-4633-A76D-27ED6A650CB3}"/>
           </ac:spMkLst>
         </pc:spChg>
       </pc:sldChg>
@@ -247,7 +277,7 @@
           <a:p>
             <a:fld id="{655F7DB7-5B35-44EF-86DD-30F04B6260EF}" type="datetimeFigureOut">
               <a:rPr lang="pt-BR" smtClean="0"/>
-              <a:t>23/04/2020</a:t>
+              <a:t>24/04/2020</a:t>
             </a:fld>
             <a:endParaRPr lang="pt-BR"/>
           </a:p>
@@ -661,7 +691,7 @@
           <a:p>
             <a:fld id="{15B003F1-72A3-4565-B369-F67C067E940D}" type="datetimeFigureOut">
               <a:rPr lang="pt-BR" smtClean="0"/>
-              <a:t>23/04/2020</a:t>
+              <a:t>24/04/2020</a:t>
             </a:fld>
             <a:endParaRPr lang="pt-BR"/>
           </a:p>
@@ -862,7 +892,7 @@
           <a:p>
             <a:fld id="{15B003F1-72A3-4565-B369-F67C067E940D}" type="datetimeFigureOut">
               <a:rPr lang="pt-BR" smtClean="0"/>
-              <a:t>23/04/2020</a:t>
+              <a:t>24/04/2020</a:t>
             </a:fld>
             <a:endParaRPr lang="pt-BR"/>
           </a:p>
@@ -1073,7 +1103,7 @@
           <a:p>
             <a:fld id="{15B003F1-72A3-4565-B369-F67C067E940D}" type="datetimeFigureOut">
               <a:rPr lang="pt-BR" smtClean="0"/>
-              <a:t>23/04/2020</a:t>
+              <a:t>24/04/2020</a:t>
             </a:fld>
             <a:endParaRPr lang="pt-BR"/>
           </a:p>
@@ -1274,7 +1304,7 @@
           <a:p>
             <a:fld id="{15B003F1-72A3-4565-B369-F67C067E940D}" type="datetimeFigureOut">
               <a:rPr lang="pt-BR" smtClean="0"/>
-              <a:t>23/04/2020</a:t>
+              <a:t>24/04/2020</a:t>
             </a:fld>
             <a:endParaRPr lang="pt-BR"/>
           </a:p>
@@ -1552,7 +1582,7 @@
           <a:p>
             <a:fld id="{15B003F1-72A3-4565-B369-F67C067E940D}" type="datetimeFigureOut">
               <a:rPr lang="pt-BR" smtClean="0"/>
-              <a:t>23/04/2020</a:t>
+              <a:t>24/04/2020</a:t>
             </a:fld>
             <a:endParaRPr lang="pt-BR"/>
           </a:p>
@@ -1820,7 +1850,7 @@
           <a:p>
             <a:fld id="{15B003F1-72A3-4565-B369-F67C067E940D}" type="datetimeFigureOut">
               <a:rPr lang="pt-BR" smtClean="0"/>
-              <a:t>23/04/2020</a:t>
+              <a:t>24/04/2020</a:t>
             </a:fld>
             <a:endParaRPr lang="pt-BR"/>
           </a:p>
@@ -2235,7 +2265,7 @@
           <a:p>
             <a:fld id="{15B003F1-72A3-4565-B369-F67C067E940D}" type="datetimeFigureOut">
               <a:rPr lang="pt-BR" smtClean="0"/>
-              <a:t>23/04/2020</a:t>
+              <a:t>24/04/2020</a:t>
             </a:fld>
             <a:endParaRPr lang="pt-BR"/>
           </a:p>
@@ -2379,7 +2409,7 @@
           <a:p>
             <a:fld id="{15B003F1-72A3-4565-B369-F67C067E940D}" type="datetimeFigureOut">
               <a:rPr lang="pt-BR" smtClean="0"/>
-              <a:t>23/04/2020</a:t>
+              <a:t>24/04/2020</a:t>
             </a:fld>
             <a:endParaRPr lang="pt-BR"/>
           </a:p>
@@ -2495,7 +2525,7 @@
           <a:p>
             <a:fld id="{15B003F1-72A3-4565-B369-F67C067E940D}" type="datetimeFigureOut">
               <a:rPr lang="pt-BR" smtClean="0"/>
-              <a:t>23/04/2020</a:t>
+              <a:t>24/04/2020</a:t>
             </a:fld>
             <a:endParaRPr lang="pt-BR"/>
           </a:p>
@@ -2809,7 +2839,7 @@
           <a:p>
             <a:fld id="{15B003F1-72A3-4565-B369-F67C067E940D}" type="datetimeFigureOut">
               <a:rPr lang="pt-BR" smtClean="0"/>
-              <a:t>23/04/2020</a:t>
+              <a:t>24/04/2020</a:t>
             </a:fld>
             <a:endParaRPr lang="pt-BR"/>
           </a:p>
@@ -3100,7 +3130,7 @@
           <a:p>
             <a:fld id="{15B003F1-72A3-4565-B369-F67C067E940D}" type="datetimeFigureOut">
               <a:rPr lang="pt-BR" smtClean="0"/>
-              <a:t>23/04/2020</a:t>
+              <a:t>24/04/2020</a:t>
             </a:fld>
             <a:endParaRPr lang="pt-BR"/>
           </a:p>
@@ -3344,7 +3374,7 @@
           <a:p>
             <a:fld id="{15B003F1-72A3-4565-B369-F67C067E940D}" type="datetimeFigureOut">
               <a:rPr lang="pt-BR" smtClean="0"/>
-              <a:t>23/04/2020</a:t>
+              <a:t>24/04/2020</a:t>
             </a:fld>
             <a:endParaRPr lang="pt-BR"/>
           </a:p>
@@ -6177,7 +6207,7 @@
         <p:spPr>
           <a:xfrm>
             <a:off x="838200" y="2274838"/>
-            <a:ext cx="5995851" cy="2000548"/>
+            <a:ext cx="5995851" cy="1938992"/>
           </a:xfrm>
           <a:prstGeom prst="rect">
             <a:avLst/>
@@ -6200,32 +6230,6 @@
             </a:pPr>
             <a:r>
               <a:rPr lang="pt-BR" sz="2400" dirty="0">
-                <a:latin typeface="Bariol Bold" panose="02000506040000020003" pitchFamily="2" charset="0"/>
-              </a:rPr>
-              <a:t>Superlotação é a maior reclamação dos usuários do Metrô e da CPTM.</a:t>
-            </a:r>
-          </a:p>
-          <a:p>
-            <a:pPr>
-              <a:buClr>
-                <a:srgbClr val="4772FF"/>
-              </a:buClr>
-              <a:buSzPct val="80000"/>
-            </a:pPr>
-            <a:r>
-              <a:rPr lang="pt-BR" sz="2400" dirty="0">
-                <a:latin typeface="Bariol Bold" panose="02000506040000020003" pitchFamily="2" charset="0"/>
-              </a:rPr>
-              <a:t>                                                     </a:t>
-            </a:r>
-            <a:r>
-              <a:rPr lang="pt-BR" sz="2800" dirty="0">
-                <a:latin typeface="Bariol Bold" panose="02000506040000020003" pitchFamily="2" charset="0"/>
-              </a:rPr>
-              <a:t> </a:t>
-            </a:r>
-            <a:r>
-              <a:rPr lang="pt-BR" sz="2400">
                 <a:solidFill>
                   <a:schemeClr val="tx1">
                     <a:lumMod val="85000"/>
@@ -6234,7 +6238,27 @@
                 </a:solidFill>
                 <a:latin typeface="Bariol Bold" panose="02000506040000020003" pitchFamily="2" charset="0"/>
               </a:rPr>
-              <a:t>- Procon</a:t>
+              <a:t>O metro já chegou a transportar 7,8 milhões de pessoas em um dia.</a:t>
+            </a:r>
+          </a:p>
+          <a:p>
+            <a:pPr>
+              <a:buClr>
+                <a:srgbClr val="4772FF"/>
+              </a:buClr>
+              <a:buSzPct val="80000"/>
+            </a:pPr>
+            <a:r>
+              <a:rPr lang="pt-BR" sz="2400" dirty="0">
+                <a:solidFill>
+                  <a:schemeClr val="tx1">
+                    <a:lumMod val="85000"/>
+                    <a:lumOff val="15000"/>
+                  </a:schemeClr>
+                </a:solidFill>
+                <a:latin typeface="Bariol Bold" panose="02000506040000020003" pitchFamily="2" charset="0"/>
+              </a:rPr>
+              <a:t>                                                      - </a:t>
             </a:r>
             <a:endParaRPr lang="pt-BR" sz="2400" dirty="0">
               <a:latin typeface="Bariol Bold" panose="02000506040000020003" pitchFamily="2" charset="0"/>
@@ -6253,8 +6277,17 @@
               <a:rPr lang="pt-BR" sz="2400" dirty="0">
                 <a:latin typeface="Bariol Bold" panose="02000506040000020003" pitchFamily="2" charset="0"/>
               </a:rPr>
-              <a:t>	</a:t>
-            </a:r>
+              <a:t>Intervalo de </a:t>
+            </a:r>
+            <a:r>
+              <a:rPr lang="pt-BR" sz="2400">
+                <a:latin typeface="Bariol Bold" panose="02000506040000020003" pitchFamily="2" charset="0"/>
+              </a:rPr>
+              <a:t>99 segundos </a:t>
+            </a:r>
+            <a:endParaRPr lang="pt-BR" sz="2400" dirty="0">
+              <a:latin typeface="Bariol Bold" panose="02000506040000020003" pitchFamily="2" charset="0"/>
+            </a:endParaRPr>
           </a:p>
           <a:p>
             <a:pPr>
@@ -6360,15 +6393,24 @@
                                   </p:childTnLst>
                                 </p:cTn>
                               </p:par>
+                            </p:childTnLst>
+                          </p:cTn>
+                        </p:par>
+                        <p:par>
+                          <p:cTn id="8" fill="hold">
+                            <p:stCondLst>
+                              <p:cond delay="500"/>
+                            </p:stCondLst>
+                            <p:childTnLst>
                               <p:par>
-                                <p:cTn id="8" presetID="10" presetClass="entr" presetSubtype="0" fill="hold" grpId="0" nodeType="withEffect">
+                                <p:cTn id="9" presetID="10" presetClass="entr" presetSubtype="0" fill="hold" grpId="0" nodeType="afterEffect">
                                   <p:stCondLst>
                                     <p:cond delay="0"/>
                                   </p:stCondLst>
                                   <p:childTnLst>
                                     <p:set>
                                       <p:cBhvr>
-                                        <p:cTn id="9" dur="1" fill="hold">
+                                        <p:cTn id="10" dur="1" fill="hold">
                                           <p:stCondLst>
                                             <p:cond delay="0"/>
                                           </p:stCondLst>
@@ -6390,7 +6432,7 @@
                                     </p:set>
                                     <p:animEffect transition="in" filter="fade">
                                       <p:cBhvr>
-                                        <p:cTn id="10" dur="500"/>
+                                        <p:cTn id="11" dur="500"/>
                                         <p:tgtEl>
                                           <p:spTgt spid="6">
                                             <p:txEl>
@@ -6403,17 +6445,8 @@
                                   </p:childTnLst>
                                 </p:cTn>
                               </p:par>
-                            </p:childTnLst>
-                          </p:cTn>
-                        </p:par>
-                        <p:par>
-                          <p:cTn id="11" fill="hold">
-                            <p:stCondLst>
-                              <p:cond delay="500"/>
-                            </p:stCondLst>
-                            <p:childTnLst>
                               <p:par>
-                                <p:cTn id="12" presetID="10" presetClass="entr" presetSubtype="0" fill="hold" grpId="0" nodeType="afterEffect">
+                                <p:cTn id="12" presetID="10" presetClass="entr" presetSubtype="0" fill="hold" grpId="0" nodeType="withEffect">
                                   <p:stCondLst>
                                     <p:cond delay="0"/>
                                   </p:stCondLst>
@@ -6716,7 +6749,7 @@
         <p:spPr>
           <a:xfrm>
             <a:off x="838200" y="2274838"/>
-            <a:ext cx="5995851" cy="1938992"/>
+            <a:ext cx="5995851" cy="2369880"/>
           </a:xfrm>
           <a:prstGeom prst="rect">
             <a:avLst/>
@@ -6768,8 +6801,43 @@
               <a:rPr lang="pt-BR" sz="2400" dirty="0">
                 <a:latin typeface="Bariol Bold" panose="02000506040000020003" pitchFamily="2" charset="0"/>
               </a:rPr>
-              <a:t>Empresas com necessidade de posicionar seus negócios estrategicamente</a:t>
-            </a:r>
+              <a:t>Superlotação é a maior reclamação dos usuários do Metrô e da CPTM.</a:t>
+            </a:r>
+          </a:p>
+          <a:p>
+            <a:pPr>
+              <a:buClr>
+                <a:srgbClr val="4772FF"/>
+              </a:buClr>
+              <a:buSzPct val="80000"/>
+            </a:pPr>
+            <a:r>
+              <a:rPr lang="pt-BR" sz="2400" dirty="0">
+                <a:latin typeface="Bariol Bold" panose="02000506040000020003" pitchFamily="2" charset="0"/>
+              </a:rPr>
+              <a:t>                                                     </a:t>
+            </a:r>
+            <a:r>
+              <a:rPr lang="pt-BR" sz="2800" dirty="0">
+                <a:latin typeface="Bariol Bold" panose="02000506040000020003" pitchFamily="2" charset="0"/>
+              </a:rPr>
+              <a:t> </a:t>
+            </a:r>
+            <a:r>
+              <a:rPr lang="pt-BR" sz="2400" dirty="0">
+                <a:solidFill>
+                  <a:schemeClr val="tx1">
+                    <a:lumMod val="85000"/>
+                    <a:lumOff val="15000"/>
+                  </a:schemeClr>
+                </a:solidFill>
+                <a:latin typeface="Bariol Bold" panose="02000506040000020003" pitchFamily="2" charset="0"/>
+              </a:rPr>
+              <a:t>- Procon</a:t>
+            </a:r>
+            <a:endParaRPr lang="pt-BR" sz="2400" dirty="0">
+              <a:latin typeface="Bariol Bold" panose="02000506040000020003" pitchFamily="2" charset="0"/>
+            </a:endParaRPr>
           </a:p>
         </p:txBody>
       </p:sp>
@@ -6852,67 +6920,15 @@
                                   </p:childTnLst>
                                 </p:cTn>
                               </p:par>
-                            </p:childTnLst>
-                          </p:cTn>
-                        </p:par>
-                        <p:par>
-                          <p:cTn id="8" fill="hold">
-                            <p:stCondLst>
-                              <p:cond delay="500"/>
-                            </p:stCondLst>
-                            <p:childTnLst>
                               <p:par>
-                                <p:cTn id="9" presetID="10" presetClass="entr" presetSubtype="0" fill="hold" grpId="0" nodeType="afterEffect">
+                                <p:cTn id="8" presetID="10" presetClass="entr" presetSubtype="0" fill="hold" nodeType="withEffect">
                                   <p:stCondLst>
                                     <p:cond delay="0"/>
                                   </p:stCondLst>
                                   <p:childTnLst>
                                     <p:set>
                                       <p:cBhvr>
-                                        <p:cTn id="10" dur="1" fill="hold">
-                                          <p:stCondLst>
-                                            <p:cond delay="0"/>
-                                          </p:stCondLst>
-                                        </p:cTn>
-                                        <p:tgtEl>
-                                          <p:spTgt spid="4">
-                                            <p:txEl>
-                                              <p:pRg st="2" end="2"/>
-                                            </p:txEl>
-                                          </p:spTgt>
-                                        </p:tgtEl>
-                                        <p:attrNameLst>
-                                          <p:attrName>style.visibility</p:attrName>
-                                        </p:attrNameLst>
-                                      </p:cBhvr>
-                                      <p:to>
-                                        <p:strVal val="visible"/>
-                                      </p:to>
-                                    </p:set>
-                                    <p:animEffect transition="in" filter="fade">
-                                      <p:cBhvr>
-                                        <p:cTn id="11" dur="500"/>
-                                        <p:tgtEl>
-                                          <p:spTgt spid="4">
-                                            <p:txEl>
-                                              <p:pRg st="2" end="2"/>
-                                            </p:txEl>
-                                          </p:spTgt>
-                                        </p:tgtEl>
-                                      </p:cBhvr>
-                                    </p:animEffect>
-                                  </p:childTnLst>
-                                </p:cTn>
-                              </p:par>
-                              <p:par>
-                                <p:cTn id="12" presetID="10" presetClass="entr" presetSubtype="0" fill="hold" nodeType="withEffect">
-                                  <p:stCondLst>
-                                    <p:cond delay="0"/>
-                                  </p:stCondLst>
-                                  <p:childTnLst>
-                                    <p:set>
-                                      <p:cBhvr>
-                                        <p:cTn id="13" dur="1" fill="hold">
+                                        <p:cTn id="9" dur="1" fill="hold">
                                           <p:stCondLst>
                                             <p:cond delay="0"/>
                                           </p:stCondLst>
@@ -6930,7 +6946,7 @@
                                     </p:set>
                                     <p:animEffect transition="in" filter="fade">
                                       <p:cBhvr>
-                                        <p:cTn id="14" dur="500"/>
+                                        <p:cTn id="10" dur="500"/>
                                         <p:tgtEl>
                                           <p:spTgt spid="6"/>
                                         </p:tgtEl>
@@ -7113,7 +7129,7 @@
         <p:spPr>
           <a:xfrm>
             <a:off x="838200" y="2274838"/>
-            <a:ext cx="5995851" cy="1938992"/>
+            <a:ext cx="5995851" cy="3046988"/>
           </a:xfrm>
           <a:prstGeom prst="rect">
             <a:avLst/>
@@ -7195,6 +7211,35 @@
                 <a:latin typeface="Bariol Bold" panose="02000506040000020003" pitchFamily="2" charset="0"/>
               </a:rPr>
               <a:t>Possibilidade de ver rotas alternativas</a:t>
+            </a:r>
+          </a:p>
+          <a:p>
+            <a:pPr marL="342900" indent="-342900">
+              <a:buClr>
+                <a:srgbClr val="4772FF"/>
+              </a:buClr>
+              <a:buSzPct val="80000"/>
+              <a:buFont typeface="Wingdings" panose="05000000000000000000" pitchFamily="2" charset="2"/>
+              <a:buChar char="Ø"/>
+            </a:pPr>
+            <a:endParaRPr lang="pt-BR" sz="2400" dirty="0">
+              <a:latin typeface="Bariol Bold" panose="02000506040000020003" pitchFamily="2" charset="0"/>
+            </a:endParaRPr>
+          </a:p>
+          <a:p>
+            <a:pPr marL="342900" indent="-342900">
+              <a:buClr>
+                <a:srgbClr val="4772FF"/>
+              </a:buClr>
+              <a:buSzPct val="80000"/>
+              <a:buFont typeface="Wingdings" panose="05000000000000000000" pitchFamily="2" charset="2"/>
+              <a:buChar char="Ø"/>
+            </a:pPr>
+            <a:r>
+              <a:rPr lang="pt-BR" sz="2400" dirty="0">
+                <a:latin typeface="Bariol Bold" panose="02000506040000020003" pitchFamily="2" charset="0"/>
+              </a:rPr>
+              <a:t>Aproveitar espaços para comércios e propagandas</a:t>
             </a:r>
           </a:p>
         </p:txBody>
@@ -7385,21 +7430,82 @@
                             </p:childTnLst>
                           </p:cTn>
                         </p:par>
+                      </p:childTnLst>
+                    </p:cTn>
+                  </p:par>
+                  <p:par>
+                    <p:cTn id="16" fill="hold">
+                      <p:stCondLst>
+                        <p:cond delay="indefinite"/>
+                      </p:stCondLst>
+                      <p:childTnLst>
                         <p:par>
-                          <p:cTn id="16" fill="hold">
+                          <p:cTn id="17" fill="hold">
                             <p:stCondLst>
-                              <p:cond delay="1500"/>
+                              <p:cond delay="0"/>
                             </p:stCondLst>
                             <p:childTnLst>
                               <p:par>
-                                <p:cTn id="17" presetID="10" presetClass="entr" presetSubtype="0" fill="hold" nodeType="afterEffect">
+                                <p:cTn id="18" presetID="10" presetClass="entr" presetSubtype="0" fill="hold" grpId="0" nodeType="clickEffect">
                                   <p:stCondLst>
                                     <p:cond delay="0"/>
                                   </p:stCondLst>
                                   <p:childTnLst>
                                     <p:set>
                                       <p:cBhvr>
-                                        <p:cTn id="18" dur="1" fill="hold">
+                                        <p:cTn id="19" dur="1" fill="hold">
+                                          <p:stCondLst>
+                                            <p:cond delay="0"/>
+                                          </p:stCondLst>
+                                        </p:cTn>
+                                        <p:tgtEl>
+                                          <p:spTgt spid="6">
+                                            <p:txEl>
+                                              <p:pRg st="6" end="6"/>
+                                            </p:txEl>
+                                          </p:spTgt>
+                                        </p:tgtEl>
+                                        <p:attrNameLst>
+                                          <p:attrName>style.visibility</p:attrName>
+                                        </p:attrNameLst>
+                                      </p:cBhvr>
+                                      <p:to>
+                                        <p:strVal val="visible"/>
+                                      </p:to>
+                                    </p:set>
+                                    <p:animEffect transition="in" filter="fade">
+                                      <p:cBhvr>
+                                        <p:cTn id="20" dur="500"/>
+                                        <p:tgtEl>
+                                          <p:spTgt spid="6">
+                                            <p:txEl>
+                                              <p:pRg st="6" end="6"/>
+                                            </p:txEl>
+                                          </p:spTgt>
+                                        </p:tgtEl>
+                                      </p:cBhvr>
+                                    </p:animEffect>
+                                  </p:childTnLst>
+                                </p:cTn>
+                              </p:par>
+                            </p:childTnLst>
+                          </p:cTn>
+                        </p:par>
+                        <p:par>
+                          <p:cTn id="21" fill="hold">
+                            <p:stCondLst>
+                              <p:cond delay="500"/>
+                            </p:stCondLst>
+                            <p:childTnLst>
+                              <p:par>
+                                <p:cTn id="22" presetID="10" presetClass="entr" presetSubtype="0" fill="hold" nodeType="afterEffect">
+                                  <p:stCondLst>
+                                    <p:cond delay="0"/>
+                                  </p:stCondLst>
+                                  <p:childTnLst>
+                                    <p:set>
+                                      <p:cBhvr>
+                                        <p:cTn id="23" dur="1" fill="hold">
                                           <p:stCondLst>
                                             <p:cond delay="0"/>
                                           </p:stCondLst>
@@ -7417,7 +7523,7 @@
                                     </p:set>
                                     <p:animEffect transition="in" filter="fade">
                                       <p:cBhvr>
-                                        <p:cTn id="19" dur="500"/>
+                                        <p:cTn id="24" dur="500"/>
                                         <p:tgtEl>
                                           <p:spTgt spid="5"/>
                                         </p:tgtEl>

--- a/Documentação/slide-synergy.pptx
+++ b/Documentação/slide-synergy.pptx
@@ -277,7 +277,7 @@
           <a:p>
             <a:fld id="{655F7DB7-5B35-44EF-86DD-30F04B6260EF}" type="datetimeFigureOut">
               <a:rPr lang="pt-BR" smtClean="0"/>
-              <a:t>24/04/2020</a:t>
+              <a:t>27/04/2020</a:t>
             </a:fld>
             <a:endParaRPr lang="pt-BR"/>
           </a:p>
@@ -691,7 +691,7 @@
           <a:p>
             <a:fld id="{15B003F1-72A3-4565-B369-F67C067E940D}" type="datetimeFigureOut">
               <a:rPr lang="pt-BR" smtClean="0"/>
-              <a:t>24/04/2020</a:t>
+              <a:t>27/04/2020</a:t>
             </a:fld>
             <a:endParaRPr lang="pt-BR"/>
           </a:p>
@@ -892,7 +892,7 @@
           <a:p>
             <a:fld id="{15B003F1-72A3-4565-B369-F67C067E940D}" type="datetimeFigureOut">
               <a:rPr lang="pt-BR" smtClean="0"/>
-              <a:t>24/04/2020</a:t>
+              <a:t>27/04/2020</a:t>
             </a:fld>
             <a:endParaRPr lang="pt-BR"/>
           </a:p>
@@ -1103,7 +1103,7 @@
           <a:p>
             <a:fld id="{15B003F1-72A3-4565-B369-F67C067E940D}" type="datetimeFigureOut">
               <a:rPr lang="pt-BR" smtClean="0"/>
-              <a:t>24/04/2020</a:t>
+              <a:t>27/04/2020</a:t>
             </a:fld>
             <a:endParaRPr lang="pt-BR"/>
           </a:p>
@@ -1304,7 +1304,7 @@
           <a:p>
             <a:fld id="{15B003F1-72A3-4565-B369-F67C067E940D}" type="datetimeFigureOut">
               <a:rPr lang="pt-BR" smtClean="0"/>
-              <a:t>24/04/2020</a:t>
+              <a:t>27/04/2020</a:t>
             </a:fld>
             <a:endParaRPr lang="pt-BR"/>
           </a:p>
@@ -1582,7 +1582,7 @@
           <a:p>
             <a:fld id="{15B003F1-72A3-4565-B369-F67C067E940D}" type="datetimeFigureOut">
               <a:rPr lang="pt-BR" smtClean="0"/>
-              <a:t>24/04/2020</a:t>
+              <a:t>27/04/2020</a:t>
             </a:fld>
             <a:endParaRPr lang="pt-BR"/>
           </a:p>
@@ -1850,7 +1850,7 @@
           <a:p>
             <a:fld id="{15B003F1-72A3-4565-B369-F67C067E940D}" type="datetimeFigureOut">
               <a:rPr lang="pt-BR" smtClean="0"/>
-              <a:t>24/04/2020</a:t>
+              <a:t>27/04/2020</a:t>
             </a:fld>
             <a:endParaRPr lang="pt-BR"/>
           </a:p>
@@ -2265,7 +2265,7 @@
           <a:p>
             <a:fld id="{15B003F1-72A3-4565-B369-F67C067E940D}" type="datetimeFigureOut">
               <a:rPr lang="pt-BR" smtClean="0"/>
-              <a:t>24/04/2020</a:t>
+              <a:t>27/04/2020</a:t>
             </a:fld>
             <a:endParaRPr lang="pt-BR"/>
           </a:p>
@@ -2409,7 +2409,7 @@
           <a:p>
             <a:fld id="{15B003F1-72A3-4565-B369-F67C067E940D}" type="datetimeFigureOut">
               <a:rPr lang="pt-BR" smtClean="0"/>
-              <a:t>24/04/2020</a:t>
+              <a:t>27/04/2020</a:t>
             </a:fld>
             <a:endParaRPr lang="pt-BR"/>
           </a:p>
@@ -2525,7 +2525,7 @@
           <a:p>
             <a:fld id="{15B003F1-72A3-4565-B369-F67C067E940D}" type="datetimeFigureOut">
               <a:rPr lang="pt-BR" smtClean="0"/>
-              <a:t>24/04/2020</a:t>
+              <a:t>27/04/2020</a:t>
             </a:fld>
             <a:endParaRPr lang="pt-BR"/>
           </a:p>
@@ -2839,7 +2839,7 @@
           <a:p>
             <a:fld id="{15B003F1-72A3-4565-B369-F67C067E940D}" type="datetimeFigureOut">
               <a:rPr lang="pt-BR" smtClean="0"/>
-              <a:t>24/04/2020</a:t>
+              <a:t>27/04/2020</a:t>
             </a:fld>
             <a:endParaRPr lang="pt-BR"/>
           </a:p>
@@ -3130,7 +3130,7 @@
           <a:p>
             <a:fld id="{15B003F1-72A3-4565-B369-F67C067E940D}" type="datetimeFigureOut">
               <a:rPr lang="pt-BR" smtClean="0"/>
-              <a:t>24/04/2020</a:t>
+              <a:t>27/04/2020</a:t>
             </a:fld>
             <a:endParaRPr lang="pt-BR"/>
           </a:p>
@@ -3374,7 +3374,7 @@
           <a:p>
             <a:fld id="{15B003F1-72A3-4565-B369-F67C067E940D}" type="datetimeFigureOut">
               <a:rPr lang="pt-BR" smtClean="0"/>
-              <a:t>24/04/2020</a:t>
+              <a:t>27/04/2020</a:t>
             </a:fld>
             <a:endParaRPr lang="pt-BR"/>
           </a:p>
@@ -8694,6 +8694,493 @@
   <p:transition>
     <p:fade/>
   </p:transition>
+  <p:timing>
+    <p:tnLst>
+      <p:par>
+        <p:cTn id="1" dur="indefinite" restart="never" nodeType="tmRoot">
+          <p:childTnLst>
+            <p:seq concurrent="1" nextAc="seek">
+              <p:cTn id="2" dur="indefinite" nodeType="mainSeq">
+                <p:childTnLst>
+                  <p:par>
+                    <p:cTn id="3" fill="hold">
+                      <p:stCondLst>
+                        <p:cond delay="indefinite"/>
+                      </p:stCondLst>
+                      <p:childTnLst>
+                        <p:par>
+                          <p:cTn id="4" fill="hold">
+                            <p:stCondLst>
+                              <p:cond delay="0"/>
+                            </p:stCondLst>
+                            <p:childTnLst>
+                              <p:par>
+                                <p:cTn id="5" presetID="1" presetClass="entr" presetSubtype="0" fill="hold" grpId="0" nodeType="clickEffect">
+                                  <p:stCondLst>
+                                    <p:cond delay="0"/>
+                                  </p:stCondLst>
+                                  <p:childTnLst>
+                                    <p:set>
+                                      <p:cBhvr>
+                                        <p:cTn id="6" dur="1" fill="hold">
+                                          <p:stCondLst>
+                                            <p:cond delay="0"/>
+                                          </p:stCondLst>
+                                        </p:cTn>
+                                        <p:tgtEl>
+                                          <p:spTgt spid="5"/>
+                                        </p:tgtEl>
+                                        <p:attrNameLst>
+                                          <p:attrName>style.visibility</p:attrName>
+                                        </p:attrNameLst>
+                                      </p:cBhvr>
+                                      <p:to>
+                                        <p:strVal val="visible"/>
+                                      </p:to>
+                                    </p:set>
+                                  </p:childTnLst>
+                                </p:cTn>
+                              </p:par>
+                              <p:par>
+                                <p:cTn id="7" presetID="1" presetClass="entr" presetSubtype="0" fill="hold" nodeType="withEffect">
+                                  <p:stCondLst>
+                                    <p:cond delay="0"/>
+                                  </p:stCondLst>
+                                  <p:childTnLst>
+                                    <p:set>
+                                      <p:cBhvr>
+                                        <p:cTn id="8" dur="1" fill="hold">
+                                          <p:stCondLst>
+                                            <p:cond delay="0"/>
+                                          </p:stCondLst>
+                                        </p:cTn>
+                                        <p:tgtEl>
+                                          <p:spTgt spid="7"/>
+                                        </p:tgtEl>
+                                        <p:attrNameLst>
+                                          <p:attrName>style.visibility</p:attrName>
+                                        </p:attrNameLst>
+                                      </p:cBhvr>
+                                      <p:to>
+                                        <p:strVal val="visible"/>
+                                      </p:to>
+                                    </p:set>
+                                  </p:childTnLst>
+                                </p:cTn>
+                              </p:par>
+                            </p:childTnLst>
+                          </p:cTn>
+                        </p:par>
+                      </p:childTnLst>
+                    </p:cTn>
+                  </p:par>
+                  <p:par>
+                    <p:cTn id="9" fill="hold">
+                      <p:stCondLst>
+                        <p:cond delay="indefinite"/>
+                      </p:stCondLst>
+                      <p:childTnLst>
+                        <p:par>
+                          <p:cTn id="10" fill="hold">
+                            <p:stCondLst>
+                              <p:cond delay="0"/>
+                            </p:stCondLst>
+                            <p:childTnLst>
+                              <p:par>
+                                <p:cTn id="11" presetID="1" presetClass="entr" presetSubtype="0" fill="hold" nodeType="clickEffect">
+                                  <p:stCondLst>
+                                    <p:cond delay="0"/>
+                                  </p:stCondLst>
+                                  <p:childTnLst>
+                                    <p:set>
+                                      <p:cBhvr>
+                                        <p:cTn id="12" dur="1" fill="hold">
+                                          <p:stCondLst>
+                                            <p:cond delay="0"/>
+                                          </p:stCondLst>
+                                        </p:cTn>
+                                        <p:tgtEl>
+                                          <p:spTgt spid="13"/>
+                                        </p:tgtEl>
+                                        <p:attrNameLst>
+                                          <p:attrName>style.visibility</p:attrName>
+                                        </p:attrNameLst>
+                                      </p:cBhvr>
+                                      <p:to>
+                                        <p:strVal val="visible"/>
+                                      </p:to>
+                                    </p:set>
+                                  </p:childTnLst>
+                                </p:cTn>
+                              </p:par>
+                              <p:par>
+                                <p:cTn id="13" presetID="1" presetClass="entr" presetSubtype="0" fill="hold" nodeType="withEffect">
+                                  <p:stCondLst>
+                                    <p:cond delay="0"/>
+                                  </p:stCondLst>
+                                  <p:childTnLst>
+                                    <p:set>
+                                      <p:cBhvr>
+                                        <p:cTn id="14" dur="1" fill="hold">
+                                          <p:stCondLst>
+                                            <p:cond delay="0"/>
+                                          </p:stCondLst>
+                                        </p:cTn>
+                                        <p:tgtEl>
+                                          <p:spTgt spid="3"/>
+                                        </p:tgtEl>
+                                        <p:attrNameLst>
+                                          <p:attrName>style.visibility</p:attrName>
+                                        </p:attrNameLst>
+                                      </p:cBhvr>
+                                      <p:to>
+                                        <p:strVal val="visible"/>
+                                      </p:to>
+                                    </p:set>
+                                  </p:childTnLst>
+                                </p:cTn>
+                              </p:par>
+                              <p:par>
+                                <p:cTn id="15" presetID="1" presetClass="entr" presetSubtype="0" fill="hold" grpId="0" nodeType="withEffect">
+                                  <p:stCondLst>
+                                    <p:cond delay="0"/>
+                                  </p:stCondLst>
+                                  <p:childTnLst>
+                                    <p:set>
+                                      <p:cBhvr>
+                                        <p:cTn id="16" dur="1" fill="hold">
+                                          <p:stCondLst>
+                                            <p:cond delay="0"/>
+                                          </p:stCondLst>
+                                        </p:cTn>
+                                        <p:tgtEl>
+                                          <p:spTgt spid="4"/>
+                                        </p:tgtEl>
+                                        <p:attrNameLst>
+                                          <p:attrName>style.visibility</p:attrName>
+                                        </p:attrNameLst>
+                                      </p:cBhvr>
+                                      <p:to>
+                                        <p:strVal val="visible"/>
+                                      </p:to>
+                                    </p:set>
+                                  </p:childTnLst>
+                                </p:cTn>
+                              </p:par>
+                            </p:childTnLst>
+                          </p:cTn>
+                        </p:par>
+                      </p:childTnLst>
+                    </p:cTn>
+                  </p:par>
+                  <p:par>
+                    <p:cTn id="17" fill="hold">
+                      <p:stCondLst>
+                        <p:cond delay="indefinite"/>
+                      </p:stCondLst>
+                      <p:childTnLst>
+                        <p:par>
+                          <p:cTn id="18" fill="hold">
+                            <p:stCondLst>
+                              <p:cond delay="0"/>
+                            </p:stCondLst>
+                            <p:childTnLst>
+                              <p:par>
+                                <p:cTn id="19" presetID="1" presetClass="entr" presetSubtype="0" fill="hold" nodeType="clickEffect">
+                                  <p:stCondLst>
+                                    <p:cond delay="0"/>
+                                  </p:stCondLst>
+                                  <p:childTnLst>
+                                    <p:set>
+                                      <p:cBhvr>
+                                        <p:cTn id="20" dur="1" fill="hold">
+                                          <p:stCondLst>
+                                            <p:cond delay="0"/>
+                                          </p:stCondLst>
+                                        </p:cTn>
+                                        <p:tgtEl>
+                                          <p:spTgt spid="18"/>
+                                        </p:tgtEl>
+                                        <p:attrNameLst>
+                                          <p:attrName>style.visibility</p:attrName>
+                                        </p:attrNameLst>
+                                      </p:cBhvr>
+                                      <p:to>
+                                        <p:strVal val="visible"/>
+                                      </p:to>
+                                    </p:set>
+                                  </p:childTnLst>
+                                </p:cTn>
+                              </p:par>
+                              <p:par>
+                                <p:cTn id="21" presetID="1" presetClass="entr" presetSubtype="0" fill="hold" grpId="0" nodeType="withEffect">
+                                  <p:stCondLst>
+                                    <p:cond delay="0"/>
+                                  </p:stCondLst>
+                                  <p:childTnLst>
+                                    <p:set>
+                                      <p:cBhvr>
+                                        <p:cTn id="22" dur="1" fill="hold">
+                                          <p:stCondLst>
+                                            <p:cond delay="0"/>
+                                          </p:stCondLst>
+                                        </p:cTn>
+                                        <p:tgtEl>
+                                          <p:spTgt spid="6"/>
+                                        </p:tgtEl>
+                                        <p:attrNameLst>
+                                          <p:attrName>style.visibility</p:attrName>
+                                        </p:attrNameLst>
+                                      </p:cBhvr>
+                                      <p:to>
+                                        <p:strVal val="visible"/>
+                                      </p:to>
+                                    </p:set>
+                                  </p:childTnLst>
+                                </p:cTn>
+                              </p:par>
+                              <p:par>
+                                <p:cTn id="23" presetID="1" presetClass="entr" presetSubtype="0" fill="hold" nodeType="withEffect">
+                                  <p:stCondLst>
+                                    <p:cond delay="0"/>
+                                  </p:stCondLst>
+                                  <p:childTnLst>
+                                    <p:set>
+                                      <p:cBhvr>
+                                        <p:cTn id="24" dur="1" fill="hold">
+                                          <p:stCondLst>
+                                            <p:cond delay="0"/>
+                                          </p:stCondLst>
+                                        </p:cTn>
+                                        <p:tgtEl>
+                                          <p:spTgt spid="14"/>
+                                        </p:tgtEl>
+                                        <p:attrNameLst>
+                                          <p:attrName>style.visibility</p:attrName>
+                                        </p:attrNameLst>
+                                      </p:cBhvr>
+                                      <p:to>
+                                        <p:strVal val="visible"/>
+                                      </p:to>
+                                    </p:set>
+                                  </p:childTnLst>
+                                </p:cTn>
+                              </p:par>
+                            </p:childTnLst>
+                          </p:cTn>
+                        </p:par>
+                      </p:childTnLst>
+                    </p:cTn>
+                  </p:par>
+                  <p:par>
+                    <p:cTn id="25" fill="hold">
+                      <p:stCondLst>
+                        <p:cond delay="indefinite"/>
+                      </p:stCondLst>
+                      <p:childTnLst>
+                        <p:par>
+                          <p:cTn id="26" fill="hold">
+                            <p:stCondLst>
+                              <p:cond delay="0"/>
+                            </p:stCondLst>
+                            <p:childTnLst>
+                              <p:par>
+                                <p:cTn id="27" presetID="1" presetClass="entr" presetSubtype="0" fill="hold" nodeType="clickEffect">
+                                  <p:stCondLst>
+                                    <p:cond delay="0"/>
+                                  </p:stCondLst>
+                                  <p:childTnLst>
+                                    <p:set>
+                                      <p:cBhvr>
+                                        <p:cTn id="28" dur="1" fill="hold">
+                                          <p:stCondLst>
+                                            <p:cond delay="0"/>
+                                          </p:stCondLst>
+                                        </p:cTn>
+                                        <p:tgtEl>
+                                          <p:spTgt spid="21"/>
+                                        </p:tgtEl>
+                                        <p:attrNameLst>
+                                          <p:attrName>style.visibility</p:attrName>
+                                        </p:attrNameLst>
+                                      </p:cBhvr>
+                                      <p:to>
+                                        <p:strVal val="visible"/>
+                                      </p:to>
+                                    </p:set>
+                                  </p:childTnLst>
+                                </p:cTn>
+                              </p:par>
+                              <p:par>
+                                <p:cTn id="29" presetID="1" presetClass="entr" presetSubtype="0" fill="hold" nodeType="withEffect">
+                                  <p:stCondLst>
+                                    <p:cond delay="0"/>
+                                  </p:stCondLst>
+                                  <p:childTnLst>
+                                    <p:set>
+                                      <p:cBhvr>
+                                        <p:cTn id="30" dur="1" fill="hold">
+                                          <p:stCondLst>
+                                            <p:cond delay="0"/>
+                                          </p:stCondLst>
+                                        </p:cTn>
+                                        <p:tgtEl>
+                                          <p:spTgt spid="12"/>
+                                        </p:tgtEl>
+                                        <p:attrNameLst>
+                                          <p:attrName>style.visibility</p:attrName>
+                                        </p:attrNameLst>
+                                      </p:cBhvr>
+                                      <p:to>
+                                        <p:strVal val="visible"/>
+                                      </p:to>
+                                    </p:set>
+                                  </p:childTnLst>
+                                </p:cTn>
+                              </p:par>
+                              <p:par>
+                                <p:cTn id="31" presetID="1" presetClass="entr" presetSubtype="0" fill="hold" grpId="0" nodeType="withEffect">
+                                  <p:stCondLst>
+                                    <p:cond delay="0"/>
+                                  </p:stCondLst>
+                                  <p:childTnLst>
+                                    <p:set>
+                                      <p:cBhvr>
+                                        <p:cTn id="32" dur="1" fill="hold">
+                                          <p:stCondLst>
+                                            <p:cond delay="0"/>
+                                          </p:stCondLst>
+                                        </p:cTn>
+                                        <p:tgtEl>
+                                          <p:spTgt spid="11"/>
+                                        </p:tgtEl>
+                                        <p:attrNameLst>
+                                          <p:attrName>style.visibility</p:attrName>
+                                        </p:attrNameLst>
+                                      </p:cBhvr>
+                                      <p:to>
+                                        <p:strVal val="visible"/>
+                                      </p:to>
+                                    </p:set>
+                                  </p:childTnLst>
+                                </p:cTn>
+                              </p:par>
+                              <p:par>
+                                <p:cTn id="33" presetID="1" presetClass="entr" presetSubtype="0" fill="hold" nodeType="withEffect">
+                                  <p:stCondLst>
+                                    <p:cond delay="0"/>
+                                  </p:stCondLst>
+                                  <p:childTnLst>
+                                    <p:set>
+                                      <p:cBhvr>
+                                        <p:cTn id="34" dur="1" fill="hold">
+                                          <p:stCondLst>
+                                            <p:cond delay="0"/>
+                                          </p:stCondLst>
+                                        </p:cTn>
+                                        <p:tgtEl>
+                                          <p:spTgt spid="22"/>
+                                        </p:tgtEl>
+                                        <p:attrNameLst>
+                                          <p:attrName>style.visibility</p:attrName>
+                                        </p:attrNameLst>
+                                      </p:cBhvr>
+                                      <p:to>
+                                        <p:strVal val="visible"/>
+                                      </p:to>
+                                    </p:set>
+                                  </p:childTnLst>
+                                </p:cTn>
+                              </p:par>
+                              <p:par>
+                                <p:cTn id="35" presetID="1" presetClass="entr" presetSubtype="0" fill="hold" grpId="0" nodeType="withEffect">
+                                  <p:stCondLst>
+                                    <p:cond delay="0"/>
+                                  </p:stCondLst>
+                                  <p:childTnLst>
+                                    <p:set>
+                                      <p:cBhvr>
+                                        <p:cTn id="36" dur="1" fill="hold">
+                                          <p:stCondLst>
+                                            <p:cond delay="0"/>
+                                          </p:stCondLst>
+                                        </p:cTn>
+                                        <p:tgtEl>
+                                          <p:spTgt spid="10"/>
+                                        </p:tgtEl>
+                                        <p:attrNameLst>
+                                          <p:attrName>style.visibility</p:attrName>
+                                        </p:attrNameLst>
+                                      </p:cBhvr>
+                                      <p:to>
+                                        <p:strVal val="visible"/>
+                                      </p:to>
+                                    </p:set>
+                                  </p:childTnLst>
+                                </p:cTn>
+                              </p:par>
+                              <p:par>
+                                <p:cTn id="37" presetID="1" presetClass="entr" presetSubtype="0" fill="hold" nodeType="withEffect">
+                                  <p:stCondLst>
+                                    <p:cond delay="0"/>
+                                  </p:stCondLst>
+                                  <p:childTnLst>
+                                    <p:set>
+                                      <p:cBhvr>
+                                        <p:cTn id="38" dur="1" fill="hold">
+                                          <p:stCondLst>
+                                            <p:cond delay="0"/>
+                                          </p:stCondLst>
+                                        </p:cTn>
+                                        <p:tgtEl>
+                                          <p:spTgt spid="9"/>
+                                        </p:tgtEl>
+                                        <p:attrNameLst>
+                                          <p:attrName>style.visibility</p:attrName>
+                                        </p:attrNameLst>
+                                      </p:cBhvr>
+                                      <p:to>
+                                        <p:strVal val="visible"/>
+                                      </p:to>
+                                    </p:set>
+                                  </p:childTnLst>
+                                </p:cTn>
+                              </p:par>
+                            </p:childTnLst>
+                          </p:cTn>
+                        </p:par>
+                      </p:childTnLst>
+                    </p:cTn>
+                  </p:par>
+                </p:childTnLst>
+              </p:cTn>
+              <p:prevCondLst>
+                <p:cond evt="onPrev" delay="0">
+                  <p:tgtEl>
+                    <p:sldTgt/>
+                  </p:tgtEl>
+                </p:cond>
+              </p:prevCondLst>
+              <p:nextCondLst>
+                <p:cond evt="onNext" delay="0">
+                  <p:tgtEl>
+                    <p:sldTgt/>
+                  </p:tgtEl>
+                </p:cond>
+              </p:nextCondLst>
+            </p:seq>
+          </p:childTnLst>
+        </p:cTn>
+      </p:par>
+    </p:tnLst>
+    <p:bldLst>
+      <p:bldP spid="4" grpId="0"/>
+      <p:bldP spid="5" grpId="0"/>
+      <p:bldP spid="6" grpId="0"/>
+      <p:bldP spid="10" grpId="0"/>
+      <p:bldP spid="11" grpId="0"/>
+    </p:bldLst>
+  </p:timing>
 </p:sld>
 </file>
 
@@ -10485,6 +10972,1188 @@
   <p:transition>
     <p:fade/>
   </p:transition>
+  <p:timing>
+    <p:tnLst>
+      <p:par>
+        <p:cTn id="1" dur="indefinite" restart="never" nodeType="tmRoot">
+          <p:childTnLst>
+            <p:seq concurrent="1" nextAc="seek">
+              <p:cTn id="2" dur="indefinite" nodeType="mainSeq">
+                <p:childTnLst>
+                  <p:par>
+                    <p:cTn id="3" fill="hold">
+                      <p:stCondLst>
+                        <p:cond delay="indefinite"/>
+                      </p:stCondLst>
+                      <p:childTnLst>
+                        <p:par>
+                          <p:cTn id="4" fill="hold">
+                            <p:stCondLst>
+                              <p:cond delay="0"/>
+                            </p:stCondLst>
+                            <p:childTnLst>
+                              <p:par>
+                                <p:cTn id="5" presetID="1" presetClass="entr" presetSubtype="0" fill="hold" nodeType="clickEffect">
+                                  <p:stCondLst>
+                                    <p:cond delay="0"/>
+                                  </p:stCondLst>
+                                  <p:childTnLst>
+                                    <p:set>
+                                      <p:cBhvr>
+                                        <p:cTn id="6" dur="1" fill="hold">
+                                          <p:stCondLst>
+                                            <p:cond delay="0"/>
+                                          </p:stCondLst>
+                                        </p:cTn>
+                                        <p:tgtEl>
+                                          <p:spTgt spid="8"/>
+                                        </p:tgtEl>
+                                        <p:attrNameLst>
+                                          <p:attrName>style.visibility</p:attrName>
+                                        </p:attrNameLst>
+                                      </p:cBhvr>
+                                      <p:to>
+                                        <p:strVal val="visible"/>
+                                      </p:to>
+                                    </p:set>
+                                  </p:childTnLst>
+                                </p:cTn>
+                              </p:par>
+                              <p:par>
+                                <p:cTn id="7" presetID="1" presetClass="entr" presetSubtype="0" fill="hold" nodeType="withEffect">
+                                  <p:stCondLst>
+                                    <p:cond delay="0"/>
+                                  </p:stCondLst>
+                                  <p:childTnLst>
+                                    <p:set>
+                                      <p:cBhvr>
+                                        <p:cTn id="8" dur="1" fill="hold">
+                                          <p:stCondLst>
+                                            <p:cond delay="0"/>
+                                          </p:stCondLst>
+                                        </p:cTn>
+                                        <p:tgtEl>
+                                          <p:spTgt spid="31"/>
+                                        </p:tgtEl>
+                                        <p:attrNameLst>
+                                          <p:attrName>style.visibility</p:attrName>
+                                        </p:attrNameLst>
+                                      </p:cBhvr>
+                                      <p:to>
+                                        <p:strVal val="visible"/>
+                                      </p:to>
+                                    </p:set>
+                                  </p:childTnLst>
+                                </p:cTn>
+                              </p:par>
+                              <p:par>
+                                <p:cTn id="9" presetID="1" presetClass="entr" presetSubtype="0" fill="hold" nodeType="withEffect">
+                                  <p:stCondLst>
+                                    <p:cond delay="0"/>
+                                  </p:stCondLst>
+                                  <p:childTnLst>
+                                    <p:set>
+                                      <p:cBhvr>
+                                        <p:cTn id="10" dur="1" fill="hold">
+                                          <p:stCondLst>
+                                            <p:cond delay="0"/>
+                                          </p:stCondLst>
+                                        </p:cTn>
+                                        <p:tgtEl>
+                                          <p:spTgt spid="42"/>
+                                        </p:tgtEl>
+                                        <p:attrNameLst>
+                                          <p:attrName>style.visibility</p:attrName>
+                                        </p:attrNameLst>
+                                      </p:cBhvr>
+                                      <p:to>
+                                        <p:strVal val="visible"/>
+                                      </p:to>
+                                    </p:set>
+                                  </p:childTnLst>
+                                </p:cTn>
+                              </p:par>
+                              <p:par>
+                                <p:cTn id="11" presetID="1" presetClass="entr" presetSubtype="0" fill="hold" grpId="0" nodeType="withEffect">
+                                  <p:stCondLst>
+                                    <p:cond delay="0"/>
+                                  </p:stCondLst>
+                                  <p:childTnLst>
+                                    <p:set>
+                                      <p:cBhvr>
+                                        <p:cTn id="12" dur="1" fill="hold">
+                                          <p:stCondLst>
+                                            <p:cond delay="0"/>
+                                          </p:stCondLst>
+                                        </p:cTn>
+                                        <p:tgtEl>
+                                          <p:spTgt spid="34"/>
+                                        </p:tgtEl>
+                                        <p:attrNameLst>
+                                          <p:attrName>style.visibility</p:attrName>
+                                        </p:attrNameLst>
+                                      </p:cBhvr>
+                                      <p:to>
+                                        <p:strVal val="visible"/>
+                                      </p:to>
+                                    </p:set>
+                                  </p:childTnLst>
+                                </p:cTn>
+                              </p:par>
+                              <p:par>
+                                <p:cTn id="13" presetID="1" presetClass="entr" presetSubtype="0" fill="hold" nodeType="withEffect">
+                                  <p:stCondLst>
+                                    <p:cond delay="0"/>
+                                  </p:stCondLst>
+                                  <p:childTnLst>
+                                    <p:set>
+                                      <p:cBhvr>
+                                        <p:cTn id="14" dur="1" fill="hold">
+                                          <p:stCondLst>
+                                            <p:cond delay="0"/>
+                                          </p:stCondLst>
+                                        </p:cTn>
+                                        <p:tgtEl>
+                                          <p:spTgt spid="15"/>
+                                        </p:tgtEl>
+                                        <p:attrNameLst>
+                                          <p:attrName>style.visibility</p:attrName>
+                                        </p:attrNameLst>
+                                      </p:cBhvr>
+                                      <p:to>
+                                        <p:strVal val="visible"/>
+                                      </p:to>
+                                    </p:set>
+                                  </p:childTnLst>
+                                </p:cTn>
+                              </p:par>
+                              <p:par>
+                                <p:cTn id="15" presetID="1" presetClass="entr" presetSubtype="0" fill="hold" grpId="0" nodeType="withEffect">
+                                  <p:stCondLst>
+                                    <p:cond delay="0"/>
+                                  </p:stCondLst>
+                                  <p:childTnLst>
+                                    <p:set>
+                                      <p:cBhvr>
+                                        <p:cTn id="16" dur="1" fill="hold">
+                                          <p:stCondLst>
+                                            <p:cond delay="0"/>
+                                          </p:stCondLst>
+                                        </p:cTn>
+                                        <p:tgtEl>
+                                          <p:spTgt spid="51"/>
+                                        </p:tgtEl>
+                                        <p:attrNameLst>
+                                          <p:attrName>style.visibility</p:attrName>
+                                        </p:attrNameLst>
+                                      </p:cBhvr>
+                                      <p:to>
+                                        <p:strVal val="visible"/>
+                                      </p:to>
+                                    </p:set>
+                                  </p:childTnLst>
+                                </p:cTn>
+                              </p:par>
+                              <p:par>
+                                <p:cTn id="17" presetID="1" presetClass="entr" presetSubtype="0" fill="hold" nodeType="withEffect">
+                                  <p:stCondLst>
+                                    <p:cond delay="0"/>
+                                  </p:stCondLst>
+                                  <p:childTnLst>
+                                    <p:set>
+                                      <p:cBhvr>
+                                        <p:cTn id="18" dur="1" fill="hold">
+                                          <p:stCondLst>
+                                            <p:cond delay="0"/>
+                                          </p:stCondLst>
+                                        </p:cTn>
+                                        <p:tgtEl>
+                                          <p:spTgt spid="17"/>
+                                        </p:tgtEl>
+                                        <p:attrNameLst>
+                                          <p:attrName>style.visibility</p:attrName>
+                                        </p:attrNameLst>
+                                      </p:cBhvr>
+                                      <p:to>
+                                        <p:strVal val="visible"/>
+                                      </p:to>
+                                    </p:set>
+                                  </p:childTnLst>
+                                </p:cTn>
+                              </p:par>
+                              <p:par>
+                                <p:cTn id="19" presetID="1" presetClass="entr" presetSubtype="0" fill="hold" grpId="0" nodeType="withEffect">
+                                  <p:stCondLst>
+                                    <p:cond delay="0"/>
+                                  </p:stCondLst>
+                                  <p:childTnLst>
+                                    <p:set>
+                                      <p:cBhvr>
+                                        <p:cTn id="20" dur="1" fill="hold">
+                                          <p:stCondLst>
+                                            <p:cond delay="0"/>
+                                          </p:stCondLst>
+                                        </p:cTn>
+                                        <p:tgtEl>
+                                          <p:spTgt spid="50"/>
+                                        </p:tgtEl>
+                                        <p:attrNameLst>
+                                          <p:attrName>style.visibility</p:attrName>
+                                        </p:attrNameLst>
+                                      </p:cBhvr>
+                                      <p:to>
+                                        <p:strVal val="visible"/>
+                                      </p:to>
+                                    </p:set>
+                                  </p:childTnLst>
+                                </p:cTn>
+                              </p:par>
+                              <p:par>
+                                <p:cTn id="21" presetID="1" presetClass="entr" presetSubtype="0" fill="hold" nodeType="withEffect">
+                                  <p:stCondLst>
+                                    <p:cond delay="0"/>
+                                  </p:stCondLst>
+                                  <p:childTnLst>
+                                    <p:set>
+                                      <p:cBhvr>
+                                        <p:cTn id="22" dur="1" fill="hold">
+                                          <p:stCondLst>
+                                            <p:cond delay="0"/>
+                                          </p:stCondLst>
+                                        </p:cTn>
+                                        <p:tgtEl>
+                                          <p:spTgt spid="20"/>
+                                        </p:tgtEl>
+                                        <p:attrNameLst>
+                                          <p:attrName>style.visibility</p:attrName>
+                                        </p:attrNameLst>
+                                      </p:cBhvr>
+                                      <p:to>
+                                        <p:strVal val="visible"/>
+                                      </p:to>
+                                    </p:set>
+                                  </p:childTnLst>
+                                </p:cTn>
+                              </p:par>
+                              <p:par>
+                                <p:cTn id="23" presetID="1" presetClass="entr" presetSubtype="0" fill="hold" grpId="0" nodeType="withEffect">
+                                  <p:stCondLst>
+                                    <p:cond delay="0"/>
+                                  </p:stCondLst>
+                                  <p:childTnLst>
+                                    <p:set>
+                                      <p:cBhvr>
+                                        <p:cTn id="24" dur="1" fill="hold">
+                                          <p:stCondLst>
+                                            <p:cond delay="0"/>
+                                          </p:stCondLst>
+                                        </p:cTn>
+                                        <p:tgtEl>
+                                          <p:spTgt spid="49"/>
+                                        </p:tgtEl>
+                                        <p:attrNameLst>
+                                          <p:attrName>style.visibility</p:attrName>
+                                        </p:attrNameLst>
+                                      </p:cBhvr>
+                                      <p:to>
+                                        <p:strVal val="visible"/>
+                                      </p:to>
+                                    </p:set>
+                                  </p:childTnLst>
+                                </p:cTn>
+                              </p:par>
+                              <p:par>
+                                <p:cTn id="25" presetID="1" presetClass="entr" presetSubtype="0" fill="hold" nodeType="withEffect">
+                                  <p:stCondLst>
+                                    <p:cond delay="0"/>
+                                  </p:stCondLst>
+                                  <p:childTnLst>
+                                    <p:set>
+                                      <p:cBhvr>
+                                        <p:cTn id="26" dur="1" fill="hold">
+                                          <p:stCondLst>
+                                            <p:cond delay="0"/>
+                                          </p:stCondLst>
+                                        </p:cTn>
+                                        <p:tgtEl>
+                                          <p:spTgt spid="11"/>
+                                        </p:tgtEl>
+                                        <p:attrNameLst>
+                                          <p:attrName>style.visibility</p:attrName>
+                                        </p:attrNameLst>
+                                      </p:cBhvr>
+                                      <p:to>
+                                        <p:strVal val="visible"/>
+                                      </p:to>
+                                    </p:set>
+                                  </p:childTnLst>
+                                </p:cTn>
+                              </p:par>
+                              <p:par>
+                                <p:cTn id="27" presetID="1" presetClass="entr" presetSubtype="0" fill="hold" nodeType="withEffect">
+                                  <p:stCondLst>
+                                    <p:cond delay="0"/>
+                                  </p:stCondLst>
+                                  <p:childTnLst>
+                                    <p:set>
+                                      <p:cBhvr>
+                                        <p:cTn id="28" dur="1" fill="hold">
+                                          <p:stCondLst>
+                                            <p:cond delay="0"/>
+                                          </p:stCondLst>
+                                        </p:cTn>
+                                        <p:tgtEl>
+                                          <p:spTgt spid="46"/>
+                                        </p:tgtEl>
+                                        <p:attrNameLst>
+                                          <p:attrName>style.visibility</p:attrName>
+                                        </p:attrNameLst>
+                                      </p:cBhvr>
+                                      <p:to>
+                                        <p:strVal val="visible"/>
+                                      </p:to>
+                                    </p:set>
+                                  </p:childTnLst>
+                                </p:cTn>
+                              </p:par>
+                              <p:par>
+                                <p:cTn id="29" presetID="1" presetClass="entr" presetSubtype="0" fill="hold" grpId="0" nodeType="withEffect">
+                                  <p:stCondLst>
+                                    <p:cond delay="0"/>
+                                  </p:stCondLst>
+                                  <p:childTnLst>
+                                    <p:set>
+                                      <p:cBhvr>
+                                        <p:cTn id="30" dur="1" fill="hold">
+                                          <p:stCondLst>
+                                            <p:cond delay="0"/>
+                                          </p:stCondLst>
+                                        </p:cTn>
+                                        <p:tgtEl>
+                                          <p:spTgt spid="48"/>
+                                        </p:tgtEl>
+                                        <p:attrNameLst>
+                                          <p:attrName>style.visibility</p:attrName>
+                                        </p:attrNameLst>
+                                      </p:cBhvr>
+                                      <p:to>
+                                        <p:strVal val="visible"/>
+                                      </p:to>
+                                    </p:set>
+                                  </p:childTnLst>
+                                </p:cTn>
+                              </p:par>
+                              <p:par>
+                                <p:cTn id="31" presetID="1" presetClass="entr" presetSubtype="0" fill="hold" nodeType="withEffect">
+                                  <p:stCondLst>
+                                    <p:cond delay="0"/>
+                                  </p:stCondLst>
+                                  <p:childTnLst>
+                                    <p:set>
+                                      <p:cBhvr>
+                                        <p:cTn id="32" dur="1" fill="hold">
+                                          <p:stCondLst>
+                                            <p:cond delay="0"/>
+                                          </p:stCondLst>
+                                        </p:cTn>
+                                        <p:tgtEl>
+                                          <p:spTgt spid="44"/>
+                                        </p:tgtEl>
+                                        <p:attrNameLst>
+                                          <p:attrName>style.visibility</p:attrName>
+                                        </p:attrNameLst>
+                                      </p:cBhvr>
+                                      <p:to>
+                                        <p:strVal val="visible"/>
+                                      </p:to>
+                                    </p:set>
+                                  </p:childTnLst>
+                                </p:cTn>
+                              </p:par>
+                              <p:par>
+                                <p:cTn id="33" presetID="1" presetClass="entr" presetSubtype="0" fill="hold" grpId="0" nodeType="withEffect">
+                                  <p:stCondLst>
+                                    <p:cond delay="0"/>
+                                  </p:stCondLst>
+                                  <p:childTnLst>
+                                    <p:set>
+                                      <p:cBhvr>
+                                        <p:cTn id="34" dur="1" fill="hold">
+                                          <p:stCondLst>
+                                            <p:cond delay="0"/>
+                                          </p:stCondLst>
+                                        </p:cTn>
+                                        <p:tgtEl>
+                                          <p:spTgt spid="47"/>
+                                        </p:tgtEl>
+                                        <p:attrNameLst>
+                                          <p:attrName>style.visibility</p:attrName>
+                                        </p:attrNameLst>
+                                      </p:cBhvr>
+                                      <p:to>
+                                        <p:strVal val="visible"/>
+                                      </p:to>
+                                    </p:set>
+                                  </p:childTnLst>
+                                </p:cTn>
+                              </p:par>
+                            </p:childTnLst>
+                          </p:cTn>
+                        </p:par>
+                      </p:childTnLst>
+                    </p:cTn>
+                  </p:par>
+                  <p:par>
+                    <p:cTn id="35" fill="hold">
+                      <p:stCondLst>
+                        <p:cond delay="indefinite"/>
+                      </p:stCondLst>
+                      <p:childTnLst>
+                        <p:par>
+                          <p:cTn id="36" fill="hold">
+                            <p:stCondLst>
+                              <p:cond delay="0"/>
+                            </p:stCondLst>
+                            <p:childTnLst>
+                              <p:par>
+                                <p:cTn id="37" presetID="1" presetClass="entr" presetSubtype="0" fill="hold" nodeType="clickEffect">
+                                  <p:stCondLst>
+                                    <p:cond delay="0"/>
+                                  </p:stCondLst>
+                                  <p:childTnLst>
+                                    <p:set>
+                                      <p:cBhvr>
+                                        <p:cTn id="38" dur="1" fill="hold">
+                                          <p:stCondLst>
+                                            <p:cond delay="0"/>
+                                          </p:stCondLst>
+                                        </p:cTn>
+                                        <p:tgtEl>
+                                          <p:spTgt spid="40"/>
+                                        </p:tgtEl>
+                                        <p:attrNameLst>
+                                          <p:attrName>style.visibility</p:attrName>
+                                        </p:attrNameLst>
+                                      </p:cBhvr>
+                                      <p:to>
+                                        <p:strVal val="visible"/>
+                                      </p:to>
+                                    </p:set>
+                                  </p:childTnLst>
+                                </p:cTn>
+                              </p:par>
+                              <p:par>
+                                <p:cTn id="39" presetID="1" presetClass="entr" presetSubtype="0" fill="hold" grpId="0" nodeType="withEffect">
+                                  <p:stCondLst>
+                                    <p:cond delay="0"/>
+                                  </p:stCondLst>
+                                  <p:childTnLst>
+                                    <p:set>
+                                      <p:cBhvr>
+                                        <p:cTn id="40" dur="1" fill="hold">
+                                          <p:stCondLst>
+                                            <p:cond delay="0"/>
+                                          </p:stCondLst>
+                                        </p:cTn>
+                                        <p:tgtEl>
+                                          <p:spTgt spid="38"/>
+                                        </p:tgtEl>
+                                        <p:attrNameLst>
+                                          <p:attrName>style.visibility</p:attrName>
+                                        </p:attrNameLst>
+                                      </p:cBhvr>
+                                      <p:to>
+                                        <p:strVal val="visible"/>
+                                      </p:to>
+                                    </p:set>
+                                  </p:childTnLst>
+                                </p:cTn>
+                              </p:par>
+                              <p:par>
+                                <p:cTn id="41" presetID="1" presetClass="entr" presetSubtype="0" fill="hold" nodeType="withEffect">
+                                  <p:stCondLst>
+                                    <p:cond delay="0"/>
+                                  </p:stCondLst>
+                                  <p:childTnLst>
+                                    <p:set>
+                                      <p:cBhvr>
+                                        <p:cTn id="42" dur="1" fill="hold">
+                                          <p:stCondLst>
+                                            <p:cond delay="0"/>
+                                          </p:stCondLst>
+                                        </p:cTn>
+                                        <p:tgtEl>
+                                          <p:spTgt spid="6"/>
+                                        </p:tgtEl>
+                                        <p:attrNameLst>
+                                          <p:attrName>style.visibility</p:attrName>
+                                        </p:attrNameLst>
+                                      </p:cBhvr>
+                                      <p:to>
+                                        <p:strVal val="visible"/>
+                                      </p:to>
+                                    </p:set>
+                                  </p:childTnLst>
+                                </p:cTn>
+                              </p:par>
+                              <p:par>
+                                <p:cTn id="43" presetID="1" presetClass="entr" presetSubtype="0" fill="hold" grpId="0" nodeType="withEffect">
+                                  <p:stCondLst>
+                                    <p:cond delay="0"/>
+                                  </p:stCondLst>
+                                  <p:childTnLst>
+                                    <p:set>
+                                      <p:cBhvr>
+                                        <p:cTn id="44" dur="1" fill="hold">
+                                          <p:stCondLst>
+                                            <p:cond delay="0"/>
+                                          </p:stCondLst>
+                                        </p:cTn>
+                                        <p:tgtEl>
+                                          <p:spTgt spid="36"/>
+                                        </p:tgtEl>
+                                        <p:attrNameLst>
+                                          <p:attrName>style.visibility</p:attrName>
+                                        </p:attrNameLst>
+                                      </p:cBhvr>
+                                      <p:to>
+                                        <p:strVal val="visible"/>
+                                      </p:to>
+                                    </p:set>
+                                  </p:childTnLst>
+                                </p:cTn>
+                              </p:par>
+                              <p:par>
+                                <p:cTn id="45" presetID="1" presetClass="entr" presetSubtype="0" fill="hold" grpId="0" nodeType="withEffect">
+                                  <p:stCondLst>
+                                    <p:cond delay="0"/>
+                                  </p:stCondLst>
+                                  <p:childTnLst>
+                                    <p:set>
+                                      <p:cBhvr>
+                                        <p:cTn id="46" dur="1" fill="hold">
+                                          <p:stCondLst>
+                                            <p:cond delay="0"/>
+                                          </p:stCondLst>
+                                        </p:cTn>
+                                        <p:tgtEl>
+                                          <p:spTgt spid="33"/>
+                                        </p:tgtEl>
+                                        <p:attrNameLst>
+                                          <p:attrName>style.visibility</p:attrName>
+                                        </p:attrNameLst>
+                                      </p:cBhvr>
+                                      <p:to>
+                                        <p:strVal val="visible"/>
+                                      </p:to>
+                                    </p:set>
+                                  </p:childTnLst>
+                                </p:cTn>
+                              </p:par>
+                              <p:par>
+                                <p:cTn id="47" presetID="1" presetClass="entr" presetSubtype="0" fill="hold" nodeType="withEffect">
+                                  <p:stCondLst>
+                                    <p:cond delay="0"/>
+                                  </p:stCondLst>
+                                  <p:childTnLst>
+                                    <p:set>
+                                      <p:cBhvr>
+                                        <p:cTn id="48" dur="1" fill="hold">
+                                          <p:stCondLst>
+                                            <p:cond delay="0"/>
+                                          </p:stCondLst>
+                                        </p:cTn>
+                                        <p:tgtEl>
+                                          <p:spTgt spid="41"/>
+                                        </p:tgtEl>
+                                        <p:attrNameLst>
+                                          <p:attrName>style.visibility</p:attrName>
+                                        </p:attrNameLst>
+                                      </p:cBhvr>
+                                      <p:to>
+                                        <p:strVal val="visible"/>
+                                      </p:to>
+                                    </p:set>
+                                  </p:childTnLst>
+                                </p:cTn>
+                              </p:par>
+                              <p:par>
+                                <p:cTn id="49" presetID="1" presetClass="entr" presetSubtype="0" fill="hold" nodeType="withEffect">
+                                  <p:stCondLst>
+                                    <p:cond delay="0"/>
+                                  </p:stCondLst>
+                                  <p:childTnLst>
+                                    <p:set>
+                                      <p:cBhvr>
+                                        <p:cTn id="50" dur="1" fill="hold">
+                                          <p:stCondLst>
+                                            <p:cond delay="0"/>
+                                          </p:stCondLst>
+                                        </p:cTn>
+                                        <p:tgtEl>
+                                          <p:spTgt spid="4"/>
+                                        </p:tgtEl>
+                                        <p:attrNameLst>
+                                          <p:attrName>style.visibility</p:attrName>
+                                        </p:attrNameLst>
+                                      </p:cBhvr>
+                                      <p:to>
+                                        <p:strVal val="visible"/>
+                                      </p:to>
+                                    </p:set>
+                                  </p:childTnLst>
+                                </p:cTn>
+                              </p:par>
+                              <p:par>
+                                <p:cTn id="51" presetID="1" presetClass="entr" presetSubtype="0" fill="hold" grpId="0" nodeType="withEffect">
+                                  <p:stCondLst>
+                                    <p:cond delay="0"/>
+                                  </p:stCondLst>
+                                  <p:childTnLst>
+                                    <p:set>
+                                      <p:cBhvr>
+                                        <p:cTn id="52" dur="1" fill="hold">
+                                          <p:stCondLst>
+                                            <p:cond delay="0"/>
+                                          </p:stCondLst>
+                                        </p:cTn>
+                                        <p:tgtEl>
+                                          <p:spTgt spid="37"/>
+                                        </p:tgtEl>
+                                        <p:attrNameLst>
+                                          <p:attrName>style.visibility</p:attrName>
+                                        </p:attrNameLst>
+                                      </p:cBhvr>
+                                      <p:to>
+                                        <p:strVal val="visible"/>
+                                      </p:to>
+                                    </p:set>
+                                  </p:childTnLst>
+                                </p:cTn>
+                              </p:par>
+                              <p:par>
+                                <p:cTn id="53" presetID="1" presetClass="entr" presetSubtype="0" fill="hold" nodeType="withEffect">
+                                  <p:stCondLst>
+                                    <p:cond delay="0"/>
+                                  </p:stCondLst>
+                                  <p:childTnLst>
+                                    <p:set>
+                                      <p:cBhvr>
+                                        <p:cTn id="54" dur="1" fill="hold">
+                                          <p:stCondLst>
+                                            <p:cond delay="0"/>
+                                          </p:stCondLst>
+                                        </p:cTn>
+                                        <p:tgtEl>
+                                          <p:spTgt spid="2"/>
+                                        </p:tgtEl>
+                                        <p:attrNameLst>
+                                          <p:attrName>style.visibility</p:attrName>
+                                        </p:attrNameLst>
+                                      </p:cBhvr>
+                                      <p:to>
+                                        <p:strVal val="visible"/>
+                                      </p:to>
+                                    </p:set>
+                                  </p:childTnLst>
+                                </p:cTn>
+                              </p:par>
+                              <p:par>
+                                <p:cTn id="55" presetID="1" presetClass="entr" presetSubtype="0" fill="hold" grpId="0" nodeType="withEffect">
+                                  <p:stCondLst>
+                                    <p:cond delay="0"/>
+                                  </p:stCondLst>
+                                  <p:childTnLst>
+                                    <p:set>
+                                      <p:cBhvr>
+                                        <p:cTn id="56" dur="1" fill="hold">
+                                          <p:stCondLst>
+                                            <p:cond delay="0"/>
+                                          </p:stCondLst>
+                                        </p:cTn>
+                                        <p:tgtEl>
+                                          <p:spTgt spid="39"/>
+                                        </p:tgtEl>
+                                        <p:attrNameLst>
+                                          <p:attrName>style.visibility</p:attrName>
+                                        </p:attrNameLst>
+                                      </p:cBhvr>
+                                      <p:to>
+                                        <p:strVal val="visible"/>
+                                      </p:to>
+                                    </p:set>
+                                  </p:childTnLst>
+                                </p:cTn>
+                              </p:par>
+                              <p:par>
+                                <p:cTn id="57" presetID="1" presetClass="entr" presetSubtype="0" fill="hold" nodeType="withEffect">
+                                  <p:stCondLst>
+                                    <p:cond delay="0"/>
+                                  </p:stCondLst>
+                                  <p:childTnLst>
+                                    <p:set>
+                                      <p:cBhvr>
+                                        <p:cTn id="58" dur="1" fill="hold">
+                                          <p:stCondLst>
+                                            <p:cond delay="0"/>
+                                          </p:stCondLst>
+                                        </p:cTn>
+                                        <p:tgtEl>
+                                          <p:spTgt spid="45"/>
+                                        </p:tgtEl>
+                                        <p:attrNameLst>
+                                          <p:attrName>style.visibility</p:attrName>
+                                        </p:attrNameLst>
+                                      </p:cBhvr>
+                                      <p:to>
+                                        <p:strVal val="visible"/>
+                                      </p:to>
+                                    </p:set>
+                                  </p:childTnLst>
+                                </p:cTn>
+                              </p:par>
+                            </p:childTnLst>
+                          </p:cTn>
+                        </p:par>
+                      </p:childTnLst>
+                    </p:cTn>
+                  </p:par>
+                  <p:par>
+                    <p:cTn id="59" fill="hold">
+                      <p:stCondLst>
+                        <p:cond delay="indefinite"/>
+                      </p:stCondLst>
+                      <p:childTnLst>
+                        <p:par>
+                          <p:cTn id="60" fill="hold">
+                            <p:stCondLst>
+                              <p:cond delay="0"/>
+                            </p:stCondLst>
+                            <p:childTnLst>
+                              <p:par>
+                                <p:cTn id="61" presetID="1" presetClass="entr" presetSubtype="0" fill="hold" grpId="0" nodeType="clickEffect">
+                                  <p:stCondLst>
+                                    <p:cond delay="0"/>
+                                  </p:stCondLst>
+                                  <p:childTnLst>
+                                    <p:set>
+                                      <p:cBhvr>
+                                        <p:cTn id="62" dur="1" fill="hold">
+                                          <p:stCondLst>
+                                            <p:cond delay="0"/>
+                                          </p:stCondLst>
+                                        </p:cTn>
+                                        <p:tgtEl>
+                                          <p:spTgt spid="35"/>
+                                        </p:tgtEl>
+                                        <p:attrNameLst>
+                                          <p:attrName>style.visibility</p:attrName>
+                                        </p:attrNameLst>
+                                      </p:cBhvr>
+                                      <p:to>
+                                        <p:strVal val="visible"/>
+                                      </p:to>
+                                    </p:set>
+                                  </p:childTnLst>
+                                </p:cTn>
+                              </p:par>
+                              <p:par>
+                                <p:cTn id="63" presetID="1" presetClass="entr" presetSubtype="0" fill="hold" nodeType="withEffect">
+                                  <p:stCondLst>
+                                    <p:cond delay="0"/>
+                                  </p:stCondLst>
+                                  <p:childTnLst>
+                                    <p:set>
+                                      <p:cBhvr>
+                                        <p:cTn id="64" dur="1" fill="hold">
+                                          <p:stCondLst>
+                                            <p:cond delay="0"/>
+                                          </p:stCondLst>
+                                        </p:cTn>
+                                        <p:tgtEl>
+                                          <p:spTgt spid="22"/>
+                                        </p:tgtEl>
+                                        <p:attrNameLst>
+                                          <p:attrName>style.visibility</p:attrName>
+                                        </p:attrNameLst>
+                                      </p:cBhvr>
+                                      <p:to>
+                                        <p:strVal val="visible"/>
+                                      </p:to>
+                                    </p:set>
+                                  </p:childTnLst>
+                                </p:cTn>
+                              </p:par>
+                              <p:par>
+                                <p:cTn id="65" presetID="1" presetClass="entr" presetSubtype="0" fill="hold" nodeType="withEffect">
+                                  <p:stCondLst>
+                                    <p:cond delay="0"/>
+                                  </p:stCondLst>
+                                  <p:childTnLst>
+                                    <p:set>
+                                      <p:cBhvr>
+                                        <p:cTn id="66" dur="1" fill="hold">
+                                          <p:stCondLst>
+                                            <p:cond delay="0"/>
+                                          </p:stCondLst>
+                                        </p:cTn>
+                                        <p:tgtEl>
+                                          <p:spTgt spid="43"/>
+                                        </p:tgtEl>
+                                        <p:attrNameLst>
+                                          <p:attrName>style.visibility</p:attrName>
+                                        </p:attrNameLst>
+                                      </p:cBhvr>
+                                      <p:to>
+                                        <p:strVal val="visible"/>
+                                      </p:to>
+                                    </p:set>
+                                  </p:childTnLst>
+                                </p:cTn>
+                              </p:par>
+                              <p:par>
+                                <p:cTn id="67" presetID="1" presetClass="entr" presetSubtype="0" fill="hold" nodeType="withEffect">
+                                  <p:stCondLst>
+                                    <p:cond delay="0"/>
+                                  </p:stCondLst>
+                                  <p:childTnLst>
+                                    <p:set>
+                                      <p:cBhvr>
+                                        <p:cTn id="68" dur="1" fill="hold">
+                                          <p:stCondLst>
+                                            <p:cond delay="0"/>
+                                          </p:stCondLst>
+                                        </p:cTn>
+                                        <p:tgtEl>
+                                          <p:spTgt spid="23"/>
+                                        </p:tgtEl>
+                                        <p:attrNameLst>
+                                          <p:attrName>style.visibility</p:attrName>
+                                        </p:attrNameLst>
+                                      </p:cBhvr>
+                                      <p:to>
+                                        <p:strVal val="visible"/>
+                                      </p:to>
+                                    </p:set>
+                                  </p:childTnLst>
+                                </p:cTn>
+                              </p:par>
+                              <p:par>
+                                <p:cTn id="69" presetID="1" presetClass="entr" presetSubtype="0" fill="hold" grpId="0" nodeType="withEffect">
+                                  <p:stCondLst>
+                                    <p:cond delay="0"/>
+                                  </p:stCondLst>
+                                  <p:childTnLst>
+                                    <p:set>
+                                      <p:cBhvr>
+                                        <p:cTn id="70" dur="1" fill="hold">
+                                          <p:stCondLst>
+                                            <p:cond delay="0"/>
+                                          </p:stCondLst>
+                                        </p:cTn>
+                                        <p:tgtEl>
+                                          <p:spTgt spid="52"/>
+                                        </p:tgtEl>
+                                        <p:attrNameLst>
+                                          <p:attrName>style.visibility</p:attrName>
+                                        </p:attrNameLst>
+                                      </p:cBhvr>
+                                      <p:to>
+                                        <p:strVal val="visible"/>
+                                      </p:to>
+                                    </p:set>
+                                  </p:childTnLst>
+                                </p:cTn>
+                              </p:par>
+                              <p:par>
+                                <p:cTn id="71" presetID="1" presetClass="entr" presetSubtype="0" fill="hold" nodeType="withEffect">
+                                  <p:stCondLst>
+                                    <p:cond delay="0"/>
+                                  </p:stCondLst>
+                                  <p:childTnLst>
+                                    <p:set>
+                                      <p:cBhvr>
+                                        <p:cTn id="72" dur="1" fill="hold">
+                                          <p:stCondLst>
+                                            <p:cond delay="0"/>
+                                          </p:stCondLst>
+                                        </p:cTn>
+                                        <p:tgtEl>
+                                          <p:spTgt spid="3"/>
+                                        </p:tgtEl>
+                                        <p:attrNameLst>
+                                          <p:attrName>style.visibility</p:attrName>
+                                        </p:attrNameLst>
+                                      </p:cBhvr>
+                                      <p:to>
+                                        <p:strVal val="visible"/>
+                                      </p:to>
+                                    </p:set>
+                                  </p:childTnLst>
+                                </p:cTn>
+                              </p:par>
+                              <p:par>
+                                <p:cTn id="73" presetID="1" presetClass="entr" presetSubtype="0" fill="hold" grpId="0" nodeType="withEffect">
+                                  <p:stCondLst>
+                                    <p:cond delay="0"/>
+                                  </p:stCondLst>
+                                  <p:childTnLst>
+                                    <p:set>
+                                      <p:cBhvr>
+                                        <p:cTn id="74" dur="1" fill="hold">
+                                          <p:stCondLst>
+                                            <p:cond delay="0"/>
+                                          </p:stCondLst>
+                                        </p:cTn>
+                                        <p:tgtEl>
+                                          <p:spTgt spid="54"/>
+                                        </p:tgtEl>
+                                        <p:attrNameLst>
+                                          <p:attrName>style.visibility</p:attrName>
+                                        </p:attrNameLst>
+                                      </p:cBhvr>
+                                      <p:to>
+                                        <p:strVal val="visible"/>
+                                      </p:to>
+                                    </p:set>
+                                  </p:childTnLst>
+                                </p:cTn>
+                              </p:par>
+                              <p:par>
+                                <p:cTn id="75" presetID="1" presetClass="entr" presetSubtype="0" fill="hold" nodeType="withEffect">
+                                  <p:stCondLst>
+                                    <p:cond delay="0"/>
+                                  </p:stCondLst>
+                                  <p:childTnLst>
+                                    <p:set>
+                                      <p:cBhvr>
+                                        <p:cTn id="76" dur="1" fill="hold">
+                                          <p:stCondLst>
+                                            <p:cond delay="0"/>
+                                          </p:stCondLst>
+                                        </p:cTn>
+                                        <p:tgtEl>
+                                          <p:spTgt spid="7"/>
+                                        </p:tgtEl>
+                                        <p:attrNameLst>
+                                          <p:attrName>style.visibility</p:attrName>
+                                        </p:attrNameLst>
+                                      </p:cBhvr>
+                                      <p:to>
+                                        <p:strVal val="visible"/>
+                                      </p:to>
+                                    </p:set>
+                                  </p:childTnLst>
+                                </p:cTn>
+                              </p:par>
+                              <p:par>
+                                <p:cTn id="77" presetID="1" presetClass="entr" presetSubtype="0" fill="hold" nodeType="withEffect">
+                                  <p:stCondLst>
+                                    <p:cond delay="0"/>
+                                  </p:stCondLst>
+                                  <p:childTnLst>
+                                    <p:set>
+                                      <p:cBhvr>
+                                        <p:cTn id="78" dur="1" fill="hold">
+                                          <p:stCondLst>
+                                            <p:cond delay="0"/>
+                                          </p:stCondLst>
+                                        </p:cTn>
+                                        <p:tgtEl>
+                                          <p:spTgt spid="10"/>
+                                        </p:tgtEl>
+                                        <p:attrNameLst>
+                                          <p:attrName>style.visibility</p:attrName>
+                                        </p:attrNameLst>
+                                      </p:cBhvr>
+                                      <p:to>
+                                        <p:strVal val="visible"/>
+                                      </p:to>
+                                    </p:set>
+                                  </p:childTnLst>
+                                </p:cTn>
+                              </p:par>
+                              <p:par>
+                                <p:cTn id="79" presetID="1" presetClass="entr" presetSubtype="0" fill="hold" grpId="0" nodeType="withEffect">
+                                  <p:stCondLst>
+                                    <p:cond delay="0"/>
+                                  </p:stCondLst>
+                                  <p:childTnLst>
+                                    <p:set>
+                                      <p:cBhvr>
+                                        <p:cTn id="80" dur="1" fill="hold">
+                                          <p:stCondLst>
+                                            <p:cond delay="0"/>
+                                          </p:stCondLst>
+                                        </p:cTn>
+                                        <p:tgtEl>
+                                          <p:spTgt spid="5"/>
+                                        </p:tgtEl>
+                                        <p:attrNameLst>
+                                          <p:attrName>style.visibility</p:attrName>
+                                        </p:attrNameLst>
+                                      </p:cBhvr>
+                                      <p:to>
+                                        <p:strVal val="visible"/>
+                                      </p:to>
+                                    </p:set>
+                                  </p:childTnLst>
+                                </p:cTn>
+                              </p:par>
+                              <p:par>
+                                <p:cTn id="81" presetID="1" presetClass="entr" presetSubtype="0" fill="hold" nodeType="withEffect">
+                                  <p:stCondLst>
+                                    <p:cond delay="0"/>
+                                  </p:stCondLst>
+                                  <p:childTnLst>
+                                    <p:set>
+                                      <p:cBhvr>
+                                        <p:cTn id="82" dur="1" fill="hold">
+                                          <p:stCondLst>
+                                            <p:cond delay="0"/>
+                                          </p:stCondLst>
+                                        </p:cTn>
+                                        <p:tgtEl>
+                                          <p:spTgt spid="30"/>
+                                        </p:tgtEl>
+                                        <p:attrNameLst>
+                                          <p:attrName>style.visibility</p:attrName>
+                                        </p:attrNameLst>
+                                      </p:cBhvr>
+                                      <p:to>
+                                        <p:strVal val="visible"/>
+                                      </p:to>
+                                    </p:set>
+                                  </p:childTnLst>
+                                </p:cTn>
+                              </p:par>
+                              <p:par>
+                                <p:cTn id="83" presetID="1" presetClass="entr" presetSubtype="0" fill="hold" nodeType="withEffect">
+                                  <p:stCondLst>
+                                    <p:cond delay="0"/>
+                                  </p:stCondLst>
+                                  <p:childTnLst>
+                                    <p:set>
+                                      <p:cBhvr>
+                                        <p:cTn id="84" dur="1" fill="hold">
+                                          <p:stCondLst>
+                                            <p:cond delay="0"/>
+                                          </p:stCondLst>
+                                        </p:cTn>
+                                        <p:tgtEl>
+                                          <p:spTgt spid="28"/>
+                                        </p:tgtEl>
+                                        <p:attrNameLst>
+                                          <p:attrName>style.visibility</p:attrName>
+                                        </p:attrNameLst>
+                                      </p:cBhvr>
+                                      <p:to>
+                                        <p:strVal val="visible"/>
+                                      </p:to>
+                                    </p:set>
+                                  </p:childTnLst>
+                                </p:cTn>
+                              </p:par>
+                              <p:par>
+                                <p:cTn id="85" presetID="1" presetClass="entr" presetSubtype="0" fill="hold" nodeType="withEffect">
+                                  <p:stCondLst>
+                                    <p:cond delay="0"/>
+                                  </p:stCondLst>
+                                  <p:childTnLst>
+                                    <p:set>
+                                      <p:cBhvr>
+                                        <p:cTn id="86" dur="1" fill="hold">
+                                          <p:stCondLst>
+                                            <p:cond delay="0"/>
+                                          </p:stCondLst>
+                                        </p:cTn>
+                                        <p:tgtEl>
+                                          <p:spTgt spid="32"/>
+                                        </p:tgtEl>
+                                        <p:attrNameLst>
+                                          <p:attrName>style.visibility</p:attrName>
+                                        </p:attrNameLst>
+                                      </p:cBhvr>
+                                      <p:to>
+                                        <p:strVal val="visible"/>
+                                      </p:to>
+                                    </p:set>
+                                  </p:childTnLst>
+                                </p:cTn>
+                              </p:par>
+                              <p:par>
+                                <p:cTn id="87" presetID="1" presetClass="entr" presetSubtype="0" fill="hold" grpId="0" nodeType="withEffect">
+                                  <p:stCondLst>
+                                    <p:cond delay="0"/>
+                                  </p:stCondLst>
+                                  <p:childTnLst>
+                                    <p:set>
+                                      <p:cBhvr>
+                                        <p:cTn id="88" dur="1" fill="hold">
+                                          <p:stCondLst>
+                                            <p:cond delay="0"/>
+                                          </p:stCondLst>
+                                        </p:cTn>
+                                        <p:tgtEl>
+                                          <p:spTgt spid="53"/>
+                                        </p:tgtEl>
+                                        <p:attrNameLst>
+                                          <p:attrName>style.visibility</p:attrName>
+                                        </p:attrNameLst>
+                                      </p:cBhvr>
+                                      <p:to>
+                                        <p:strVal val="visible"/>
+                                      </p:to>
+                                    </p:set>
+                                  </p:childTnLst>
+                                </p:cTn>
+                              </p:par>
+                            </p:childTnLst>
+                          </p:cTn>
+                        </p:par>
+                      </p:childTnLst>
+                    </p:cTn>
+                  </p:par>
+                </p:childTnLst>
+              </p:cTn>
+              <p:prevCondLst>
+                <p:cond evt="onPrev" delay="0">
+                  <p:tgtEl>
+                    <p:sldTgt/>
+                  </p:tgtEl>
+                </p:cond>
+              </p:prevCondLst>
+              <p:nextCondLst>
+                <p:cond evt="onNext" delay="0">
+                  <p:tgtEl>
+                    <p:sldTgt/>
+                  </p:tgtEl>
+                </p:cond>
+              </p:nextCondLst>
+            </p:seq>
+          </p:childTnLst>
+        </p:cTn>
+      </p:par>
+    </p:tnLst>
+    <p:bldLst>
+      <p:bldP spid="33" grpId="0" animBg="1"/>
+      <p:bldP spid="34" grpId="0" animBg="1"/>
+      <p:bldP spid="35" grpId="0" animBg="1"/>
+      <p:bldP spid="36" grpId="0"/>
+      <p:bldP spid="37" grpId="0"/>
+      <p:bldP spid="38" grpId="0"/>
+      <p:bldP spid="39" grpId="0"/>
+      <p:bldP spid="48" grpId="0"/>
+      <p:bldP spid="49" grpId="0"/>
+      <p:bldP spid="50" grpId="0"/>
+      <p:bldP spid="51" grpId="0"/>
+      <p:bldP spid="52" grpId="0"/>
+      <p:bldP spid="53" grpId="0"/>
+      <p:bldP spid="54" grpId="0"/>
+      <p:bldP spid="5" grpId="0"/>
+      <p:bldP spid="47" grpId="0"/>
+    </p:bldLst>
+  </p:timing>
 </p:sld>
 </file>
 
